--- a/Presentation/Project_3_COVID19_MLModels_LabTests_Presentation.pptx
+++ b/Presentation/Project_3_COVID19_MLModels_LabTests_Presentation.pptx
@@ -5,7 +5,7 @@
     <p:sldMasterId id="2147483719" r:id="rId1"/>
   </p:sldMasterIdLst>
   <p:notesMasterIdLst>
-    <p:notesMasterId r:id="rId25"/>
+    <p:notesMasterId r:id="rId26"/>
   </p:notesMasterIdLst>
   <p:sldIdLst>
     <p:sldId id="323" r:id="rId2"/>
@@ -21,16 +21,17 @@
     <p:sldId id="327" r:id="rId12"/>
     <p:sldId id="328" r:id="rId13"/>
     <p:sldId id="329" r:id="rId14"/>
-    <p:sldId id="333" r:id="rId15"/>
-    <p:sldId id="280" r:id="rId16"/>
-    <p:sldId id="334" r:id="rId17"/>
-    <p:sldId id="335" r:id="rId18"/>
-    <p:sldId id="281" r:id="rId19"/>
-    <p:sldId id="282" r:id="rId20"/>
-    <p:sldId id="339" r:id="rId21"/>
-    <p:sldId id="337" r:id="rId22"/>
-    <p:sldId id="336" r:id="rId23"/>
-    <p:sldId id="256" r:id="rId24"/>
+    <p:sldId id="340" r:id="rId15"/>
+    <p:sldId id="333" r:id="rId16"/>
+    <p:sldId id="280" r:id="rId17"/>
+    <p:sldId id="334" r:id="rId18"/>
+    <p:sldId id="335" r:id="rId19"/>
+    <p:sldId id="281" r:id="rId20"/>
+    <p:sldId id="282" r:id="rId21"/>
+    <p:sldId id="339" r:id="rId22"/>
+    <p:sldId id="337" r:id="rId23"/>
+    <p:sldId id="336" r:id="rId24"/>
+    <p:sldId id="256" r:id="rId25"/>
   </p:sldIdLst>
   <p:sldSz cx="12192000" cy="6858000"/>
   <p:notesSz cx="6858000" cy="9144000"/>
@@ -3887,7 +3888,7 @@
           <a:p>
             <a:fld id="{91B5946F-1EBA-3E43-AD0A-6E228CF90309}" type="slidenum">
               <a:rPr lang="en-US" smtClean="0"/>
-              <a:t>19</a:t>
+              <a:t>20</a:t>
             </a:fld>
             <a:endParaRPr lang="en-US"/>
           </a:p>
@@ -3971,7 +3972,7 @@
           <a:p>
             <a:fld id="{91B5946F-1EBA-3E43-AD0A-6E228CF90309}" type="slidenum">
               <a:rPr lang="en-US" smtClean="0"/>
-              <a:t>20</a:t>
+              <a:t>21</a:t>
             </a:fld>
             <a:endParaRPr lang="en-US"/>
           </a:p>
@@ -10457,6 +10458,89 @@
           <a:chExt cx="0" cy="0"/>
         </a:xfrm>
       </p:grpSpPr>
+      <p:sp>
+        <p:nvSpPr>
+          <p:cNvPr id="2" name="Title 1">
+            <a:extLst>
+              <a:ext uri="{FF2B5EF4-FFF2-40B4-BE49-F238E27FC236}">
+                <a16:creationId xmlns:a16="http://schemas.microsoft.com/office/drawing/2014/main" id="{59DCF095-92CB-104C-B4E9-28EAADB615CA}"/>
+              </a:ext>
+            </a:extLst>
+          </p:cNvPr>
+          <p:cNvSpPr>
+            <a:spLocks noGrp="1"/>
+          </p:cNvSpPr>
+          <p:nvPr>
+            <p:ph type="title"/>
+          </p:nvPr>
+        </p:nvSpPr>
+        <p:spPr/>
+        <p:txBody>
+          <a:bodyPr/>
+          <a:lstStyle/>
+          <a:p>
+            <a:r>
+              <a:rPr lang="en-US" dirty="0"/>
+              <a:t>Comparison</a:t>
+            </a:r>
+          </a:p>
+        </p:txBody>
+      </p:sp>
+      <p:sp>
+        <p:nvSpPr>
+          <p:cNvPr id="3" name="Content Placeholder 2">
+            <a:extLst>
+              <a:ext uri="{FF2B5EF4-FFF2-40B4-BE49-F238E27FC236}">
+                <a16:creationId xmlns:a16="http://schemas.microsoft.com/office/drawing/2014/main" id="{CCF6D379-14CC-B143-93DB-6AF73FFA8551}"/>
+              </a:ext>
+            </a:extLst>
+          </p:cNvPr>
+          <p:cNvSpPr>
+            <a:spLocks noGrp="1"/>
+          </p:cNvSpPr>
+          <p:nvPr>
+            <p:ph idx="1"/>
+          </p:nvPr>
+        </p:nvSpPr>
+        <p:spPr/>
+        <p:txBody>
+          <a:bodyPr/>
+          <a:lstStyle/>
+          <a:p>
+            <a:endParaRPr lang="en-US" dirty="0"/>
+          </a:p>
+        </p:txBody>
+      </p:sp>
+    </p:spTree>
+    <p:extLst>
+      <p:ext uri="{BB962C8B-B14F-4D97-AF65-F5344CB8AC3E}">
+        <p14:creationId xmlns:p14="http://schemas.microsoft.com/office/powerpoint/2010/main" val="3259705937"/>
+      </p:ext>
+    </p:extLst>
+  </p:cSld>
+  <p:clrMapOvr>
+    <a:masterClrMapping/>
+  </p:clrMapOvr>
+</p:sld>
+</file>
+
+<file path=ppt/slides/slide15.xml><?xml version="1.0" encoding="utf-8"?>
+<p:sld xmlns:a="http://schemas.openxmlformats.org/drawingml/2006/main" xmlns:r="http://schemas.openxmlformats.org/officeDocument/2006/relationships" xmlns:p="http://schemas.openxmlformats.org/presentationml/2006/main">
+  <p:cSld>
+    <p:spTree>
+      <p:nvGrpSpPr>
+        <p:cNvPr id="1" name=""/>
+        <p:cNvGrpSpPr/>
+        <p:nvPr/>
+      </p:nvGrpSpPr>
+      <p:grpSpPr>
+        <a:xfrm>
+          <a:off x="0" y="0"/>
+          <a:ext cx="0" cy="0"/>
+          <a:chOff x="0" y="0"/>
+          <a:chExt cx="0" cy="0"/>
+        </a:xfrm>
+      </p:grpSpPr>
       <p:pic>
         <p:nvPicPr>
           <p:cNvPr id="4" name="Picture 3" descr="A person standing in front of a flower&#10;&#10;Description automatically generated">
@@ -10933,455 +11017,6 @@
   </p:cSld>
   <p:clrMapOvr>
     <a:masterClrMapping/>
-  </p:clrMapOvr>
-</p:sld>
-</file>
-
-<file path=ppt/slides/slide15.xml><?xml version="1.0" encoding="utf-8"?>
-<p:sld xmlns:a="http://schemas.openxmlformats.org/drawingml/2006/main" xmlns:r="http://schemas.openxmlformats.org/officeDocument/2006/relationships" xmlns:p="http://schemas.openxmlformats.org/presentationml/2006/main">
-  <p:cSld>
-    <p:bg>
-      <p:bgPr>
-        <a:solidFill>
-          <a:schemeClr val="bg1"/>
-        </a:solidFill>
-        <a:effectLst/>
-      </p:bgPr>
-    </p:bg>
-    <p:spTree>
-      <p:nvGrpSpPr>
-        <p:cNvPr id="1" name=""/>
-        <p:cNvGrpSpPr/>
-        <p:nvPr/>
-      </p:nvGrpSpPr>
-      <p:grpSpPr>
-        <a:xfrm>
-          <a:off x="0" y="0"/>
-          <a:ext cx="0" cy="0"/>
-          <a:chOff x="0" y="0"/>
-          <a:chExt cx="0" cy="0"/>
-        </a:xfrm>
-      </p:grpSpPr>
-      <p:sp>
-        <p:nvSpPr>
-          <p:cNvPr id="32" name="Rectangle 31">
-            <a:extLst>
-              <a:ext uri="{FF2B5EF4-FFF2-40B4-BE49-F238E27FC236}">
-                <a16:creationId xmlns:a16="http://schemas.microsoft.com/office/drawing/2014/main" id="{282E2A95-1A08-4118-83C6-B1CA5648E075}"/>
-              </a:ext>
-              <a:ext uri="{C183D7F6-B498-43B3-948B-1728B52AA6E4}">
-                <adec:decorative xmlns:adec="http://schemas.microsoft.com/office/drawing/2017/decorative" val="1"/>
-              </a:ext>
-            </a:extLst>
-          </p:cNvPr>
-          <p:cNvSpPr>
-            <a:spLocks noGrp="1" noRot="1" noChangeAspect="1" noMove="1" noResize="1" noEditPoints="1" noAdjustHandles="1" noChangeArrowheads="1" noChangeShapeType="1" noTextEdit="1"/>
-          </p:cNvSpPr>
-          <p:nvPr>
-            <p:extLst>
-              <p:ext uri="{386F3935-93C4-4BCD-93E2-E3B085C9AB24}">
-                <p16:designElem xmlns:p16="http://schemas.microsoft.com/office/powerpoint/2015/main" val="1"/>
-              </p:ext>
-            </p:extLst>
-          </p:nvPr>
-        </p:nvSpPr>
-        <p:spPr>
-          <a:xfrm>
-            <a:off x="0" y="0"/>
-            <a:ext cx="12192000" cy="6858000"/>
-          </a:xfrm>
-          <a:prstGeom prst="rect">
-            <a:avLst/>
-          </a:prstGeom>
-          <a:ln>
-            <a:noFill/>
-          </a:ln>
-        </p:spPr>
-        <p:style>
-          <a:lnRef idx="2">
-            <a:schemeClr val="accent1">
-              <a:shade val="50000"/>
-            </a:schemeClr>
-          </a:lnRef>
-          <a:fillRef idx="1001">
-            <a:schemeClr val="lt1"/>
-          </a:fillRef>
-          <a:effectRef idx="0">
-            <a:schemeClr val="accent1"/>
-          </a:effectRef>
-          <a:fontRef idx="minor">
-            <a:schemeClr val="lt1"/>
-          </a:fontRef>
-        </p:style>
-        <p:txBody>
-          <a:bodyPr rtlCol="0" anchor="ctr"/>
-          <a:lstStyle/>
-          <a:p>
-            <a:pPr algn="ctr"/>
-            <a:endParaRPr lang="en-US"/>
-          </a:p>
-        </p:txBody>
-      </p:sp>
-      <p:sp>
-        <p:nvSpPr>
-          <p:cNvPr id="34" name="Rectangle 33">
-            <a:extLst>
-              <a:ext uri="{FF2B5EF4-FFF2-40B4-BE49-F238E27FC236}">
-                <a16:creationId xmlns:a16="http://schemas.microsoft.com/office/drawing/2014/main" id="{2FFEFC7E-85EE-4AC9-A351-FBEB13A1D622}"/>
-              </a:ext>
-              <a:ext uri="{C183D7F6-B498-43B3-948B-1728B52AA6E4}">
-                <adec:decorative xmlns:adec="http://schemas.microsoft.com/office/drawing/2017/decorative" val="1"/>
-              </a:ext>
-            </a:extLst>
-          </p:cNvPr>
-          <p:cNvSpPr>
-            <a:spLocks noGrp="1" noRot="1" noChangeAspect="1" noMove="1" noResize="1" noEditPoints="1" noAdjustHandles="1" noChangeArrowheads="1" noChangeShapeType="1" noTextEdit="1"/>
-          </p:cNvSpPr>
-          <p:nvPr>
-            <p:extLst>
-              <p:ext uri="{386F3935-93C4-4BCD-93E2-E3B085C9AB24}">
-                <p16:designElem xmlns:p16="http://schemas.microsoft.com/office/powerpoint/2015/main" val="1"/>
-              </p:ext>
-            </p:extLst>
-          </p:nvPr>
-        </p:nvSpPr>
-        <p:spPr>
-          <a:xfrm>
-            <a:off x="245534" y="237744"/>
-            <a:ext cx="2926080" cy="6382512"/>
-          </a:xfrm>
-          <a:prstGeom prst="rect">
-            <a:avLst/>
-          </a:prstGeom>
-          <a:solidFill>
-            <a:schemeClr val="bg1">
-              <a:lumMod val="75000"/>
-              <a:lumOff val="25000"/>
-            </a:schemeClr>
-          </a:solidFill>
-          <a:ln>
-            <a:noFill/>
-          </a:ln>
-        </p:spPr>
-        <p:style>
-          <a:lnRef idx="2">
-            <a:schemeClr val="accent1">
-              <a:shade val="50000"/>
-            </a:schemeClr>
-          </a:lnRef>
-          <a:fillRef idx="1">
-            <a:schemeClr val="accent1"/>
-          </a:fillRef>
-          <a:effectRef idx="0">
-            <a:schemeClr val="accent1"/>
-          </a:effectRef>
-          <a:fontRef idx="minor">
-            <a:schemeClr val="lt1"/>
-          </a:fontRef>
-        </p:style>
-      </p:sp>
-      <p:sp>
-        <p:nvSpPr>
-          <p:cNvPr id="36" name="Rectangle 35">
-            <a:extLst>
-              <a:ext uri="{FF2B5EF4-FFF2-40B4-BE49-F238E27FC236}">
-                <a16:creationId xmlns:a16="http://schemas.microsoft.com/office/drawing/2014/main" id="{CB2511BB-FC4C-45F3-94EB-661D6806C942}"/>
-              </a:ext>
-              <a:ext uri="{C183D7F6-B498-43B3-948B-1728B52AA6E4}">
-                <adec:decorative xmlns:adec="http://schemas.microsoft.com/office/drawing/2017/decorative" val="1"/>
-              </a:ext>
-            </a:extLst>
-          </p:cNvPr>
-          <p:cNvSpPr>
-            <a:spLocks noGrp="1" noRot="1" noChangeAspect="1" noMove="1" noResize="1" noEditPoints="1" noAdjustHandles="1" noChangeArrowheads="1" noChangeShapeType="1" noTextEdit="1"/>
-          </p:cNvSpPr>
-          <p:nvPr>
-            <p:extLst>
-              <p:ext uri="{386F3935-93C4-4BCD-93E2-E3B085C9AB24}">
-                <p16:designElem xmlns:p16="http://schemas.microsoft.com/office/powerpoint/2015/main" val="1"/>
-              </p:ext>
-            </p:extLst>
-          </p:nvPr>
-        </p:nvSpPr>
-        <p:spPr>
-          <a:xfrm>
-            <a:off x="419100" y="413053"/>
-            <a:ext cx="2616201" cy="6064596"/>
-          </a:xfrm>
-          <a:prstGeom prst="rect">
-            <a:avLst/>
-          </a:prstGeom>
-          <a:noFill/>
-          <a:ln w="6350">
-            <a:solidFill>
-              <a:schemeClr val="tx1">
-                <a:lumMod val="75000"/>
-                <a:lumOff val="25000"/>
-              </a:schemeClr>
-            </a:solidFill>
-          </a:ln>
-        </p:spPr>
-        <p:style>
-          <a:lnRef idx="2">
-            <a:schemeClr val="accent1">
-              <a:shade val="50000"/>
-            </a:schemeClr>
-          </a:lnRef>
-          <a:fillRef idx="1">
-            <a:schemeClr val="accent1"/>
-          </a:fillRef>
-          <a:effectRef idx="0">
-            <a:schemeClr val="accent1"/>
-          </a:effectRef>
-          <a:fontRef idx="minor">
-            <a:schemeClr val="lt1"/>
-          </a:fontRef>
-        </p:style>
-        <p:txBody>
-          <a:bodyPr rtlCol="0" anchor="ctr"/>
-          <a:lstStyle/>
-          <a:p>
-            <a:pPr algn="ctr"/>
-            <a:endParaRPr lang="en-US"/>
-          </a:p>
-        </p:txBody>
-      </p:sp>
-      <p:sp>
-        <p:nvSpPr>
-          <p:cNvPr id="2" name="Title 1">
-            <a:extLst>
-              <a:ext uri="{FF2B5EF4-FFF2-40B4-BE49-F238E27FC236}">
-                <a16:creationId xmlns:a16="http://schemas.microsoft.com/office/drawing/2014/main" id="{1C2CE2A7-5866-D546-A548-7FF7C474739F}"/>
-              </a:ext>
-            </a:extLst>
-          </p:cNvPr>
-          <p:cNvSpPr>
-            <a:spLocks noGrp="1"/>
-          </p:cNvSpPr>
-          <p:nvPr>
-            <p:ph type="title"/>
-          </p:nvPr>
-        </p:nvSpPr>
-        <p:spPr>
-          <a:xfrm>
-            <a:off x="557720" y="612843"/>
-            <a:ext cx="2312480" cy="1499738"/>
-          </a:xfrm>
-        </p:spPr>
-        <p:txBody>
-          <a:bodyPr anchor="b">
-            <a:normAutofit/>
-          </a:bodyPr>
-          <a:lstStyle/>
-          <a:p>
-            <a:r>
-              <a:rPr lang="en-US" sz="2400" b="0" dirty="0"/>
-              <a:t>Building the server and Routes </a:t>
-            </a:r>
-            <a:br>
-              <a:rPr lang="en-US" sz="2400" b="0" dirty="0"/>
-            </a:br>
-            <a:endParaRPr lang="en-US" sz="2400" dirty="0"/>
-          </a:p>
-        </p:txBody>
-      </p:sp>
-      <p:sp>
-        <p:nvSpPr>
-          <p:cNvPr id="3" name="Content Placeholder 2">
-            <a:extLst>
-              <a:ext uri="{FF2B5EF4-FFF2-40B4-BE49-F238E27FC236}">
-                <a16:creationId xmlns:a16="http://schemas.microsoft.com/office/drawing/2014/main" id="{C62288B3-17FA-BC44-9433-51EE71818869}"/>
-              </a:ext>
-            </a:extLst>
-          </p:cNvPr>
-          <p:cNvSpPr>
-            <a:spLocks noGrp="1"/>
-          </p:cNvSpPr>
-          <p:nvPr>
-            <p:ph idx="1"/>
-          </p:nvPr>
-        </p:nvSpPr>
-        <p:spPr>
-          <a:xfrm>
-            <a:off x="557720" y="2149813"/>
-            <a:ext cx="2312479" cy="3854197"/>
-          </a:xfrm>
-        </p:spPr>
-        <p:txBody>
-          <a:bodyPr>
-            <a:normAutofit/>
-          </a:bodyPr>
-          <a:lstStyle/>
-          <a:p>
-            <a:r>
-              <a:rPr lang="en-US" sz="1400" dirty="0">
-                <a:solidFill>
-                  <a:schemeClr val="tx1">
-                    <a:lumMod val="85000"/>
-                    <a:lumOff val="15000"/>
-                  </a:schemeClr>
-                </a:solidFill>
-              </a:rPr>
-              <a:t>To Deploy our models for predictions we are using Python Flask that interact with ORM </a:t>
-            </a:r>
-            <a:r>
-              <a:rPr lang="en-US" sz="1400" dirty="0" err="1">
-                <a:solidFill>
-                  <a:schemeClr val="tx1">
-                    <a:lumMod val="85000"/>
-                    <a:lumOff val="15000"/>
-                  </a:schemeClr>
-                </a:solidFill>
-              </a:rPr>
-              <a:t>SQLAlchemy</a:t>
-            </a:r>
-            <a:r>
-              <a:rPr lang="en-US" sz="1400" dirty="0">
-                <a:solidFill>
-                  <a:schemeClr val="tx1">
-                    <a:lumMod val="85000"/>
-                    <a:lumOff val="15000"/>
-                  </a:schemeClr>
-                </a:solidFill>
-              </a:rPr>
-              <a:t> classes and flask-marshmallow /marshmallow-</a:t>
-            </a:r>
-            <a:r>
-              <a:rPr lang="en-US" sz="1400" dirty="0" err="1">
-                <a:solidFill>
-                  <a:schemeClr val="tx1">
-                    <a:lumMod val="85000"/>
-                    <a:lumOff val="15000"/>
-                  </a:schemeClr>
-                </a:solidFill>
-              </a:rPr>
-              <a:t>sqlalchemy</a:t>
-            </a:r>
-            <a:r>
-              <a:rPr lang="en-US" sz="1400" dirty="0">
-                <a:solidFill>
-                  <a:schemeClr val="tx1">
-                    <a:lumMod val="85000"/>
-                    <a:lumOff val="15000"/>
-                  </a:schemeClr>
-                </a:solidFill>
-              </a:rPr>
-              <a:t> for serializing and deserializing the data, render the html page that contains our Model related details. Our database is SQLite which we use to store user entered form data using Post Rest APIs</a:t>
-            </a:r>
-          </a:p>
-        </p:txBody>
-      </p:sp>
-      <p:sp>
-        <p:nvSpPr>
-          <p:cNvPr id="38" name="Rectangle 37">
-            <a:extLst>
-              <a:ext uri="{FF2B5EF4-FFF2-40B4-BE49-F238E27FC236}">
-                <a16:creationId xmlns:a16="http://schemas.microsoft.com/office/drawing/2014/main" id="{68DC0EC7-60EA-4BD3-BC04-D547DE1B2891}"/>
-              </a:ext>
-              <a:ext uri="{C183D7F6-B498-43B3-948B-1728B52AA6E4}">
-                <adec:decorative xmlns:adec="http://schemas.microsoft.com/office/drawing/2017/decorative" val="1"/>
-              </a:ext>
-            </a:extLst>
-          </p:cNvPr>
-          <p:cNvSpPr>
-            <a:spLocks noGrp="1" noRot="1" noChangeAspect="1" noMove="1" noResize="1" noEditPoints="1" noAdjustHandles="1" noChangeArrowheads="1" noChangeShapeType="1" noTextEdit="1"/>
-          </p:cNvSpPr>
-          <p:nvPr>
-            <p:extLst>
-              <p:ext uri="{386F3935-93C4-4BCD-93E2-E3B085C9AB24}">
-                <p16:designElem xmlns:p16="http://schemas.microsoft.com/office/powerpoint/2015/main" val="1"/>
-              </p:ext>
-            </p:extLst>
-          </p:nvPr>
-        </p:nvSpPr>
-        <p:spPr>
-          <a:xfrm>
-            <a:off x="3569764" y="413053"/>
-            <a:ext cx="8212114" cy="6064596"/>
-          </a:xfrm>
-          <a:prstGeom prst="rect">
-            <a:avLst/>
-          </a:prstGeom>
-          <a:noFill/>
-          <a:ln w="6350" cap="sq" cmpd="sng" algn="ctr">
-            <a:solidFill>
-              <a:srgbClr val="404040"/>
-            </a:solidFill>
-            <a:prstDash val="solid"/>
-            <a:miter lim="800000"/>
-          </a:ln>
-          <a:effectLst/>
-        </p:spPr>
-      </p:sp>
-      <p:pic>
-        <p:nvPicPr>
-          <p:cNvPr id="6" name="Picture 5" descr="A screenshot of text&#10;&#10;Description automatically generated">
-            <a:extLst>
-              <a:ext uri="{FF2B5EF4-FFF2-40B4-BE49-F238E27FC236}">
-                <a16:creationId xmlns:a16="http://schemas.microsoft.com/office/drawing/2014/main" id="{F451F115-D82A-2D44-905F-39D8669FE764}"/>
-              </a:ext>
-            </a:extLst>
-          </p:cNvPr>
-          <p:cNvPicPr>
-            <a:picLocks noChangeAspect="1"/>
-          </p:cNvPicPr>
-          <p:nvPr/>
-        </p:nvPicPr>
-        <p:blipFill>
-          <a:blip r:embed="rId2"/>
-          <a:stretch>
-            <a:fillRect/>
-          </a:stretch>
-        </p:blipFill>
-        <p:spPr>
-          <a:xfrm>
-            <a:off x="5120359" y="882398"/>
-            <a:ext cx="5096003" cy="5121612"/>
-          </a:xfrm>
-          <a:prstGeom prst="rect">
-            <a:avLst/>
-          </a:prstGeom>
-        </p:spPr>
-      </p:pic>
-      <p:pic>
-        <p:nvPicPr>
-          <p:cNvPr id="14" name="Picture 13" descr="A screenshot of text&#10;&#10;Description automatically generated">
-            <a:extLst>
-              <a:ext uri="{FF2B5EF4-FFF2-40B4-BE49-F238E27FC236}">
-                <a16:creationId xmlns:a16="http://schemas.microsoft.com/office/drawing/2014/main" id="{84D0A20F-1775-7440-9C8D-54887A791AFF}"/>
-              </a:ext>
-            </a:extLst>
-          </p:cNvPr>
-          <p:cNvPicPr>
-            <a:picLocks noChangeAspect="1"/>
-          </p:cNvPicPr>
-          <p:nvPr/>
-        </p:nvPicPr>
-        <p:blipFill>
-          <a:blip r:embed="rId2"/>
-          <a:stretch>
-            <a:fillRect/>
-          </a:stretch>
-        </p:blipFill>
-        <p:spPr>
-          <a:xfrm>
-            <a:off x="5272759" y="1034798"/>
-            <a:ext cx="5096003" cy="5121612"/>
-          </a:xfrm>
-          <a:prstGeom prst="rect">
-            <a:avLst/>
-          </a:prstGeom>
-        </p:spPr>
-      </p:pic>
-    </p:spTree>
-    <p:extLst>
-      <p:ext uri="{BB962C8B-B14F-4D97-AF65-F5344CB8AC3E}">
-        <p14:creationId xmlns:p14="http://schemas.microsoft.com/office/powerpoint/2010/main" val="2694775439"/>
-      </p:ext>
-    </p:extLst>
-  </p:cSld>
-  <p:clrMapOvr>
-    <a:overrideClrMapping bg1="dk1" tx1="lt1" bg2="dk2" tx2="lt2" accent1="accent1" accent2="accent2" accent3="accent3" accent4="accent4" accent5="accent5" accent6="accent6" hlink="hlink" folHlink="folHlink"/>
   </p:clrMapOvr>
 </p:sld>
 </file>
@@ -11411,12 +11046,12 @@
           <a:chExt cx="0" cy="0"/>
         </a:xfrm>
       </p:grpSpPr>
-      <p:sp useBgFill="1">
-        <p:nvSpPr>
-          <p:cNvPr id="32" name="Rectangle 25">
+      <p:sp>
+        <p:nvSpPr>
+          <p:cNvPr id="32" name="Rectangle 31">
             <a:extLst>
               <a:ext uri="{FF2B5EF4-FFF2-40B4-BE49-F238E27FC236}">
-                <a16:creationId xmlns:a16="http://schemas.microsoft.com/office/drawing/2014/main" id="{78632963-757B-40C2-BB84-FC6107A54DAD}"/>
+                <a16:creationId xmlns:a16="http://schemas.microsoft.com/office/drawing/2014/main" id="{282E2A95-1A08-4118-83C6-B1CA5648E075}"/>
               </a:ext>
               <a:ext uri="{C183D7F6-B498-43B3-948B-1728B52AA6E4}">
                 <adec:decorative xmlns:adec="http://schemas.microsoft.com/office/drawing/2017/decorative" val="1"/>
@@ -11436,14 +11071,138 @@
         </p:nvSpPr>
         <p:spPr>
           <a:xfrm>
-            <a:off x="-1866" y="0"/>
-            <a:ext cx="12193866" cy="6858000"/>
+            <a:off x="0" y="0"/>
+            <a:ext cx="12192000" cy="6858000"/>
           </a:xfrm>
           <a:prstGeom prst="rect">
             <a:avLst/>
           </a:prstGeom>
           <a:ln>
             <a:noFill/>
+          </a:ln>
+        </p:spPr>
+        <p:style>
+          <a:lnRef idx="2">
+            <a:schemeClr val="accent1">
+              <a:shade val="50000"/>
+            </a:schemeClr>
+          </a:lnRef>
+          <a:fillRef idx="1001">
+            <a:schemeClr val="lt1"/>
+          </a:fillRef>
+          <a:effectRef idx="0">
+            <a:schemeClr val="accent1"/>
+          </a:effectRef>
+          <a:fontRef idx="minor">
+            <a:schemeClr val="lt1"/>
+          </a:fontRef>
+        </p:style>
+        <p:txBody>
+          <a:bodyPr rtlCol="0" anchor="ctr"/>
+          <a:lstStyle/>
+          <a:p>
+            <a:pPr algn="ctr"/>
+            <a:endParaRPr lang="en-US"/>
+          </a:p>
+        </p:txBody>
+      </p:sp>
+      <p:sp>
+        <p:nvSpPr>
+          <p:cNvPr id="34" name="Rectangle 33">
+            <a:extLst>
+              <a:ext uri="{FF2B5EF4-FFF2-40B4-BE49-F238E27FC236}">
+                <a16:creationId xmlns:a16="http://schemas.microsoft.com/office/drawing/2014/main" id="{2FFEFC7E-85EE-4AC9-A351-FBEB13A1D622}"/>
+              </a:ext>
+              <a:ext uri="{C183D7F6-B498-43B3-948B-1728B52AA6E4}">
+                <adec:decorative xmlns:adec="http://schemas.microsoft.com/office/drawing/2017/decorative" val="1"/>
+              </a:ext>
+            </a:extLst>
+          </p:cNvPr>
+          <p:cNvSpPr>
+            <a:spLocks noGrp="1" noRot="1" noChangeAspect="1" noMove="1" noResize="1" noEditPoints="1" noAdjustHandles="1" noChangeArrowheads="1" noChangeShapeType="1" noTextEdit="1"/>
+          </p:cNvSpPr>
+          <p:nvPr>
+            <p:extLst>
+              <p:ext uri="{386F3935-93C4-4BCD-93E2-E3B085C9AB24}">
+                <p16:designElem xmlns:p16="http://schemas.microsoft.com/office/powerpoint/2015/main" val="1"/>
+              </p:ext>
+            </p:extLst>
+          </p:nvPr>
+        </p:nvSpPr>
+        <p:spPr>
+          <a:xfrm>
+            <a:off x="245534" y="237744"/>
+            <a:ext cx="2926080" cy="6382512"/>
+          </a:xfrm>
+          <a:prstGeom prst="rect">
+            <a:avLst/>
+          </a:prstGeom>
+          <a:solidFill>
+            <a:schemeClr val="bg1">
+              <a:lumMod val="75000"/>
+              <a:lumOff val="25000"/>
+            </a:schemeClr>
+          </a:solidFill>
+          <a:ln>
+            <a:noFill/>
+          </a:ln>
+        </p:spPr>
+        <p:style>
+          <a:lnRef idx="2">
+            <a:schemeClr val="accent1">
+              <a:shade val="50000"/>
+            </a:schemeClr>
+          </a:lnRef>
+          <a:fillRef idx="1">
+            <a:schemeClr val="accent1"/>
+          </a:fillRef>
+          <a:effectRef idx="0">
+            <a:schemeClr val="accent1"/>
+          </a:effectRef>
+          <a:fontRef idx="minor">
+            <a:schemeClr val="lt1"/>
+          </a:fontRef>
+        </p:style>
+      </p:sp>
+      <p:sp>
+        <p:nvSpPr>
+          <p:cNvPr id="36" name="Rectangle 35">
+            <a:extLst>
+              <a:ext uri="{FF2B5EF4-FFF2-40B4-BE49-F238E27FC236}">
+                <a16:creationId xmlns:a16="http://schemas.microsoft.com/office/drawing/2014/main" id="{CB2511BB-FC4C-45F3-94EB-661D6806C942}"/>
+              </a:ext>
+              <a:ext uri="{C183D7F6-B498-43B3-948B-1728B52AA6E4}">
+                <adec:decorative xmlns:adec="http://schemas.microsoft.com/office/drawing/2017/decorative" val="1"/>
+              </a:ext>
+            </a:extLst>
+          </p:cNvPr>
+          <p:cNvSpPr>
+            <a:spLocks noGrp="1" noRot="1" noChangeAspect="1" noMove="1" noResize="1" noEditPoints="1" noAdjustHandles="1" noChangeArrowheads="1" noChangeShapeType="1" noTextEdit="1"/>
+          </p:cNvSpPr>
+          <p:nvPr>
+            <p:extLst>
+              <p:ext uri="{386F3935-93C4-4BCD-93E2-E3B085C9AB24}">
+                <p16:designElem xmlns:p16="http://schemas.microsoft.com/office/powerpoint/2015/main" val="1"/>
+              </p:ext>
+            </p:extLst>
+          </p:nvPr>
+        </p:nvSpPr>
+        <p:spPr>
+          <a:xfrm>
+            <a:off x="419100" y="413053"/>
+            <a:ext cx="2616201" cy="6064596"/>
+          </a:xfrm>
+          <a:prstGeom prst="rect">
+            <a:avLst/>
+          </a:prstGeom>
+          <a:noFill/>
+          <a:ln w="6350">
+            <a:solidFill>
+              <a:schemeClr val="tx1">
+                <a:lumMod val="75000"/>
+                <a:lumOff val="25000"/>
+              </a:schemeClr>
+            </a:solidFill>
           </a:ln>
         </p:spPr>
         <p:style>
@@ -11467,16 +11226,141 @@
           <a:lstStyle/>
           <a:p>
             <a:pPr algn="ctr"/>
-            <a:endParaRPr lang="en-US" dirty="0"/>
+            <a:endParaRPr lang="en-US"/>
           </a:p>
         </p:txBody>
       </p:sp>
       <p:sp>
         <p:nvSpPr>
-          <p:cNvPr id="33" name="Rectangle 27">
+          <p:cNvPr id="2" name="Title 1">
             <a:extLst>
               <a:ext uri="{FF2B5EF4-FFF2-40B4-BE49-F238E27FC236}">
-                <a16:creationId xmlns:a16="http://schemas.microsoft.com/office/drawing/2014/main" id="{2853AE55-7E35-44B0-89F1-3F52B262AF33}"/>
+                <a16:creationId xmlns:a16="http://schemas.microsoft.com/office/drawing/2014/main" id="{1C2CE2A7-5866-D546-A548-7FF7C474739F}"/>
+              </a:ext>
+            </a:extLst>
+          </p:cNvPr>
+          <p:cNvSpPr>
+            <a:spLocks noGrp="1"/>
+          </p:cNvSpPr>
+          <p:nvPr>
+            <p:ph type="title"/>
+          </p:nvPr>
+        </p:nvSpPr>
+        <p:spPr>
+          <a:xfrm>
+            <a:off x="557720" y="612843"/>
+            <a:ext cx="2312480" cy="1499738"/>
+          </a:xfrm>
+        </p:spPr>
+        <p:txBody>
+          <a:bodyPr anchor="b">
+            <a:normAutofit/>
+          </a:bodyPr>
+          <a:lstStyle/>
+          <a:p>
+            <a:r>
+              <a:rPr lang="en-US" sz="2400" b="0" dirty="0"/>
+              <a:t>Building the server and Routes </a:t>
+            </a:r>
+            <a:br>
+              <a:rPr lang="en-US" sz="2400" b="0" dirty="0"/>
+            </a:br>
+            <a:endParaRPr lang="en-US" sz="2400" dirty="0"/>
+          </a:p>
+        </p:txBody>
+      </p:sp>
+      <p:sp>
+        <p:nvSpPr>
+          <p:cNvPr id="3" name="Content Placeholder 2">
+            <a:extLst>
+              <a:ext uri="{FF2B5EF4-FFF2-40B4-BE49-F238E27FC236}">
+                <a16:creationId xmlns:a16="http://schemas.microsoft.com/office/drawing/2014/main" id="{C62288B3-17FA-BC44-9433-51EE71818869}"/>
+              </a:ext>
+            </a:extLst>
+          </p:cNvPr>
+          <p:cNvSpPr>
+            <a:spLocks noGrp="1"/>
+          </p:cNvSpPr>
+          <p:nvPr>
+            <p:ph idx="1"/>
+          </p:nvPr>
+        </p:nvSpPr>
+        <p:spPr>
+          <a:xfrm>
+            <a:off x="557720" y="2149813"/>
+            <a:ext cx="2312479" cy="3854197"/>
+          </a:xfrm>
+        </p:spPr>
+        <p:txBody>
+          <a:bodyPr>
+            <a:normAutofit/>
+          </a:bodyPr>
+          <a:lstStyle/>
+          <a:p>
+            <a:r>
+              <a:rPr lang="en-US" sz="1400" dirty="0">
+                <a:solidFill>
+                  <a:schemeClr val="tx1">
+                    <a:lumMod val="85000"/>
+                    <a:lumOff val="15000"/>
+                  </a:schemeClr>
+                </a:solidFill>
+              </a:rPr>
+              <a:t>To Deploy our models for predictions we are using Python Flask that interact with ORM </a:t>
+            </a:r>
+            <a:r>
+              <a:rPr lang="en-US" sz="1400" dirty="0" err="1">
+                <a:solidFill>
+                  <a:schemeClr val="tx1">
+                    <a:lumMod val="85000"/>
+                    <a:lumOff val="15000"/>
+                  </a:schemeClr>
+                </a:solidFill>
+              </a:rPr>
+              <a:t>SQLAlchemy</a:t>
+            </a:r>
+            <a:r>
+              <a:rPr lang="en-US" sz="1400" dirty="0">
+                <a:solidFill>
+                  <a:schemeClr val="tx1">
+                    <a:lumMod val="85000"/>
+                    <a:lumOff val="15000"/>
+                  </a:schemeClr>
+                </a:solidFill>
+              </a:rPr>
+              <a:t> classes and flask-marshmallow /marshmallow-</a:t>
+            </a:r>
+            <a:r>
+              <a:rPr lang="en-US" sz="1400" dirty="0" err="1">
+                <a:solidFill>
+                  <a:schemeClr val="tx1">
+                    <a:lumMod val="85000"/>
+                    <a:lumOff val="15000"/>
+                  </a:schemeClr>
+                </a:solidFill>
+              </a:rPr>
+              <a:t>sqlalchemy</a:t>
+            </a:r>
+            <a:r>
+              <a:rPr lang="en-US" sz="1400" dirty="0">
+                <a:solidFill>
+                  <a:schemeClr val="tx1">
+                    <a:lumMod val="85000"/>
+                    <a:lumOff val="15000"/>
+                  </a:schemeClr>
+                </a:solidFill>
+              </a:rPr>
+              <a:t> for serializing and deserializing the data, render the html page that contains our Model related details. Our database is SQLite which we use to store user entered form data using Post Rest APIs</a:t>
+            </a:r>
+          </a:p>
+        </p:txBody>
+      </p:sp>
+      <p:sp>
+        <p:nvSpPr>
+          <p:cNvPr id="38" name="Rectangle 37">
+            <a:extLst>
+              <a:ext uri="{FF2B5EF4-FFF2-40B4-BE49-F238E27FC236}">
+                <a16:creationId xmlns:a16="http://schemas.microsoft.com/office/drawing/2014/main" id="{68DC0EC7-60EA-4BD3-BC04-D547DE1B2891}"/>
               </a:ext>
               <a:ext uri="{C183D7F6-B498-43B3-948B-1728B52AA6E4}">
                 <adec:decorative xmlns:adec="http://schemas.microsoft.com/office/drawing/2017/decorative" val="1"/>
@@ -11496,158 +11380,29 @@
         </p:nvSpPr>
         <p:spPr>
           <a:xfrm>
-            <a:off x="6339709" y="253548"/>
-            <a:ext cx="5612193" cy="6361598"/>
-          </a:xfrm>
-          <a:prstGeom prst="rect">
-            <a:avLst/>
-          </a:prstGeom>
-          <a:solidFill>
-            <a:schemeClr val="bg1">
-              <a:lumMod val="75000"/>
-              <a:alpha val="60000"/>
-            </a:schemeClr>
-          </a:solidFill>
-          <a:ln>
-            <a:noFill/>
-          </a:ln>
-        </p:spPr>
-        <p:style>
-          <a:lnRef idx="2">
-            <a:schemeClr val="accent1">
-              <a:shade val="50000"/>
-            </a:schemeClr>
-          </a:lnRef>
-          <a:fillRef idx="1">
-            <a:schemeClr val="accent1"/>
-          </a:fillRef>
-          <a:effectRef idx="0">
-            <a:schemeClr val="accent1"/>
-          </a:effectRef>
-          <a:fontRef idx="minor">
-            <a:schemeClr val="lt1"/>
-          </a:fontRef>
-        </p:style>
-        <p:txBody>
-          <a:bodyPr rtlCol="0" anchor="ctr"/>
-          <a:lstStyle/>
-          <a:p>
-            <a:pPr algn="ctr"/>
-            <a:endParaRPr lang="en-US"/>
-          </a:p>
-        </p:txBody>
-      </p:sp>
-      <p:sp>
-        <p:nvSpPr>
-          <p:cNvPr id="34" name="Rectangle 29">
-            <a:extLst>
-              <a:ext uri="{FF2B5EF4-FFF2-40B4-BE49-F238E27FC236}">
-                <a16:creationId xmlns:a16="http://schemas.microsoft.com/office/drawing/2014/main" id="{DBC4BE4D-4B50-4F51-9F85-4B5D60B02D81}"/>
-              </a:ext>
-              <a:ext uri="{C183D7F6-B498-43B3-948B-1728B52AA6E4}">
-                <adec:decorative xmlns:adec="http://schemas.microsoft.com/office/drawing/2017/decorative" val="1"/>
-              </a:ext>
-            </a:extLst>
-          </p:cNvPr>
-          <p:cNvSpPr>
-            <a:spLocks noGrp="1" noRot="1" noChangeAspect="1" noMove="1" noResize="1" noEditPoints="1" noAdjustHandles="1" noChangeArrowheads="1" noChangeShapeType="1" noTextEdit="1"/>
-          </p:cNvSpPr>
-          <p:nvPr>
-            <p:extLst>
-              <p:ext uri="{386F3935-93C4-4BCD-93E2-E3B085C9AB24}">
-                <p16:designElem xmlns:p16="http://schemas.microsoft.com/office/powerpoint/2015/main" val="1"/>
-              </p:ext>
-            </p:extLst>
-          </p:nvPr>
-        </p:nvSpPr>
-        <p:spPr>
-          <a:xfrm>
-            <a:off x="6487542" y="407588"/>
-            <a:ext cx="5299768" cy="6022878"/>
+            <a:off x="3569764" y="413053"/>
+            <a:ext cx="8212114" cy="6064596"/>
           </a:xfrm>
           <a:prstGeom prst="rect">
             <a:avLst/>
           </a:prstGeom>
           <a:noFill/>
-          <a:ln w="6350">
+          <a:ln w="6350" cap="sq" cmpd="sng" algn="ctr">
             <a:solidFill>
-              <a:schemeClr val="tx1">
-                <a:lumMod val="75000"/>
-                <a:lumOff val="25000"/>
-              </a:schemeClr>
+              <a:srgbClr val="404040"/>
             </a:solidFill>
+            <a:prstDash val="solid"/>
+            <a:miter lim="800000"/>
           </a:ln>
-        </p:spPr>
-        <p:style>
-          <a:lnRef idx="2">
-            <a:schemeClr val="accent1">
-              <a:shade val="50000"/>
-            </a:schemeClr>
-          </a:lnRef>
-          <a:fillRef idx="1">
-            <a:schemeClr val="accent1"/>
-          </a:fillRef>
-          <a:effectRef idx="0">
-            <a:schemeClr val="accent1"/>
-          </a:effectRef>
-          <a:fontRef idx="minor">
-            <a:schemeClr val="lt1"/>
-          </a:fontRef>
-        </p:style>
-        <p:txBody>
-          <a:bodyPr rtlCol="0" anchor="ctr"/>
-          <a:lstStyle/>
-          <a:p>
-            <a:pPr algn="ctr"/>
-            <a:endParaRPr lang="en-US"/>
-          </a:p>
-        </p:txBody>
-      </p:sp>
-      <p:sp>
-        <p:nvSpPr>
-          <p:cNvPr id="2" name="Title 1">
+          <a:effectLst/>
+        </p:spPr>
+      </p:sp>
+      <p:pic>
+        <p:nvPicPr>
+          <p:cNvPr id="6" name="Picture 5" descr="A screenshot of text&#10;&#10;Description automatically generated">
             <a:extLst>
               <a:ext uri="{FF2B5EF4-FFF2-40B4-BE49-F238E27FC236}">
-                <a16:creationId xmlns:a16="http://schemas.microsoft.com/office/drawing/2014/main" id="{1C2CE2A7-5866-D546-A548-7FF7C474739F}"/>
-              </a:ext>
-            </a:extLst>
-          </p:cNvPr>
-          <p:cNvSpPr>
-            <a:spLocks noGrp="1"/>
-          </p:cNvSpPr>
-          <p:nvPr>
-            <p:ph type="title"/>
-          </p:nvPr>
-        </p:nvSpPr>
-        <p:spPr>
-          <a:xfrm>
-            <a:off x="6846137" y="804073"/>
-            <a:ext cx="4602152" cy="1345449"/>
-          </a:xfrm>
-        </p:spPr>
-        <p:txBody>
-          <a:bodyPr>
-            <a:normAutofit/>
-          </a:bodyPr>
-          <a:lstStyle/>
-          <a:p>
-            <a:r>
-              <a:rPr lang="en-US" sz="2800" b="0"/>
-              <a:t>Building the ORM classes, SQLite database</a:t>
-            </a:r>
-            <a:br>
-              <a:rPr lang="en-US" sz="2800" b="0"/>
-            </a:br>
-            <a:endParaRPr lang="en-US" sz="2800"/>
-          </a:p>
-        </p:txBody>
-      </p:sp>
-      <p:pic>
-        <p:nvPicPr>
-          <p:cNvPr id="11" name="Picture 10" descr="A screen shot of a computer&#10;&#10;Description automatically generated">
-            <a:extLst>
-              <a:ext uri="{FF2B5EF4-FFF2-40B4-BE49-F238E27FC236}">
-                <a16:creationId xmlns:a16="http://schemas.microsoft.com/office/drawing/2014/main" id="{7F7834E9-4C97-D24F-BFB8-AD9FBF39D6D3}"/>
+                <a16:creationId xmlns:a16="http://schemas.microsoft.com/office/drawing/2014/main" id="{F451F115-D82A-2D44-905F-39D8669FE764}"/>
               </a:ext>
             </a:extLst>
           </p:cNvPr>
@@ -11664,8 +11419,8 @@
         </p:blipFill>
         <p:spPr>
           <a:xfrm>
-            <a:off x="643468" y="1281736"/>
-            <a:ext cx="5060992" cy="1404425"/>
+            <a:off x="5120359" y="882398"/>
+            <a:ext cx="5096003" cy="5121612"/>
           </a:xfrm>
           <a:prstGeom prst="rect">
             <a:avLst/>
@@ -11674,10 +11429,10 @@
       </p:pic>
       <p:pic>
         <p:nvPicPr>
-          <p:cNvPr id="5" name="Picture 4" descr="A screenshot of text&#10;&#10;Description automatically generated">
+          <p:cNvPr id="14" name="Picture 13" descr="A screenshot of text&#10;&#10;Description automatically generated">
             <a:extLst>
               <a:ext uri="{FF2B5EF4-FFF2-40B4-BE49-F238E27FC236}">
-                <a16:creationId xmlns:a16="http://schemas.microsoft.com/office/drawing/2014/main" id="{A93F49C8-FE84-5145-AA49-AA0BDDBCA690}"/>
+                <a16:creationId xmlns:a16="http://schemas.microsoft.com/office/drawing/2014/main" id="{84D0A20F-1775-7440-9C8D-54887A791AFF}"/>
               </a:ext>
             </a:extLst>
           </p:cNvPr>
@@ -11686,87 +11441,31 @@
           </p:cNvPicPr>
           <p:nvPr/>
         </p:nvPicPr>
-        <p:blipFill rotWithShape="1">
-          <a:blip r:embed="rId3"/>
-          <a:srcRect t="5714" r="-2" b="3863"/>
-          <a:stretch/>
+        <p:blipFill>
+          <a:blip r:embed="rId2"/>
+          <a:stretch>
+            <a:fillRect/>
+          </a:stretch>
         </p:blipFill>
         <p:spPr>
           <a:xfrm>
-            <a:off x="1909476" y="3509433"/>
-            <a:ext cx="2528975" cy="2771795"/>
+            <a:off x="5272759" y="1034798"/>
+            <a:ext cx="5096003" cy="5121612"/>
           </a:xfrm>
           <a:prstGeom prst="rect">
             <a:avLst/>
           </a:prstGeom>
         </p:spPr>
       </p:pic>
-      <p:sp>
-        <p:nvSpPr>
-          <p:cNvPr id="3" name="Content Placeholder 2">
-            <a:extLst>
-              <a:ext uri="{FF2B5EF4-FFF2-40B4-BE49-F238E27FC236}">
-                <a16:creationId xmlns:a16="http://schemas.microsoft.com/office/drawing/2014/main" id="{C62288B3-17FA-BC44-9433-51EE71818869}"/>
-              </a:ext>
-            </a:extLst>
-          </p:cNvPr>
-          <p:cNvSpPr>
-            <a:spLocks noGrp="1"/>
-          </p:cNvSpPr>
-          <p:nvPr>
-            <p:ph idx="1"/>
-          </p:nvPr>
-        </p:nvSpPr>
-        <p:spPr>
-          <a:xfrm>
-            <a:off x="6846137" y="2303563"/>
-            <a:ext cx="4602152" cy="3715424"/>
-          </a:xfrm>
-        </p:spPr>
-        <p:txBody>
-          <a:bodyPr>
-            <a:normAutofit/>
-          </a:bodyPr>
-          <a:lstStyle/>
-          <a:p>
-            <a:r>
-              <a:rPr lang="en-US"/>
-              <a:t>We are using Python Flask for building a server that interact with ORM </a:t>
-            </a:r>
-            <a:r>
-              <a:rPr lang="en-US" err="1"/>
-              <a:t>SQLAlchemy</a:t>
-            </a:r>
-            <a:r>
-              <a:rPr lang="en-US"/>
-              <a:t> classes and flask-marshmallow /marshmallow-</a:t>
-            </a:r>
-            <a:r>
-              <a:rPr lang="en-US" err="1"/>
-              <a:t>sqlalchemy</a:t>
-            </a:r>
-            <a:r>
-              <a:rPr lang="en-US"/>
-              <a:t> for serializing and deserializing the data, render the html page that contains our Model related details. Our database is SQLite which we use to store user entered form data using Post Rest APIs</a:t>
-            </a:r>
-          </a:p>
-          <a:p>
-            <a:pPr marL="0" indent="0">
-              <a:buNone/>
-            </a:pPr>
-            <a:endParaRPr lang="en-US"/>
-          </a:p>
-        </p:txBody>
-      </p:sp>
     </p:spTree>
     <p:extLst>
       <p:ext uri="{BB962C8B-B14F-4D97-AF65-F5344CB8AC3E}">
-        <p14:creationId xmlns:p14="http://schemas.microsoft.com/office/powerpoint/2010/main" val="342110705"/>
+        <p14:creationId xmlns:p14="http://schemas.microsoft.com/office/powerpoint/2010/main" val="2694775439"/>
       </p:ext>
     </p:extLst>
   </p:cSld>
   <p:clrMapOvr>
-    <a:masterClrMapping/>
+    <a:overrideClrMapping bg1="dk1" tx1="lt1" bg2="dk2" tx2="lt2" accent1="accent1" accent2="accent2" accent3="accent3" accent4="accent4" accent5="accent5" accent6="accent6" hlink="hlink" folHlink="folHlink"/>
   </p:clrMapOvr>
 </p:sld>
 </file>
@@ -11798,7 +11497,7 @@
       </p:grpSpPr>
       <p:sp useBgFill="1">
         <p:nvSpPr>
-          <p:cNvPr id="28" name="Rectangle 21">
+          <p:cNvPr id="32" name="Rectangle 25">
             <a:extLst>
               <a:ext uri="{FF2B5EF4-FFF2-40B4-BE49-F238E27FC236}">
                 <a16:creationId xmlns:a16="http://schemas.microsoft.com/office/drawing/2014/main" id="{78632963-757B-40C2-BB84-FC6107A54DAD}"/>
@@ -11858,7 +11557,7 @@
       </p:sp>
       <p:sp>
         <p:nvSpPr>
-          <p:cNvPr id="29" name="Rectangle 23">
+          <p:cNvPr id="33" name="Rectangle 27">
             <a:extLst>
               <a:ext uri="{FF2B5EF4-FFF2-40B4-BE49-F238E27FC236}">
                 <a16:creationId xmlns:a16="http://schemas.microsoft.com/office/drawing/2014/main" id="{2853AE55-7E35-44B0-89F1-3F52B262AF33}"/>
@@ -11924,7 +11623,7 @@
       </p:sp>
       <p:sp>
         <p:nvSpPr>
-          <p:cNvPr id="30" name="Rectangle 25">
+          <p:cNvPr id="34" name="Rectangle 29">
             <a:extLst>
               <a:ext uri="{FF2B5EF4-FFF2-40B4-BE49-F238E27FC236}">
                 <a16:creationId xmlns:a16="http://schemas.microsoft.com/office/drawing/2014/main" id="{DBC4BE4D-4B50-4F51-9F85-4B5D60B02D81}"/>
@@ -12006,8 +11705,8 @@
         </p:nvSpPr>
         <p:spPr>
           <a:xfrm>
-            <a:off x="6846137" y="3567774"/>
-            <a:ext cx="4602152" cy="939074"/>
+            <a:off x="6846137" y="804073"/>
+            <a:ext cx="4602152" cy="1345449"/>
           </a:xfrm>
         </p:spPr>
         <p:txBody>
@@ -12017,22 +11716,52 @@
           <a:lstStyle/>
           <a:p>
             <a:r>
-              <a:rPr lang="en-US" sz="2000" b="0"/>
-              <a:t>Rest APIs : Post,Get, Get(id), Delete(id)</a:t>
+              <a:rPr lang="en-US" sz="2800" b="0"/>
+              <a:t>Building the ORM classes, SQLite database</a:t>
             </a:r>
             <a:br>
-              <a:rPr lang="en-US" sz="2000" b="0"/>
+              <a:rPr lang="en-US" sz="2800" b="0"/>
             </a:br>
-            <a:endParaRPr lang="en-US" sz="2000"/>
+            <a:endParaRPr lang="en-US" sz="2800"/>
           </a:p>
         </p:txBody>
       </p:sp>
       <p:pic>
         <p:nvPicPr>
-          <p:cNvPr id="6" name="Picture 5" descr="A screenshot of text&#10;&#10;Description automatically generated">
+          <p:cNvPr id="11" name="Picture 10" descr="A screen shot of a computer&#10;&#10;Description automatically generated">
             <a:extLst>
               <a:ext uri="{FF2B5EF4-FFF2-40B4-BE49-F238E27FC236}">
-                <a16:creationId xmlns:a16="http://schemas.microsoft.com/office/drawing/2014/main" id="{166F3A38-1E77-9D47-B324-EFA4A3C01D06}"/>
+                <a16:creationId xmlns:a16="http://schemas.microsoft.com/office/drawing/2014/main" id="{7F7834E9-4C97-D24F-BFB8-AD9FBF39D6D3}"/>
+              </a:ext>
+            </a:extLst>
+          </p:cNvPr>
+          <p:cNvPicPr>
+            <a:picLocks noChangeAspect="1"/>
+          </p:cNvPicPr>
+          <p:nvPr/>
+        </p:nvPicPr>
+        <p:blipFill>
+          <a:blip r:embed="rId2"/>
+          <a:stretch>
+            <a:fillRect/>
+          </a:stretch>
+        </p:blipFill>
+        <p:spPr>
+          <a:xfrm>
+            <a:off x="643468" y="1281736"/>
+            <a:ext cx="5060992" cy="1404425"/>
+          </a:xfrm>
+          <a:prstGeom prst="rect">
+            <a:avLst/>
+          </a:prstGeom>
+        </p:spPr>
+      </p:pic>
+      <p:pic>
+        <p:nvPicPr>
+          <p:cNvPr id="5" name="Picture 4" descr="A screenshot of text&#10;&#10;Description automatically generated">
+            <a:extLst>
+              <a:ext uri="{FF2B5EF4-FFF2-40B4-BE49-F238E27FC236}">
+                <a16:creationId xmlns:a16="http://schemas.microsoft.com/office/drawing/2014/main" id="{A93F49C8-FE84-5145-AA49-AA0BDDBCA690}"/>
               </a:ext>
             </a:extLst>
           </p:cNvPr>
@@ -12042,44 +11771,14 @@
           <p:nvPr/>
         </p:nvPicPr>
         <p:blipFill rotWithShape="1">
-          <a:blip r:embed="rId2"/>
-          <a:srcRect r="18343" b="2"/>
+          <a:blip r:embed="rId3"/>
+          <a:srcRect t="5714" r="-2" b="3863"/>
           <a:stretch/>
         </p:blipFill>
         <p:spPr>
           <a:xfrm>
-            <a:off x="643468" y="643441"/>
-            <a:ext cx="5060992" cy="5546980"/>
-          </a:xfrm>
-          <a:prstGeom prst="rect">
-            <a:avLst/>
-          </a:prstGeom>
-        </p:spPr>
-      </p:pic>
-      <p:pic>
-        <p:nvPicPr>
-          <p:cNvPr id="8" name="Picture 7" descr="A screenshot of a social media post&#10;&#10;Description automatically generated">
-            <a:extLst>
-              <a:ext uri="{FF2B5EF4-FFF2-40B4-BE49-F238E27FC236}">
-                <a16:creationId xmlns:a16="http://schemas.microsoft.com/office/drawing/2014/main" id="{7591A3E5-B5CB-6340-BC2E-F1B92F9E210F}"/>
-              </a:ext>
-            </a:extLst>
-          </p:cNvPr>
-          <p:cNvPicPr>
-            <a:picLocks noChangeAspect="1"/>
-          </p:cNvPicPr>
-          <p:nvPr/>
-        </p:nvPicPr>
-        <p:blipFill>
-          <a:blip r:embed="rId3"/>
-          <a:stretch>
-            <a:fillRect/>
-          </a:stretch>
-        </p:blipFill>
-        <p:spPr>
-          <a:xfrm>
-            <a:off x="6853380" y="564693"/>
-            <a:ext cx="4619836" cy="2864298"/>
+            <a:off x="1909476" y="3509433"/>
+            <a:ext cx="2528975" cy="2771795"/>
           </a:xfrm>
           <a:prstGeom prst="rect">
             <a:avLst/>
@@ -12104,8 +11803,8 @@
         </p:nvSpPr>
         <p:spPr>
           <a:xfrm>
-            <a:off x="6846137" y="4555671"/>
-            <a:ext cx="4602152" cy="1463315"/>
+            <a:off x="6846137" y="2303563"/>
+            <a:ext cx="4602152" cy="3715424"/>
           </a:xfrm>
         </p:spPr>
         <p:txBody>
@@ -12114,56 +11813,39 @@
           </a:bodyPr>
           <a:lstStyle/>
           <a:p>
+            <a:r>
+              <a:rPr lang="en-US"/>
+              <a:t>We are using Python Flask for building a server that interact with ORM </a:t>
+            </a:r>
+            <a:r>
+              <a:rPr lang="en-US" err="1"/>
+              <a:t>SQLAlchemy</a:t>
+            </a:r>
+            <a:r>
+              <a:rPr lang="en-US"/>
+              <a:t> classes and flask-marshmallow /marshmallow-</a:t>
+            </a:r>
+            <a:r>
+              <a:rPr lang="en-US" err="1"/>
+              <a:t>sqlalchemy</a:t>
+            </a:r>
+            <a:r>
+              <a:rPr lang="en-US"/>
+              <a:t> for serializing and deserializing the data, render the html page that contains our Model related details. Our database is SQLite which we use to store user entered form data using Post Rest APIs</a:t>
+            </a:r>
+          </a:p>
+          <a:p>
             <a:pPr marL="0" indent="0">
-              <a:lnSpc>
-                <a:spcPct val="100000"/>
-              </a:lnSpc>
               <a:buNone/>
             </a:pPr>
-            <a:endParaRPr lang="en-US" sz="1300"/>
-          </a:p>
-          <a:p>
-            <a:pPr marL="0" indent="0">
-              <a:lnSpc>
-                <a:spcPct val="100000"/>
-              </a:lnSpc>
-              <a:buNone/>
-            </a:pPr>
-            <a:r>
-              <a:rPr lang="en-US" sz="1300"/>
-              <a:t>Though we need just Post rest </a:t>
-            </a:r>
-            <a:r>
-              <a:rPr lang="en-US" sz="1300" err="1"/>
-              <a:t>api</a:t>
-            </a:r>
-            <a:r>
-              <a:rPr lang="en-US" sz="1300"/>
-              <a:t> to create each prediction form entry per patient, we created other rest </a:t>
-            </a:r>
-            <a:r>
-              <a:rPr lang="en-US" sz="1300" err="1"/>
-              <a:t>apis</a:t>
-            </a:r>
-            <a:r>
-              <a:rPr lang="en-US" sz="1300"/>
-              <a:t> Get all, Get(id), Delete(id) </a:t>
-            </a:r>
-            <a:r>
-              <a:rPr lang="en-US" sz="1300" err="1"/>
-              <a:t>etc</a:t>
-            </a:r>
-            <a:r>
-              <a:rPr lang="en-US" sz="1300"/>
-              <a:t>…. To interact with our SQLite database for completeness and we tested these APIs using Postman (collaboration platform for API development.)</a:t>
-            </a:r>
+            <a:endParaRPr lang="en-US"/>
           </a:p>
         </p:txBody>
       </p:sp>
     </p:spTree>
     <p:extLst>
       <p:ext uri="{BB962C8B-B14F-4D97-AF65-F5344CB8AC3E}">
-        <p14:creationId xmlns:p14="http://schemas.microsoft.com/office/powerpoint/2010/main" val="3788525839"/>
+        <p14:creationId xmlns:p14="http://schemas.microsoft.com/office/powerpoint/2010/main" val="342110705"/>
       </p:ext>
     </p:extLst>
   </p:cSld>
@@ -12198,6 +11880,408 @@
           <a:chExt cx="0" cy="0"/>
         </a:xfrm>
       </p:grpSpPr>
+      <p:sp useBgFill="1">
+        <p:nvSpPr>
+          <p:cNvPr id="28" name="Rectangle 21">
+            <a:extLst>
+              <a:ext uri="{FF2B5EF4-FFF2-40B4-BE49-F238E27FC236}">
+                <a16:creationId xmlns:a16="http://schemas.microsoft.com/office/drawing/2014/main" id="{78632963-757B-40C2-BB84-FC6107A54DAD}"/>
+              </a:ext>
+              <a:ext uri="{C183D7F6-B498-43B3-948B-1728B52AA6E4}">
+                <adec:decorative xmlns:adec="http://schemas.microsoft.com/office/drawing/2017/decorative" val="1"/>
+              </a:ext>
+            </a:extLst>
+          </p:cNvPr>
+          <p:cNvSpPr>
+            <a:spLocks noGrp="1" noRot="1" noChangeAspect="1" noMove="1" noResize="1" noEditPoints="1" noAdjustHandles="1" noChangeArrowheads="1" noChangeShapeType="1" noTextEdit="1"/>
+          </p:cNvSpPr>
+          <p:nvPr>
+            <p:extLst>
+              <p:ext uri="{386F3935-93C4-4BCD-93E2-E3B085C9AB24}">
+                <p16:designElem xmlns:p16="http://schemas.microsoft.com/office/powerpoint/2015/main" val="1"/>
+              </p:ext>
+            </p:extLst>
+          </p:nvPr>
+        </p:nvSpPr>
+        <p:spPr>
+          <a:xfrm>
+            <a:off x="-1866" y="0"/>
+            <a:ext cx="12193866" cy="6858000"/>
+          </a:xfrm>
+          <a:prstGeom prst="rect">
+            <a:avLst/>
+          </a:prstGeom>
+          <a:ln>
+            <a:noFill/>
+          </a:ln>
+        </p:spPr>
+        <p:style>
+          <a:lnRef idx="2">
+            <a:schemeClr val="accent1">
+              <a:shade val="50000"/>
+            </a:schemeClr>
+          </a:lnRef>
+          <a:fillRef idx="1">
+            <a:schemeClr val="accent1"/>
+          </a:fillRef>
+          <a:effectRef idx="0">
+            <a:schemeClr val="accent1"/>
+          </a:effectRef>
+          <a:fontRef idx="minor">
+            <a:schemeClr val="lt1"/>
+          </a:fontRef>
+        </p:style>
+        <p:txBody>
+          <a:bodyPr rtlCol="0" anchor="ctr"/>
+          <a:lstStyle/>
+          <a:p>
+            <a:pPr algn="ctr"/>
+            <a:endParaRPr lang="en-US" dirty="0"/>
+          </a:p>
+        </p:txBody>
+      </p:sp>
+      <p:sp>
+        <p:nvSpPr>
+          <p:cNvPr id="29" name="Rectangle 23">
+            <a:extLst>
+              <a:ext uri="{FF2B5EF4-FFF2-40B4-BE49-F238E27FC236}">
+                <a16:creationId xmlns:a16="http://schemas.microsoft.com/office/drawing/2014/main" id="{2853AE55-7E35-44B0-89F1-3F52B262AF33}"/>
+              </a:ext>
+              <a:ext uri="{C183D7F6-B498-43B3-948B-1728B52AA6E4}">
+                <adec:decorative xmlns:adec="http://schemas.microsoft.com/office/drawing/2017/decorative" val="1"/>
+              </a:ext>
+            </a:extLst>
+          </p:cNvPr>
+          <p:cNvSpPr>
+            <a:spLocks noGrp="1" noRot="1" noChangeAspect="1" noMove="1" noResize="1" noEditPoints="1" noAdjustHandles="1" noChangeArrowheads="1" noChangeShapeType="1" noTextEdit="1"/>
+          </p:cNvSpPr>
+          <p:nvPr>
+            <p:extLst>
+              <p:ext uri="{386F3935-93C4-4BCD-93E2-E3B085C9AB24}">
+                <p16:designElem xmlns:p16="http://schemas.microsoft.com/office/powerpoint/2015/main" val="1"/>
+              </p:ext>
+            </p:extLst>
+          </p:nvPr>
+        </p:nvSpPr>
+        <p:spPr>
+          <a:xfrm>
+            <a:off x="6339709" y="253548"/>
+            <a:ext cx="5612193" cy="6361598"/>
+          </a:xfrm>
+          <a:prstGeom prst="rect">
+            <a:avLst/>
+          </a:prstGeom>
+          <a:solidFill>
+            <a:schemeClr val="bg1">
+              <a:lumMod val="75000"/>
+              <a:alpha val="60000"/>
+            </a:schemeClr>
+          </a:solidFill>
+          <a:ln>
+            <a:noFill/>
+          </a:ln>
+        </p:spPr>
+        <p:style>
+          <a:lnRef idx="2">
+            <a:schemeClr val="accent1">
+              <a:shade val="50000"/>
+            </a:schemeClr>
+          </a:lnRef>
+          <a:fillRef idx="1">
+            <a:schemeClr val="accent1"/>
+          </a:fillRef>
+          <a:effectRef idx="0">
+            <a:schemeClr val="accent1"/>
+          </a:effectRef>
+          <a:fontRef idx="minor">
+            <a:schemeClr val="lt1"/>
+          </a:fontRef>
+        </p:style>
+        <p:txBody>
+          <a:bodyPr rtlCol="0" anchor="ctr"/>
+          <a:lstStyle/>
+          <a:p>
+            <a:pPr algn="ctr"/>
+            <a:endParaRPr lang="en-US"/>
+          </a:p>
+        </p:txBody>
+      </p:sp>
+      <p:sp>
+        <p:nvSpPr>
+          <p:cNvPr id="30" name="Rectangle 25">
+            <a:extLst>
+              <a:ext uri="{FF2B5EF4-FFF2-40B4-BE49-F238E27FC236}">
+                <a16:creationId xmlns:a16="http://schemas.microsoft.com/office/drawing/2014/main" id="{DBC4BE4D-4B50-4F51-9F85-4B5D60B02D81}"/>
+              </a:ext>
+              <a:ext uri="{C183D7F6-B498-43B3-948B-1728B52AA6E4}">
+                <adec:decorative xmlns:adec="http://schemas.microsoft.com/office/drawing/2017/decorative" val="1"/>
+              </a:ext>
+            </a:extLst>
+          </p:cNvPr>
+          <p:cNvSpPr>
+            <a:spLocks noGrp="1" noRot="1" noChangeAspect="1" noMove="1" noResize="1" noEditPoints="1" noAdjustHandles="1" noChangeArrowheads="1" noChangeShapeType="1" noTextEdit="1"/>
+          </p:cNvSpPr>
+          <p:nvPr>
+            <p:extLst>
+              <p:ext uri="{386F3935-93C4-4BCD-93E2-E3B085C9AB24}">
+                <p16:designElem xmlns:p16="http://schemas.microsoft.com/office/powerpoint/2015/main" val="1"/>
+              </p:ext>
+            </p:extLst>
+          </p:nvPr>
+        </p:nvSpPr>
+        <p:spPr>
+          <a:xfrm>
+            <a:off x="6487542" y="407588"/>
+            <a:ext cx="5299768" cy="6022878"/>
+          </a:xfrm>
+          <a:prstGeom prst="rect">
+            <a:avLst/>
+          </a:prstGeom>
+          <a:noFill/>
+          <a:ln w="6350">
+            <a:solidFill>
+              <a:schemeClr val="tx1">
+                <a:lumMod val="75000"/>
+                <a:lumOff val="25000"/>
+              </a:schemeClr>
+            </a:solidFill>
+          </a:ln>
+        </p:spPr>
+        <p:style>
+          <a:lnRef idx="2">
+            <a:schemeClr val="accent1">
+              <a:shade val="50000"/>
+            </a:schemeClr>
+          </a:lnRef>
+          <a:fillRef idx="1">
+            <a:schemeClr val="accent1"/>
+          </a:fillRef>
+          <a:effectRef idx="0">
+            <a:schemeClr val="accent1"/>
+          </a:effectRef>
+          <a:fontRef idx="minor">
+            <a:schemeClr val="lt1"/>
+          </a:fontRef>
+        </p:style>
+        <p:txBody>
+          <a:bodyPr rtlCol="0" anchor="ctr"/>
+          <a:lstStyle/>
+          <a:p>
+            <a:pPr algn="ctr"/>
+            <a:endParaRPr lang="en-US"/>
+          </a:p>
+        </p:txBody>
+      </p:sp>
+      <p:sp>
+        <p:nvSpPr>
+          <p:cNvPr id="2" name="Title 1">
+            <a:extLst>
+              <a:ext uri="{FF2B5EF4-FFF2-40B4-BE49-F238E27FC236}">
+                <a16:creationId xmlns:a16="http://schemas.microsoft.com/office/drawing/2014/main" id="{1C2CE2A7-5866-D546-A548-7FF7C474739F}"/>
+              </a:ext>
+            </a:extLst>
+          </p:cNvPr>
+          <p:cNvSpPr>
+            <a:spLocks noGrp="1"/>
+          </p:cNvSpPr>
+          <p:nvPr>
+            <p:ph type="title"/>
+          </p:nvPr>
+        </p:nvSpPr>
+        <p:spPr>
+          <a:xfrm>
+            <a:off x="6846137" y="3567774"/>
+            <a:ext cx="4602152" cy="939074"/>
+          </a:xfrm>
+        </p:spPr>
+        <p:txBody>
+          <a:bodyPr>
+            <a:normAutofit/>
+          </a:bodyPr>
+          <a:lstStyle/>
+          <a:p>
+            <a:r>
+              <a:rPr lang="en-US" sz="2000" b="0"/>
+              <a:t>Rest APIs : Post,Get, Get(id), Delete(id)</a:t>
+            </a:r>
+            <a:br>
+              <a:rPr lang="en-US" sz="2000" b="0"/>
+            </a:br>
+            <a:endParaRPr lang="en-US" sz="2000"/>
+          </a:p>
+        </p:txBody>
+      </p:sp>
+      <p:pic>
+        <p:nvPicPr>
+          <p:cNvPr id="6" name="Picture 5" descr="A screenshot of text&#10;&#10;Description automatically generated">
+            <a:extLst>
+              <a:ext uri="{FF2B5EF4-FFF2-40B4-BE49-F238E27FC236}">
+                <a16:creationId xmlns:a16="http://schemas.microsoft.com/office/drawing/2014/main" id="{166F3A38-1E77-9D47-B324-EFA4A3C01D06}"/>
+              </a:ext>
+            </a:extLst>
+          </p:cNvPr>
+          <p:cNvPicPr>
+            <a:picLocks noChangeAspect="1"/>
+          </p:cNvPicPr>
+          <p:nvPr/>
+        </p:nvPicPr>
+        <p:blipFill rotWithShape="1">
+          <a:blip r:embed="rId2"/>
+          <a:srcRect r="18343" b="2"/>
+          <a:stretch/>
+        </p:blipFill>
+        <p:spPr>
+          <a:xfrm>
+            <a:off x="643468" y="643441"/>
+            <a:ext cx="5060992" cy="5546980"/>
+          </a:xfrm>
+          <a:prstGeom prst="rect">
+            <a:avLst/>
+          </a:prstGeom>
+        </p:spPr>
+      </p:pic>
+      <p:pic>
+        <p:nvPicPr>
+          <p:cNvPr id="8" name="Picture 7" descr="A screenshot of a social media post&#10;&#10;Description automatically generated">
+            <a:extLst>
+              <a:ext uri="{FF2B5EF4-FFF2-40B4-BE49-F238E27FC236}">
+                <a16:creationId xmlns:a16="http://schemas.microsoft.com/office/drawing/2014/main" id="{7591A3E5-B5CB-6340-BC2E-F1B92F9E210F}"/>
+              </a:ext>
+            </a:extLst>
+          </p:cNvPr>
+          <p:cNvPicPr>
+            <a:picLocks noChangeAspect="1"/>
+          </p:cNvPicPr>
+          <p:nvPr/>
+        </p:nvPicPr>
+        <p:blipFill>
+          <a:blip r:embed="rId3"/>
+          <a:stretch>
+            <a:fillRect/>
+          </a:stretch>
+        </p:blipFill>
+        <p:spPr>
+          <a:xfrm>
+            <a:off x="6853380" y="564693"/>
+            <a:ext cx="4619836" cy="2864298"/>
+          </a:xfrm>
+          <a:prstGeom prst="rect">
+            <a:avLst/>
+          </a:prstGeom>
+        </p:spPr>
+      </p:pic>
+      <p:sp>
+        <p:nvSpPr>
+          <p:cNvPr id="3" name="Content Placeholder 2">
+            <a:extLst>
+              <a:ext uri="{FF2B5EF4-FFF2-40B4-BE49-F238E27FC236}">
+                <a16:creationId xmlns:a16="http://schemas.microsoft.com/office/drawing/2014/main" id="{C62288B3-17FA-BC44-9433-51EE71818869}"/>
+              </a:ext>
+            </a:extLst>
+          </p:cNvPr>
+          <p:cNvSpPr>
+            <a:spLocks noGrp="1"/>
+          </p:cNvSpPr>
+          <p:nvPr>
+            <p:ph idx="1"/>
+          </p:nvPr>
+        </p:nvSpPr>
+        <p:spPr>
+          <a:xfrm>
+            <a:off x="6846137" y="4555671"/>
+            <a:ext cx="4602152" cy="1463315"/>
+          </a:xfrm>
+        </p:spPr>
+        <p:txBody>
+          <a:bodyPr>
+            <a:normAutofit/>
+          </a:bodyPr>
+          <a:lstStyle/>
+          <a:p>
+            <a:pPr marL="0" indent="0">
+              <a:lnSpc>
+                <a:spcPct val="100000"/>
+              </a:lnSpc>
+              <a:buNone/>
+            </a:pPr>
+            <a:endParaRPr lang="en-US" sz="1300"/>
+          </a:p>
+          <a:p>
+            <a:pPr marL="0" indent="0">
+              <a:lnSpc>
+                <a:spcPct val="100000"/>
+              </a:lnSpc>
+              <a:buNone/>
+            </a:pPr>
+            <a:r>
+              <a:rPr lang="en-US" sz="1300"/>
+              <a:t>Though we need just Post rest </a:t>
+            </a:r>
+            <a:r>
+              <a:rPr lang="en-US" sz="1300" err="1"/>
+              <a:t>api</a:t>
+            </a:r>
+            <a:r>
+              <a:rPr lang="en-US" sz="1300"/>
+              <a:t> to create each prediction form entry per patient, we created other rest </a:t>
+            </a:r>
+            <a:r>
+              <a:rPr lang="en-US" sz="1300" err="1"/>
+              <a:t>apis</a:t>
+            </a:r>
+            <a:r>
+              <a:rPr lang="en-US" sz="1300"/>
+              <a:t> Get all, Get(id), Delete(id) </a:t>
+            </a:r>
+            <a:r>
+              <a:rPr lang="en-US" sz="1300" err="1"/>
+              <a:t>etc</a:t>
+            </a:r>
+            <a:r>
+              <a:rPr lang="en-US" sz="1300"/>
+              <a:t>…. To interact with our SQLite database for completeness and we tested these APIs using Postman (collaboration platform for API development.)</a:t>
+            </a:r>
+          </a:p>
+        </p:txBody>
+      </p:sp>
+    </p:spTree>
+    <p:extLst>
+      <p:ext uri="{BB962C8B-B14F-4D97-AF65-F5344CB8AC3E}">
+        <p14:creationId xmlns:p14="http://schemas.microsoft.com/office/powerpoint/2010/main" val="3788525839"/>
+      </p:ext>
+    </p:extLst>
+  </p:cSld>
+  <p:clrMapOvr>
+    <a:masterClrMapping/>
+  </p:clrMapOvr>
+</p:sld>
+</file>
+
+<file path=ppt/slides/slide19.xml><?xml version="1.0" encoding="utf-8"?>
+<p:sld xmlns:a="http://schemas.openxmlformats.org/drawingml/2006/main" xmlns:r="http://schemas.openxmlformats.org/officeDocument/2006/relationships" xmlns:p="http://schemas.openxmlformats.org/presentationml/2006/main">
+  <p:cSld>
+    <p:bg>
+      <p:bgPr>
+        <a:solidFill>
+          <a:schemeClr val="bg1"/>
+        </a:solidFill>
+        <a:effectLst/>
+      </p:bgPr>
+    </p:bg>
+    <p:spTree>
+      <p:nvGrpSpPr>
+        <p:cNvPr id="1" name=""/>
+        <p:cNvGrpSpPr/>
+        <p:nvPr/>
+      </p:nvGrpSpPr>
+      <p:grpSpPr>
+        <a:xfrm>
+          <a:off x="0" y="0"/>
+          <a:ext cx="0" cy="0"/>
+          <a:chOff x="0" y="0"/>
+          <a:chExt cx="0" cy="0"/>
+        </a:xfrm>
+      </p:grpSpPr>
       <p:sp>
         <p:nvSpPr>
           <p:cNvPr id="2" name="Title 1">
@@ -12439,7 +12523,312 @@
 </p:sld>
 </file>
 
-<file path=ppt/slides/slide19.xml><?xml version="1.0" encoding="utf-8"?>
+<file path=ppt/slides/slide2.xml><?xml version="1.0" encoding="utf-8"?>
+<p:sld xmlns:a="http://schemas.openxmlformats.org/drawingml/2006/main" xmlns:r="http://schemas.openxmlformats.org/officeDocument/2006/relationships" xmlns:p="http://schemas.openxmlformats.org/presentationml/2006/main">
+  <p:cSld>
+    <p:bg>
+      <p:bgPr>
+        <a:gradFill rotWithShape="1">
+          <a:gsLst>
+            <a:gs pos="0">
+              <a:schemeClr val="bg1">
+                <a:tint val="80000"/>
+                <a:shade val="100000"/>
+                <a:satMod val="300000"/>
+              </a:schemeClr>
+            </a:gs>
+            <a:gs pos="100000">
+              <a:schemeClr val="bg1">
+                <a:tint val="100000"/>
+                <a:shade val="30000"/>
+                <a:satMod val="200000"/>
+              </a:schemeClr>
+            </a:gs>
+          </a:gsLst>
+          <a:path path="circle">
+            <a:fillToRect l="50000" t="50000" r="50000" b="50000"/>
+          </a:path>
+        </a:gradFill>
+        <a:effectLst/>
+      </p:bgPr>
+    </p:bg>
+    <p:spTree>
+      <p:nvGrpSpPr>
+        <p:cNvPr id="1" name=""/>
+        <p:cNvGrpSpPr/>
+        <p:nvPr/>
+      </p:nvGrpSpPr>
+      <p:grpSpPr>
+        <a:xfrm>
+          <a:off x="0" y="0"/>
+          <a:ext cx="0" cy="0"/>
+          <a:chOff x="0" y="0"/>
+          <a:chExt cx="0" cy="0"/>
+        </a:xfrm>
+      </p:grpSpPr>
+      <p:sp useBgFill="1">
+        <p:nvSpPr>
+          <p:cNvPr id="8" name="Rectangle 7">
+            <a:extLst>
+              <a:ext uri="{FF2B5EF4-FFF2-40B4-BE49-F238E27FC236}">
+                <a16:creationId xmlns:a16="http://schemas.microsoft.com/office/drawing/2014/main" id="{ED15573D-0E45-4691-B525-471152EC18CD}"/>
+              </a:ext>
+              <a:ext uri="{C183D7F6-B498-43B3-948B-1728B52AA6E4}">
+                <adec:decorative xmlns:adec="http://schemas.microsoft.com/office/drawing/2017/decorative" val="1"/>
+              </a:ext>
+            </a:extLst>
+          </p:cNvPr>
+          <p:cNvSpPr>
+            <a:spLocks noGrp="1" noRot="1" noChangeAspect="1" noMove="1" noResize="1" noEditPoints="1" noAdjustHandles="1" noChangeArrowheads="1" noChangeShapeType="1" noTextEdit="1"/>
+          </p:cNvSpPr>
+          <p:nvPr>
+            <p:extLst>
+              <p:ext uri="{386F3935-93C4-4BCD-93E2-E3B085C9AB24}">
+                <p16:designElem xmlns:p16="http://schemas.microsoft.com/office/powerpoint/2015/main" val="1"/>
+              </p:ext>
+            </p:extLst>
+          </p:nvPr>
+        </p:nvSpPr>
+        <p:spPr>
+          <a:xfrm>
+            <a:off x="0" y="0"/>
+            <a:ext cx="12192000" cy="6858000"/>
+          </a:xfrm>
+          <a:prstGeom prst="rect">
+            <a:avLst/>
+          </a:prstGeom>
+          <a:ln>
+            <a:noFill/>
+          </a:ln>
+        </p:spPr>
+        <p:style>
+          <a:lnRef idx="2">
+            <a:schemeClr val="accent1">
+              <a:shade val="50000"/>
+            </a:schemeClr>
+          </a:lnRef>
+          <a:fillRef idx="1">
+            <a:schemeClr val="accent1"/>
+          </a:fillRef>
+          <a:effectRef idx="0">
+            <a:schemeClr val="accent1"/>
+          </a:effectRef>
+          <a:fontRef idx="minor">
+            <a:schemeClr val="lt1"/>
+          </a:fontRef>
+        </p:style>
+        <p:txBody>
+          <a:bodyPr rtlCol="0" anchor="ctr"/>
+          <a:lstStyle/>
+          <a:p>
+            <a:pPr algn="ctr"/>
+            <a:endParaRPr lang="en-US"/>
+          </a:p>
+        </p:txBody>
+      </p:sp>
+      <p:sp>
+        <p:nvSpPr>
+          <p:cNvPr id="10" name="Rectangle 9">
+            <a:extLst>
+              <a:ext uri="{FF2B5EF4-FFF2-40B4-BE49-F238E27FC236}">
+                <a16:creationId xmlns:a16="http://schemas.microsoft.com/office/drawing/2014/main" id="{9E448559-19A4-4252-8C27-54C1DA906F8A}"/>
+              </a:ext>
+              <a:ext uri="{C183D7F6-B498-43B3-948B-1728B52AA6E4}">
+                <adec:decorative xmlns:adec="http://schemas.microsoft.com/office/drawing/2017/decorative" val="1"/>
+              </a:ext>
+            </a:extLst>
+          </p:cNvPr>
+          <p:cNvSpPr>
+            <a:spLocks noGrp="1" noRot="1" noChangeAspect="1" noMove="1" noResize="1" noEditPoints="1" noAdjustHandles="1" noChangeArrowheads="1" noChangeShapeType="1" noTextEdit="1"/>
+          </p:cNvSpPr>
+          <p:nvPr>
+            <p:extLst>
+              <p:ext uri="{386F3935-93C4-4BCD-93E2-E3B085C9AB24}">
+                <p16:designElem xmlns:p16="http://schemas.microsoft.com/office/powerpoint/2015/main" val="1"/>
+              </p:ext>
+            </p:extLst>
+          </p:nvPr>
+        </p:nvSpPr>
+        <p:spPr>
+          <a:xfrm>
+            <a:off x="234696" y="237744"/>
+            <a:ext cx="4419599" cy="6382512"/>
+          </a:xfrm>
+          <a:prstGeom prst="rect">
+            <a:avLst/>
+          </a:prstGeom>
+          <a:solidFill>
+            <a:schemeClr val="bg1">
+              <a:lumMod val="75000"/>
+              <a:alpha val="60000"/>
+            </a:schemeClr>
+          </a:solidFill>
+          <a:ln w="6350" cap="flat" cmpd="sng" algn="ctr">
+            <a:noFill/>
+            <a:prstDash val="solid"/>
+          </a:ln>
+          <a:effectLst>
+            <a:softEdge rad="0"/>
+          </a:effectLst>
+        </p:spPr>
+      </p:sp>
+      <p:sp>
+        <p:nvSpPr>
+          <p:cNvPr id="12" name="Rectangle 11">
+            <a:extLst>
+              <a:ext uri="{FF2B5EF4-FFF2-40B4-BE49-F238E27FC236}">
+                <a16:creationId xmlns:a16="http://schemas.microsoft.com/office/drawing/2014/main" id="{1B19C35E-4E30-4F1D-9FC2-F2FA6191E453}"/>
+              </a:ext>
+              <a:ext uri="{C183D7F6-B498-43B3-948B-1728B52AA6E4}">
+                <adec:decorative xmlns:adec="http://schemas.microsoft.com/office/drawing/2017/decorative" val="1"/>
+              </a:ext>
+            </a:extLst>
+          </p:cNvPr>
+          <p:cNvSpPr>
+            <a:spLocks noGrp="1" noRot="1" noChangeAspect="1" noMove="1" noResize="1" noEditPoints="1" noAdjustHandles="1" noChangeArrowheads="1" noChangeShapeType="1" noTextEdit="1"/>
+          </p:cNvSpPr>
+          <p:nvPr>
+            <p:extLst>
+              <p:ext uri="{386F3935-93C4-4BCD-93E2-E3B085C9AB24}">
+                <p16:designElem xmlns:p16="http://schemas.microsoft.com/office/powerpoint/2015/main" val="1"/>
+              </p:ext>
+            </p:extLst>
+          </p:nvPr>
+        </p:nvSpPr>
+        <p:spPr>
+          <a:xfrm>
+            <a:off x="464819" y="466344"/>
+            <a:ext cx="3959352" cy="5925312"/>
+          </a:xfrm>
+          <a:prstGeom prst="rect">
+            <a:avLst/>
+          </a:prstGeom>
+          <a:noFill/>
+          <a:ln w="6350" cap="sq" cmpd="sng" algn="ctr">
+            <a:solidFill>
+              <a:schemeClr val="tx1">
+                <a:lumMod val="75000"/>
+                <a:lumOff val="25000"/>
+              </a:schemeClr>
+            </a:solidFill>
+            <a:prstDash val="solid"/>
+            <a:miter lim="800000"/>
+          </a:ln>
+          <a:effectLst/>
+        </p:spPr>
+      </p:sp>
+      <p:sp>
+        <p:nvSpPr>
+          <p:cNvPr id="2" name="Title 1">
+            <a:extLst>
+              <a:ext uri="{FF2B5EF4-FFF2-40B4-BE49-F238E27FC236}">
+                <a16:creationId xmlns:a16="http://schemas.microsoft.com/office/drawing/2014/main" id="{E9B1D5E6-49F7-D64A-BB76-D108943C1CC0}"/>
+              </a:ext>
+            </a:extLst>
+          </p:cNvPr>
+          <p:cNvSpPr>
+            <a:spLocks noGrp="1"/>
+          </p:cNvSpPr>
+          <p:nvPr>
+            <p:ph type="title"/>
+          </p:nvPr>
+        </p:nvSpPr>
+        <p:spPr>
+          <a:xfrm>
+            <a:off x="676240" y="875324"/>
+            <a:ext cx="3536510" cy="5093520"/>
+          </a:xfrm>
+        </p:spPr>
+        <p:txBody>
+          <a:bodyPr>
+            <a:normAutofit/>
+          </a:bodyPr>
+          <a:lstStyle/>
+          <a:p>
+            <a:pPr algn="ctr"/>
+            <a:r>
+              <a:rPr lang="en-US" sz="3700" dirty="0">
+                <a:solidFill>
+                  <a:schemeClr val="tx1"/>
+                </a:solidFill>
+              </a:rPr>
+              <a:t>Team Members (Alphabetical Order)</a:t>
+            </a:r>
+          </a:p>
+        </p:txBody>
+      </p:sp>
+      <p:sp>
+        <p:nvSpPr>
+          <p:cNvPr id="3" name="Content Placeholder 2">
+            <a:extLst>
+              <a:ext uri="{FF2B5EF4-FFF2-40B4-BE49-F238E27FC236}">
+                <a16:creationId xmlns:a16="http://schemas.microsoft.com/office/drawing/2014/main" id="{F1BCC93D-A4C2-004B-A0BA-4F8EB4392747}"/>
+              </a:ext>
+            </a:extLst>
+          </p:cNvPr>
+          <p:cNvSpPr>
+            <a:spLocks noGrp="1"/>
+          </p:cNvSpPr>
+          <p:nvPr>
+            <p:ph idx="1"/>
+          </p:nvPr>
+        </p:nvSpPr>
+        <p:spPr>
+          <a:xfrm>
+            <a:off x="5478124" y="559477"/>
+            <a:ext cx="5647076" cy="5475563"/>
+          </a:xfrm>
+        </p:spPr>
+        <p:txBody>
+          <a:bodyPr anchor="ctr">
+            <a:normAutofit/>
+          </a:bodyPr>
+          <a:lstStyle/>
+          <a:p>
+            <a:r>
+              <a:rPr lang="en-US" sz="2000" dirty="0"/>
+              <a:t>Alexis Perumal</a:t>
+            </a:r>
+          </a:p>
+          <a:p>
+            <a:r>
+              <a:rPr lang="en-US" sz="2000" dirty="0"/>
+              <a:t>Arundhati Chakraborty</a:t>
+            </a:r>
+          </a:p>
+          <a:p>
+            <a:r>
+              <a:rPr lang="en-US" sz="2000" dirty="0"/>
+              <a:t>David </a:t>
+            </a:r>
+            <a:r>
+              <a:rPr lang="en-US" sz="2000" dirty="0" err="1"/>
+              <a:t>Jaimes</a:t>
+            </a:r>
+            <a:endParaRPr lang="en-US" sz="2000" dirty="0"/>
+          </a:p>
+          <a:p>
+            <a:r>
+              <a:rPr lang="en-US" sz="2000" dirty="0"/>
+              <a:t>Grant Thompson</a:t>
+            </a:r>
+          </a:p>
+        </p:txBody>
+      </p:sp>
+    </p:spTree>
+    <p:extLst>
+      <p:ext uri="{BB962C8B-B14F-4D97-AF65-F5344CB8AC3E}">
+        <p14:creationId xmlns:p14="http://schemas.microsoft.com/office/powerpoint/2010/main" val="2251627920"/>
+      </p:ext>
+    </p:extLst>
+  </p:cSld>
+  <p:clrMapOvr>
+    <a:overrideClrMapping bg1="dk1" tx1="lt1" bg2="dk2" tx2="lt2" accent1="accent1" accent2="accent2" accent3="accent3" accent4="accent4" accent5="accent5" accent6="accent6" hlink="hlink" folHlink="folHlink"/>
+  </p:clrMapOvr>
+</p:sld>
+</file>
+
+<file path=ppt/slides/slide20.xml><?xml version="1.0" encoding="utf-8"?>
 <p:sld xmlns:a="http://schemas.openxmlformats.org/drawingml/2006/main" xmlns:r="http://schemas.openxmlformats.org/officeDocument/2006/relationships" xmlns:p="http://schemas.openxmlformats.org/presentationml/2006/main">
   <p:cSld>
     <p:bg>
@@ -13497,312 +13886,7 @@
 </p:sld>
 </file>
 
-<file path=ppt/slides/slide2.xml><?xml version="1.0" encoding="utf-8"?>
-<p:sld xmlns:a="http://schemas.openxmlformats.org/drawingml/2006/main" xmlns:r="http://schemas.openxmlformats.org/officeDocument/2006/relationships" xmlns:p="http://schemas.openxmlformats.org/presentationml/2006/main">
-  <p:cSld>
-    <p:bg>
-      <p:bgPr>
-        <a:gradFill rotWithShape="1">
-          <a:gsLst>
-            <a:gs pos="0">
-              <a:schemeClr val="bg1">
-                <a:tint val="80000"/>
-                <a:shade val="100000"/>
-                <a:satMod val="300000"/>
-              </a:schemeClr>
-            </a:gs>
-            <a:gs pos="100000">
-              <a:schemeClr val="bg1">
-                <a:tint val="100000"/>
-                <a:shade val="30000"/>
-                <a:satMod val="200000"/>
-              </a:schemeClr>
-            </a:gs>
-          </a:gsLst>
-          <a:path path="circle">
-            <a:fillToRect l="50000" t="50000" r="50000" b="50000"/>
-          </a:path>
-        </a:gradFill>
-        <a:effectLst/>
-      </p:bgPr>
-    </p:bg>
-    <p:spTree>
-      <p:nvGrpSpPr>
-        <p:cNvPr id="1" name=""/>
-        <p:cNvGrpSpPr/>
-        <p:nvPr/>
-      </p:nvGrpSpPr>
-      <p:grpSpPr>
-        <a:xfrm>
-          <a:off x="0" y="0"/>
-          <a:ext cx="0" cy="0"/>
-          <a:chOff x="0" y="0"/>
-          <a:chExt cx="0" cy="0"/>
-        </a:xfrm>
-      </p:grpSpPr>
-      <p:sp useBgFill="1">
-        <p:nvSpPr>
-          <p:cNvPr id="8" name="Rectangle 7">
-            <a:extLst>
-              <a:ext uri="{FF2B5EF4-FFF2-40B4-BE49-F238E27FC236}">
-                <a16:creationId xmlns:a16="http://schemas.microsoft.com/office/drawing/2014/main" id="{ED15573D-0E45-4691-B525-471152EC18CD}"/>
-              </a:ext>
-              <a:ext uri="{C183D7F6-B498-43B3-948B-1728B52AA6E4}">
-                <adec:decorative xmlns:adec="http://schemas.microsoft.com/office/drawing/2017/decorative" val="1"/>
-              </a:ext>
-            </a:extLst>
-          </p:cNvPr>
-          <p:cNvSpPr>
-            <a:spLocks noGrp="1" noRot="1" noChangeAspect="1" noMove="1" noResize="1" noEditPoints="1" noAdjustHandles="1" noChangeArrowheads="1" noChangeShapeType="1" noTextEdit="1"/>
-          </p:cNvSpPr>
-          <p:nvPr>
-            <p:extLst>
-              <p:ext uri="{386F3935-93C4-4BCD-93E2-E3B085C9AB24}">
-                <p16:designElem xmlns:p16="http://schemas.microsoft.com/office/powerpoint/2015/main" val="1"/>
-              </p:ext>
-            </p:extLst>
-          </p:nvPr>
-        </p:nvSpPr>
-        <p:spPr>
-          <a:xfrm>
-            <a:off x="0" y="0"/>
-            <a:ext cx="12192000" cy="6858000"/>
-          </a:xfrm>
-          <a:prstGeom prst="rect">
-            <a:avLst/>
-          </a:prstGeom>
-          <a:ln>
-            <a:noFill/>
-          </a:ln>
-        </p:spPr>
-        <p:style>
-          <a:lnRef idx="2">
-            <a:schemeClr val="accent1">
-              <a:shade val="50000"/>
-            </a:schemeClr>
-          </a:lnRef>
-          <a:fillRef idx="1">
-            <a:schemeClr val="accent1"/>
-          </a:fillRef>
-          <a:effectRef idx="0">
-            <a:schemeClr val="accent1"/>
-          </a:effectRef>
-          <a:fontRef idx="minor">
-            <a:schemeClr val="lt1"/>
-          </a:fontRef>
-        </p:style>
-        <p:txBody>
-          <a:bodyPr rtlCol="0" anchor="ctr"/>
-          <a:lstStyle/>
-          <a:p>
-            <a:pPr algn="ctr"/>
-            <a:endParaRPr lang="en-US"/>
-          </a:p>
-        </p:txBody>
-      </p:sp>
-      <p:sp>
-        <p:nvSpPr>
-          <p:cNvPr id="10" name="Rectangle 9">
-            <a:extLst>
-              <a:ext uri="{FF2B5EF4-FFF2-40B4-BE49-F238E27FC236}">
-                <a16:creationId xmlns:a16="http://schemas.microsoft.com/office/drawing/2014/main" id="{9E448559-19A4-4252-8C27-54C1DA906F8A}"/>
-              </a:ext>
-              <a:ext uri="{C183D7F6-B498-43B3-948B-1728B52AA6E4}">
-                <adec:decorative xmlns:adec="http://schemas.microsoft.com/office/drawing/2017/decorative" val="1"/>
-              </a:ext>
-            </a:extLst>
-          </p:cNvPr>
-          <p:cNvSpPr>
-            <a:spLocks noGrp="1" noRot="1" noChangeAspect="1" noMove="1" noResize="1" noEditPoints="1" noAdjustHandles="1" noChangeArrowheads="1" noChangeShapeType="1" noTextEdit="1"/>
-          </p:cNvSpPr>
-          <p:nvPr>
-            <p:extLst>
-              <p:ext uri="{386F3935-93C4-4BCD-93E2-E3B085C9AB24}">
-                <p16:designElem xmlns:p16="http://schemas.microsoft.com/office/powerpoint/2015/main" val="1"/>
-              </p:ext>
-            </p:extLst>
-          </p:nvPr>
-        </p:nvSpPr>
-        <p:spPr>
-          <a:xfrm>
-            <a:off x="234696" y="237744"/>
-            <a:ext cx="4419599" cy="6382512"/>
-          </a:xfrm>
-          <a:prstGeom prst="rect">
-            <a:avLst/>
-          </a:prstGeom>
-          <a:solidFill>
-            <a:schemeClr val="bg1">
-              <a:lumMod val="75000"/>
-              <a:alpha val="60000"/>
-            </a:schemeClr>
-          </a:solidFill>
-          <a:ln w="6350" cap="flat" cmpd="sng" algn="ctr">
-            <a:noFill/>
-            <a:prstDash val="solid"/>
-          </a:ln>
-          <a:effectLst>
-            <a:softEdge rad="0"/>
-          </a:effectLst>
-        </p:spPr>
-      </p:sp>
-      <p:sp>
-        <p:nvSpPr>
-          <p:cNvPr id="12" name="Rectangle 11">
-            <a:extLst>
-              <a:ext uri="{FF2B5EF4-FFF2-40B4-BE49-F238E27FC236}">
-                <a16:creationId xmlns:a16="http://schemas.microsoft.com/office/drawing/2014/main" id="{1B19C35E-4E30-4F1D-9FC2-F2FA6191E453}"/>
-              </a:ext>
-              <a:ext uri="{C183D7F6-B498-43B3-948B-1728B52AA6E4}">
-                <adec:decorative xmlns:adec="http://schemas.microsoft.com/office/drawing/2017/decorative" val="1"/>
-              </a:ext>
-            </a:extLst>
-          </p:cNvPr>
-          <p:cNvSpPr>
-            <a:spLocks noGrp="1" noRot="1" noChangeAspect="1" noMove="1" noResize="1" noEditPoints="1" noAdjustHandles="1" noChangeArrowheads="1" noChangeShapeType="1" noTextEdit="1"/>
-          </p:cNvSpPr>
-          <p:nvPr>
-            <p:extLst>
-              <p:ext uri="{386F3935-93C4-4BCD-93E2-E3B085C9AB24}">
-                <p16:designElem xmlns:p16="http://schemas.microsoft.com/office/powerpoint/2015/main" val="1"/>
-              </p:ext>
-            </p:extLst>
-          </p:nvPr>
-        </p:nvSpPr>
-        <p:spPr>
-          <a:xfrm>
-            <a:off x="464819" y="466344"/>
-            <a:ext cx="3959352" cy="5925312"/>
-          </a:xfrm>
-          <a:prstGeom prst="rect">
-            <a:avLst/>
-          </a:prstGeom>
-          <a:noFill/>
-          <a:ln w="6350" cap="sq" cmpd="sng" algn="ctr">
-            <a:solidFill>
-              <a:schemeClr val="tx1">
-                <a:lumMod val="75000"/>
-                <a:lumOff val="25000"/>
-              </a:schemeClr>
-            </a:solidFill>
-            <a:prstDash val="solid"/>
-            <a:miter lim="800000"/>
-          </a:ln>
-          <a:effectLst/>
-        </p:spPr>
-      </p:sp>
-      <p:sp>
-        <p:nvSpPr>
-          <p:cNvPr id="2" name="Title 1">
-            <a:extLst>
-              <a:ext uri="{FF2B5EF4-FFF2-40B4-BE49-F238E27FC236}">
-                <a16:creationId xmlns:a16="http://schemas.microsoft.com/office/drawing/2014/main" id="{E9B1D5E6-49F7-D64A-BB76-D108943C1CC0}"/>
-              </a:ext>
-            </a:extLst>
-          </p:cNvPr>
-          <p:cNvSpPr>
-            <a:spLocks noGrp="1"/>
-          </p:cNvSpPr>
-          <p:nvPr>
-            <p:ph type="title"/>
-          </p:nvPr>
-        </p:nvSpPr>
-        <p:spPr>
-          <a:xfrm>
-            <a:off x="676240" y="875324"/>
-            <a:ext cx="3536510" cy="5093520"/>
-          </a:xfrm>
-        </p:spPr>
-        <p:txBody>
-          <a:bodyPr>
-            <a:normAutofit/>
-          </a:bodyPr>
-          <a:lstStyle/>
-          <a:p>
-            <a:pPr algn="ctr"/>
-            <a:r>
-              <a:rPr lang="en-US" sz="3700" dirty="0">
-                <a:solidFill>
-                  <a:schemeClr val="tx1"/>
-                </a:solidFill>
-              </a:rPr>
-              <a:t>Team Members (Alphabetical Order)</a:t>
-            </a:r>
-          </a:p>
-        </p:txBody>
-      </p:sp>
-      <p:sp>
-        <p:nvSpPr>
-          <p:cNvPr id="3" name="Content Placeholder 2">
-            <a:extLst>
-              <a:ext uri="{FF2B5EF4-FFF2-40B4-BE49-F238E27FC236}">
-                <a16:creationId xmlns:a16="http://schemas.microsoft.com/office/drawing/2014/main" id="{F1BCC93D-A4C2-004B-A0BA-4F8EB4392747}"/>
-              </a:ext>
-            </a:extLst>
-          </p:cNvPr>
-          <p:cNvSpPr>
-            <a:spLocks noGrp="1"/>
-          </p:cNvSpPr>
-          <p:nvPr>
-            <p:ph idx="1"/>
-          </p:nvPr>
-        </p:nvSpPr>
-        <p:spPr>
-          <a:xfrm>
-            <a:off x="5478124" y="559477"/>
-            <a:ext cx="5647076" cy="5475563"/>
-          </a:xfrm>
-        </p:spPr>
-        <p:txBody>
-          <a:bodyPr anchor="ctr">
-            <a:normAutofit/>
-          </a:bodyPr>
-          <a:lstStyle/>
-          <a:p>
-            <a:r>
-              <a:rPr lang="en-US" sz="2000" dirty="0"/>
-              <a:t>Alexis Perumal</a:t>
-            </a:r>
-          </a:p>
-          <a:p>
-            <a:r>
-              <a:rPr lang="en-US" sz="2000" dirty="0"/>
-              <a:t>Arundhati Chakraborty</a:t>
-            </a:r>
-          </a:p>
-          <a:p>
-            <a:r>
-              <a:rPr lang="en-US" sz="2000" dirty="0"/>
-              <a:t>David </a:t>
-            </a:r>
-            <a:r>
-              <a:rPr lang="en-US" sz="2000" dirty="0" err="1"/>
-              <a:t>Jaimes</a:t>
-            </a:r>
-            <a:endParaRPr lang="en-US" sz="2000" dirty="0"/>
-          </a:p>
-          <a:p>
-            <a:r>
-              <a:rPr lang="en-US" sz="2000" dirty="0"/>
-              <a:t>Grant Thompson</a:t>
-            </a:r>
-          </a:p>
-        </p:txBody>
-      </p:sp>
-    </p:spTree>
-    <p:extLst>
-      <p:ext uri="{BB962C8B-B14F-4D97-AF65-F5344CB8AC3E}">
-        <p14:creationId xmlns:p14="http://schemas.microsoft.com/office/powerpoint/2010/main" val="2251627920"/>
-      </p:ext>
-    </p:extLst>
-  </p:cSld>
-  <p:clrMapOvr>
-    <a:overrideClrMapping bg1="dk1" tx1="lt1" bg2="dk2" tx2="lt2" accent1="accent1" accent2="accent2" accent3="accent3" accent4="accent4" accent5="accent5" accent6="accent6" hlink="hlink" folHlink="folHlink"/>
-  </p:clrMapOvr>
-</p:sld>
-</file>
-
-<file path=ppt/slides/slide20.xml><?xml version="1.0" encoding="utf-8"?>
+<file path=ppt/slides/slide21.xml><?xml version="1.0" encoding="utf-8"?>
 <p:sld xmlns:a="http://schemas.openxmlformats.org/drawingml/2006/main" xmlns:r="http://schemas.openxmlformats.org/officeDocument/2006/relationships" xmlns:p="http://schemas.openxmlformats.org/presentationml/2006/main">
   <p:cSld>
     <p:bg>
@@ -14659,7 +14743,7 @@
 </p:sld>
 </file>
 
-<file path=ppt/slides/slide21.xml><?xml version="1.0" encoding="utf-8"?>
+<file path=ppt/slides/slide22.xml><?xml version="1.0" encoding="utf-8"?>
 <p:sld xmlns:a="http://schemas.openxmlformats.org/drawingml/2006/main" xmlns:r="http://schemas.openxmlformats.org/officeDocument/2006/relationships" xmlns:p="http://schemas.openxmlformats.org/presentationml/2006/main">
   <p:cSld>
     <p:spTree>
@@ -14742,7 +14826,7 @@
 </p:sld>
 </file>
 
-<file path=ppt/slides/slide22.xml><?xml version="1.0" encoding="utf-8"?>
+<file path=ppt/slides/slide23.xml><?xml version="1.0" encoding="utf-8"?>
 <p:sld xmlns:a="http://schemas.openxmlformats.org/drawingml/2006/main" xmlns:r="http://schemas.openxmlformats.org/officeDocument/2006/relationships" xmlns:p="http://schemas.openxmlformats.org/presentationml/2006/main">
   <p:cSld>
     <p:bg>
@@ -15552,7 +15636,7 @@
 </p:sld>
 </file>
 
-<file path=ppt/slides/slide23.xml><?xml version="1.0" encoding="utf-8"?>
+<file path=ppt/slides/slide24.xml><?xml version="1.0" encoding="utf-8"?>
 <p:sld xmlns:a="http://schemas.openxmlformats.org/drawingml/2006/main" xmlns:r="http://schemas.openxmlformats.org/officeDocument/2006/relationships" xmlns:p="http://schemas.openxmlformats.org/presentationml/2006/main">
   <p:cSld>
     <p:bg>

--- a/Presentation/Project_3_COVID19_MLModels_LabTests_Presentation.pptx
+++ b/Presentation/Project_3_COVID19_MLModels_LabTests_Presentation.pptx
@@ -136,15 +136,6 @@
     </p:ext>
   </p:extLst>
 </p:presentation>
-</file>
-
-<file path=ppt/revisionInfo.xml><?xml version="1.0" encoding="utf-8"?>
-<p1510:revInfo xmlns:a="http://schemas.openxmlformats.org/drawingml/2006/main" xmlns:r="http://schemas.openxmlformats.org/officeDocument/2006/relationships" xmlns:p1510="http://schemas.microsoft.com/office/powerpoint/2015/10/main">
-  <p1510:revLst>
-    <p1510:client id="{7EA784A4-CE14-264D-9964-8848FD31AC77}" v="18" dt="2020-04-09T00:17:47.590"/>
-    <p1510:client id="{BFA4FF2B-A1B5-114E-AA3F-FEA301CD5D67}" v="352" dt="2020-04-08T07:46:22.506"/>
-  </p1510:revLst>
-</p1510:revInfo>
 </file>
 
 <file path=ppt/changesInfos/changesInfo1.xml><?xml version="1.0" encoding="utf-8"?>
@@ -12752,7 +12743,7 @@
                   <a:schemeClr val="tx1"/>
                 </a:solidFill>
               </a:rPr>
-              <a:t>Team Members (Alphabetical Order)</a:t>
+              <a:t>Team Members</a:t>
             </a:r>
           </a:p>
         </p:txBody>
@@ -16526,7 +16517,7 @@
         </p:spPr>
         <p:txBody>
           <a:bodyPr>
-            <a:normAutofit fontScale="47500" lnSpcReduction="20000"/>
+            <a:normAutofit fontScale="55000" lnSpcReduction="20000"/>
           </a:bodyPr>
           <a:lstStyle/>
           <a:p>
@@ -16591,110 +16582,110 @@
             </a:r>
           </a:p>
           <a:p>
-            <a:pPr marL="0" indent="0">
+            <a:pPr marL="274320" lvl="1" indent="0">
               <a:buNone/>
             </a:pPr>
             <a:r>
-              <a:rPr lang="en-US" sz="2900" dirty="0"/>
+              <a:rPr lang="en-US" sz="2700" dirty="0"/>
               <a:t>- </a:t>
             </a:r>
             <a:r>
-              <a:rPr lang="en-US" sz="2900" dirty="0" err="1"/>
+              <a:rPr lang="en-US" sz="2700" dirty="0" err="1"/>
               <a:t>patient_age_quantile</a:t>
             </a:r>
-            <a:endParaRPr lang="en-US" sz="2900" dirty="0"/>
-          </a:p>
-          <a:p>
-            <a:pPr marL="0" indent="0">
+            <a:endParaRPr lang="en-US" sz="2700" dirty="0"/>
+          </a:p>
+          <a:p>
+            <a:pPr marL="274320" lvl="1" indent="0">
               <a:buNone/>
             </a:pPr>
             <a:r>
-              <a:rPr lang="en-US" sz="2900" dirty="0"/>
+              <a:rPr lang="en-US" sz="2700" dirty="0"/>
               <a:t>- leukocytes </a:t>
             </a:r>
           </a:p>
           <a:p>
-            <a:pPr marL="0" indent="0">
+            <a:pPr marL="274320" lvl="1" indent="0">
               <a:buNone/>
             </a:pPr>
             <a:r>
-              <a:rPr lang="en-US" sz="2900" dirty="0"/>
+              <a:rPr lang="en-US" sz="2700" dirty="0"/>
               <a:t>- platelets</a:t>
             </a:r>
           </a:p>
           <a:p>
-            <a:pPr marL="0" indent="0">
+            <a:pPr marL="274320" lvl="1" indent="0">
               <a:buNone/>
             </a:pPr>
             <a:r>
-              <a:rPr lang="en-US" sz="2900" dirty="0"/>
+              <a:rPr lang="en-US" sz="2700" dirty="0"/>
               <a:t>- monocytes</a:t>
             </a:r>
           </a:p>
           <a:p>
-            <a:pPr marL="0" indent="0">
+            <a:pPr marL="274320" lvl="1" indent="0">
               <a:buNone/>
             </a:pPr>
             <a:r>
-              <a:rPr lang="en-US" sz="2900" dirty="0"/>
+              <a:rPr lang="en-US" sz="2700" dirty="0"/>
               <a:t>- hematocrit</a:t>
             </a:r>
           </a:p>
           <a:p>
-            <a:pPr marL="0" indent="0">
+            <a:pPr marL="274320" lvl="1" indent="0">
               <a:buNone/>
             </a:pPr>
             <a:r>
-              <a:rPr lang="en-US" sz="2900" dirty="0"/>
+              <a:rPr lang="en-US" sz="2700" dirty="0"/>
               <a:t>- eosinophils</a:t>
             </a:r>
           </a:p>
           <a:p>
-            <a:pPr marL="0" indent="0">
+            <a:pPr marL="274320" lvl="1" indent="0">
               <a:buNone/>
             </a:pPr>
             <a:r>
-              <a:rPr lang="en-US" sz="2900" dirty="0"/>
+              <a:rPr lang="en-US" sz="2700" dirty="0"/>
               <a:t>- </a:t>
             </a:r>
             <a:r>
-              <a:rPr lang="en-US" sz="2900" dirty="0" err="1"/>
+              <a:rPr lang="en-US" sz="2700" dirty="0" err="1"/>
               <a:t>red_blood_cells</a:t>
             </a:r>
-            <a:endParaRPr lang="en-US" sz="2900" dirty="0"/>
-          </a:p>
-          <a:p>
-            <a:pPr marL="0" indent="0">
+            <a:endParaRPr lang="en-US" sz="2700" dirty="0"/>
+          </a:p>
+          <a:p>
+            <a:pPr marL="274320" lvl="1" indent="0">
               <a:buNone/>
             </a:pPr>
             <a:r>
-              <a:rPr lang="en-US" sz="2900" dirty="0"/>
+              <a:rPr lang="en-US" sz="2700" dirty="0"/>
               <a:t>- lymphocytes</a:t>
             </a:r>
           </a:p>
           <a:p>
-            <a:pPr marL="0" indent="0">
+            <a:pPr marL="274320" lvl="1" indent="0">
               <a:buNone/>
             </a:pPr>
             <a:r>
-              <a:rPr lang="en-US" sz="2900" dirty="0"/>
+              <a:rPr lang="en-US" sz="2700" dirty="0"/>
               <a:t>- hemoglobin</a:t>
             </a:r>
           </a:p>
           <a:p>
-            <a:pPr marL="0" indent="0">
+            <a:pPr marL="274320" lvl="1" indent="0">
               <a:buNone/>
             </a:pPr>
             <a:r>
-              <a:rPr lang="en-US" sz="2900" dirty="0"/>
+              <a:rPr lang="en-US" sz="2700" dirty="0"/>
               <a:t>- </a:t>
             </a:r>
             <a:r>
-              <a:rPr lang="en-US" sz="2900" dirty="0" err="1"/>
+              <a:rPr lang="en-US" sz="2700" dirty="0" err="1"/>
               <a:t>mean_platelet_volume</a:t>
             </a:r>
             <a:br>
-              <a:rPr lang="en-US" sz="2900" dirty="0"/>
+              <a:rPr lang="en-US" sz="2700" dirty="0"/>
             </a:br>
             <a:endParaRPr lang="en-US" dirty="0"/>
           </a:p>

--- a/Presentation/Project_3_COVID19_MLModels_LabTests_Presentation.pptx
+++ b/Presentation/Project_3_COVID19_MLModels_LabTests_Presentation.pptx
@@ -138,6 +138,14 @@
 </p:presentation>
 </file>
 
+<file path=ppt/revisionInfo.xml><?xml version="1.0" encoding="utf-8"?>
+<p1510:revInfo xmlns:a="http://schemas.openxmlformats.org/drawingml/2006/main" xmlns:r="http://schemas.openxmlformats.org/officeDocument/2006/relationships" xmlns:p1510="http://schemas.microsoft.com/office/powerpoint/2015/10/main">
+  <p1510:revLst>
+    <p1510:client id="{F9D15FEA-7F7B-7040-AA7D-857C53A1B0AC}" v="2" dt="2020-05-12T01:02:25.877"/>
+  </p1510:revLst>
+</p1510:revInfo>
+</file>
+
 <file path=ppt/changesInfos/changesInfo1.xml><?xml version="1.0" encoding="utf-8"?>
 <pc:chgInfo xmlns:a="http://schemas.openxmlformats.org/drawingml/2006/main" xmlns:r="http://schemas.openxmlformats.org/officeDocument/2006/relationships" xmlns:ac="http://schemas.microsoft.com/office/drawing/2013/main/command" xmlns:pc="http://schemas.microsoft.com/office/powerpoint/2013/main/command">
   <pc:docChgLst>
@@ -2463,6 +2471,30 @@
           </pc:sldLayoutMkLst>
         </pc:sldLayoutChg>
       </pc:sldMasterChg>
+    </pc:docChg>
+  </pc:docChgLst>
+  <pc:docChgLst>
+    <pc:chgData name="Alexis Perumal" userId="6bacb2ee70178176" providerId="LiveId" clId="{F9D15FEA-7F7B-7040-AA7D-857C53A1B0AC}"/>
+    <pc:docChg chg="modSld">
+      <pc:chgData name="Alexis Perumal" userId="6bacb2ee70178176" providerId="LiveId" clId="{F9D15FEA-7F7B-7040-AA7D-857C53A1B0AC}" dt="2020-05-12T01:02:28.067" v="4" actId="20577"/>
+      <pc:docMkLst>
+        <pc:docMk/>
+      </pc:docMkLst>
+      <pc:sldChg chg="modSp">
+        <pc:chgData name="Alexis Perumal" userId="6bacb2ee70178176" providerId="LiveId" clId="{F9D15FEA-7F7B-7040-AA7D-857C53A1B0AC}" dt="2020-05-12T01:02:28.067" v="4" actId="20577"/>
+        <pc:sldMkLst>
+          <pc:docMk/>
+          <pc:sldMk cId="2251627920" sldId="338"/>
+        </pc:sldMkLst>
+        <pc:spChg chg="mod">
+          <ac:chgData name="Alexis Perumal" userId="6bacb2ee70178176" providerId="LiveId" clId="{F9D15FEA-7F7B-7040-AA7D-857C53A1B0AC}" dt="2020-05-12T01:02:28.067" v="4" actId="20577"/>
+          <ac:spMkLst>
+            <pc:docMk/>
+            <pc:sldMk cId="2251627920" sldId="338"/>
+            <ac:spMk id="3" creationId="{F1BCC93D-A4C2-004B-A0BA-4F8EB4392747}"/>
+          </ac:spMkLst>
+        </pc:spChg>
+      </pc:sldChg>
     </pc:docChg>
   </pc:docChgLst>
   <pc:docChgLst>
@@ -12778,12 +12810,6 @@
           <a:p>
             <a:r>
               <a:rPr lang="en-US" sz="2000" dirty="0"/>
-              <a:t>Alexis Perumal</a:t>
-            </a:r>
-          </a:p>
-          <a:p>
-            <a:r>
-              <a:rPr lang="en-US" sz="2000" dirty="0"/>
               <a:t>Arundhati Chakraborty</a:t>
             </a:r>
           </a:p>
@@ -12802,6 +12828,12 @@
             <a:r>
               <a:rPr lang="en-US" sz="2000" dirty="0"/>
               <a:t>Grant Thompson</a:t>
+            </a:r>
+          </a:p>
+          <a:p>
+            <a:r>
+              <a:rPr lang="en-US" sz="2000"/>
+              <a:t>Alexis Perumal</a:t>
             </a:r>
           </a:p>
         </p:txBody>

--- a/Presentation/Project_3_COVID19_MLModels_LabTests_Presentation.pptx
+++ b/Presentation/Project_3_COVID19_MLModels_LabTests_Presentation.pptx
@@ -149,6 +149,30 @@
 <file path=ppt/changesInfos/changesInfo1.xml><?xml version="1.0" encoding="utf-8"?>
 <pc:chgInfo xmlns:a="http://schemas.openxmlformats.org/drawingml/2006/main" xmlns:r="http://schemas.openxmlformats.org/officeDocument/2006/relationships" xmlns:ac="http://schemas.microsoft.com/office/drawing/2013/main/command" xmlns:pc="http://schemas.microsoft.com/office/powerpoint/2013/main/command">
   <pc:docChgLst>
+    <pc:chgData name="Alexis Perumal" userId="6bacb2ee70178176" providerId="LiveId" clId="{F9D15FEA-7F7B-7040-AA7D-857C53A1B0AC}"/>
+    <pc:docChg chg="modSld">
+      <pc:chgData name="Alexis Perumal" userId="6bacb2ee70178176" providerId="LiveId" clId="{F9D15FEA-7F7B-7040-AA7D-857C53A1B0AC}" dt="2020-05-12T01:02:28.067" v="4" actId="20577"/>
+      <pc:docMkLst>
+        <pc:docMk/>
+      </pc:docMkLst>
+      <pc:sldChg chg="modSp">
+        <pc:chgData name="Alexis Perumal" userId="6bacb2ee70178176" providerId="LiveId" clId="{F9D15FEA-7F7B-7040-AA7D-857C53A1B0AC}" dt="2020-05-12T01:02:28.067" v="4" actId="20577"/>
+        <pc:sldMkLst>
+          <pc:docMk/>
+          <pc:sldMk cId="2251627920" sldId="338"/>
+        </pc:sldMkLst>
+        <pc:spChg chg="mod">
+          <ac:chgData name="Alexis Perumal" userId="6bacb2ee70178176" providerId="LiveId" clId="{F9D15FEA-7F7B-7040-AA7D-857C53A1B0AC}" dt="2020-05-12T01:02:28.067" v="4" actId="20577"/>
+          <ac:spMkLst>
+            <pc:docMk/>
+            <pc:sldMk cId="2251627920" sldId="338"/>
+            <ac:spMk id="3" creationId="{F1BCC93D-A4C2-004B-A0BA-4F8EB4392747}"/>
+          </ac:spMkLst>
+        </pc:spChg>
+      </pc:sldChg>
+    </pc:docChg>
+  </pc:docChgLst>
+  <pc:docChgLst>
     <pc:chgData name="Alexis Perumal" userId="6bacb2ee70178176" providerId="LiveId" clId="{BFA4FF2B-A1B5-114E-AA3F-FEA301CD5D67}"/>
     <pc:docChg chg="undo custSel mod addSld delSld modSld sldOrd modMainMaster">
       <pc:chgData name="Alexis Perumal" userId="6bacb2ee70178176" providerId="LiveId" clId="{BFA4FF2B-A1B5-114E-AA3F-FEA301CD5D67}" dt="2020-04-08T07:46:38.651" v="2667" actId="255"/>
@@ -2471,30 +2495,6 @@
           </pc:sldLayoutMkLst>
         </pc:sldLayoutChg>
       </pc:sldMasterChg>
-    </pc:docChg>
-  </pc:docChgLst>
-  <pc:docChgLst>
-    <pc:chgData name="Alexis Perumal" userId="6bacb2ee70178176" providerId="LiveId" clId="{F9D15FEA-7F7B-7040-AA7D-857C53A1B0AC}"/>
-    <pc:docChg chg="modSld">
-      <pc:chgData name="Alexis Perumal" userId="6bacb2ee70178176" providerId="LiveId" clId="{F9D15FEA-7F7B-7040-AA7D-857C53A1B0AC}" dt="2020-05-12T01:02:28.067" v="4" actId="20577"/>
-      <pc:docMkLst>
-        <pc:docMk/>
-      </pc:docMkLst>
-      <pc:sldChg chg="modSp">
-        <pc:chgData name="Alexis Perumal" userId="6bacb2ee70178176" providerId="LiveId" clId="{F9D15FEA-7F7B-7040-AA7D-857C53A1B0AC}" dt="2020-05-12T01:02:28.067" v="4" actId="20577"/>
-        <pc:sldMkLst>
-          <pc:docMk/>
-          <pc:sldMk cId="2251627920" sldId="338"/>
-        </pc:sldMkLst>
-        <pc:spChg chg="mod">
-          <ac:chgData name="Alexis Perumal" userId="6bacb2ee70178176" providerId="LiveId" clId="{F9D15FEA-7F7B-7040-AA7D-857C53A1B0AC}" dt="2020-05-12T01:02:28.067" v="4" actId="20577"/>
-          <ac:spMkLst>
-            <pc:docMk/>
-            <pc:sldMk cId="2251627920" sldId="338"/>
-            <ac:spMk id="3" creationId="{F1BCC93D-A4C2-004B-A0BA-4F8EB4392747}"/>
-          </ac:spMkLst>
-        </pc:spChg>
-      </pc:sldChg>
     </pc:docChg>
   </pc:docChgLst>
   <pc:docChgLst>
@@ -11443,36 +11443,6 @@
         <p:spPr>
           <a:xfrm>
             <a:off x="5120359" y="882398"/>
-            <a:ext cx="5096003" cy="5121612"/>
-          </a:xfrm>
-          <a:prstGeom prst="rect">
-            <a:avLst/>
-          </a:prstGeom>
-        </p:spPr>
-      </p:pic>
-      <p:pic>
-        <p:nvPicPr>
-          <p:cNvPr id="14" name="Picture 13" descr="A screenshot of text&#10;&#10;Description automatically generated">
-            <a:extLst>
-              <a:ext uri="{FF2B5EF4-FFF2-40B4-BE49-F238E27FC236}">
-                <a16:creationId xmlns:a16="http://schemas.microsoft.com/office/drawing/2014/main" id="{84D0A20F-1775-7440-9C8D-54887A791AFF}"/>
-              </a:ext>
-            </a:extLst>
-          </p:cNvPr>
-          <p:cNvPicPr>
-            <a:picLocks noChangeAspect="1"/>
-          </p:cNvPicPr>
-          <p:nvPr/>
-        </p:nvPicPr>
-        <p:blipFill>
-          <a:blip r:embed="rId2"/>
-          <a:stretch>
-            <a:fillRect/>
-          </a:stretch>
-        </p:blipFill>
-        <p:spPr>
-          <a:xfrm>
-            <a:off x="5272759" y="1034798"/>
             <a:ext cx="5096003" cy="5121612"/>
           </a:xfrm>
           <a:prstGeom prst="rect">

--- a/Presentation/Project_3_COVID19_MLModels_LabTests_Presentation.pptx
+++ b/Presentation/Project_3_COVID19_MLModels_LabTests_Presentation.pptx
@@ -5,7 +5,7 @@
     <p:sldMasterId id="2147483719" r:id="rId1"/>
   </p:sldMasterIdLst>
   <p:notesMasterIdLst>
-    <p:notesMasterId r:id="rId26"/>
+    <p:notesMasterId r:id="rId28"/>
   </p:notesMasterIdLst>
   <p:sldIdLst>
     <p:sldId id="323" r:id="rId2"/>
@@ -16,22 +16,24 @@
     <p:sldId id="278" r:id="rId7"/>
     <p:sldId id="332" r:id="rId8"/>
     <p:sldId id="279" r:id="rId9"/>
-    <p:sldId id="325" r:id="rId10"/>
-    <p:sldId id="326" r:id="rId11"/>
-    <p:sldId id="327" r:id="rId12"/>
-    <p:sldId id="328" r:id="rId13"/>
-    <p:sldId id="329" r:id="rId14"/>
-    <p:sldId id="340" r:id="rId15"/>
-    <p:sldId id="333" r:id="rId16"/>
-    <p:sldId id="280" r:id="rId17"/>
-    <p:sldId id="334" r:id="rId18"/>
-    <p:sldId id="335" r:id="rId19"/>
-    <p:sldId id="281" r:id="rId20"/>
-    <p:sldId id="282" r:id="rId21"/>
-    <p:sldId id="339" r:id="rId22"/>
-    <p:sldId id="337" r:id="rId23"/>
-    <p:sldId id="336" r:id="rId24"/>
-    <p:sldId id="256" r:id="rId25"/>
+    <p:sldId id="341" r:id="rId10"/>
+    <p:sldId id="325" r:id="rId11"/>
+    <p:sldId id="326" r:id="rId12"/>
+    <p:sldId id="327" r:id="rId13"/>
+    <p:sldId id="328" r:id="rId14"/>
+    <p:sldId id="329" r:id="rId15"/>
+    <p:sldId id="340" r:id="rId16"/>
+    <p:sldId id="342" r:id="rId17"/>
+    <p:sldId id="333" r:id="rId18"/>
+    <p:sldId id="280" r:id="rId19"/>
+    <p:sldId id="334" r:id="rId20"/>
+    <p:sldId id="335" r:id="rId21"/>
+    <p:sldId id="281" r:id="rId22"/>
+    <p:sldId id="282" r:id="rId23"/>
+    <p:sldId id="339" r:id="rId24"/>
+    <p:sldId id="337" r:id="rId25"/>
+    <p:sldId id="336" r:id="rId26"/>
+    <p:sldId id="256" r:id="rId27"/>
   </p:sldIdLst>
   <p:sldSz cx="12192000" cy="6858000"/>
   <p:notesSz cx="6858000" cy="9144000"/>
@@ -3310,6 +3312,258 @@
 </p:notes>
 </file>
 
+<file path=ppt/notesSlides/notesSlide10.xml><?xml version="1.0" encoding="utf-8"?>
+<p:notes xmlns:a="http://schemas.openxmlformats.org/drawingml/2006/main" xmlns:r="http://schemas.openxmlformats.org/officeDocument/2006/relationships" xmlns:p="http://schemas.openxmlformats.org/presentationml/2006/main">
+  <p:cSld>
+    <p:spTree>
+      <p:nvGrpSpPr>
+        <p:cNvPr id="1" name=""/>
+        <p:cNvGrpSpPr/>
+        <p:nvPr/>
+      </p:nvGrpSpPr>
+      <p:grpSpPr>
+        <a:xfrm>
+          <a:off x="0" y="0"/>
+          <a:ext cx="0" cy="0"/>
+          <a:chOff x="0" y="0"/>
+          <a:chExt cx="0" cy="0"/>
+        </a:xfrm>
+      </p:grpSpPr>
+      <p:sp>
+        <p:nvSpPr>
+          <p:cNvPr id="2" name="Slide Image Placeholder 1"/>
+          <p:cNvSpPr>
+            <a:spLocks noGrp="1" noRot="1" noChangeAspect="1"/>
+          </p:cNvSpPr>
+          <p:nvPr>
+            <p:ph type="sldImg"/>
+          </p:nvPr>
+        </p:nvSpPr>
+        <p:spPr/>
+      </p:sp>
+      <p:sp>
+        <p:nvSpPr>
+          <p:cNvPr id="3" name="Notes Placeholder 2"/>
+          <p:cNvSpPr>
+            <a:spLocks noGrp="1"/>
+          </p:cNvSpPr>
+          <p:nvPr>
+            <p:ph type="body" idx="1"/>
+          </p:nvPr>
+        </p:nvSpPr>
+        <p:spPr/>
+        <p:txBody>
+          <a:bodyPr/>
+          <a:lstStyle/>
+          <a:p>
+            <a:endParaRPr lang="en-US" dirty="0"/>
+          </a:p>
+        </p:txBody>
+      </p:sp>
+      <p:sp>
+        <p:nvSpPr>
+          <p:cNvPr id="4" name="Slide Number Placeholder 3"/>
+          <p:cNvSpPr>
+            <a:spLocks noGrp="1"/>
+          </p:cNvSpPr>
+          <p:nvPr>
+            <p:ph type="sldNum" sz="quarter" idx="5"/>
+          </p:nvPr>
+        </p:nvSpPr>
+        <p:spPr/>
+        <p:txBody>
+          <a:bodyPr/>
+          <a:lstStyle/>
+          <a:p>
+            <a:fld id="{91B5946F-1EBA-3E43-AD0A-6E228CF90309}" type="slidenum">
+              <a:rPr lang="en-US" smtClean="0"/>
+              <a:t>15</a:t>
+            </a:fld>
+            <a:endParaRPr lang="en-US"/>
+          </a:p>
+        </p:txBody>
+      </p:sp>
+    </p:spTree>
+    <p:extLst>
+      <p:ext uri="{BB962C8B-B14F-4D97-AF65-F5344CB8AC3E}">
+        <p14:creationId xmlns:p14="http://schemas.microsoft.com/office/powerpoint/2010/main" val="3431471787"/>
+      </p:ext>
+    </p:extLst>
+  </p:cSld>
+  <p:clrMapOvr>
+    <a:masterClrMapping/>
+  </p:clrMapOvr>
+</p:notes>
+</file>
+
+<file path=ppt/notesSlides/notesSlide11.xml><?xml version="1.0" encoding="utf-8"?>
+<p:notes xmlns:a="http://schemas.openxmlformats.org/drawingml/2006/main" xmlns:r="http://schemas.openxmlformats.org/officeDocument/2006/relationships" xmlns:p="http://schemas.openxmlformats.org/presentationml/2006/main">
+  <p:cSld>
+    <p:spTree>
+      <p:nvGrpSpPr>
+        <p:cNvPr id="1" name=""/>
+        <p:cNvGrpSpPr/>
+        <p:nvPr/>
+      </p:nvGrpSpPr>
+      <p:grpSpPr>
+        <a:xfrm>
+          <a:off x="0" y="0"/>
+          <a:ext cx="0" cy="0"/>
+          <a:chOff x="0" y="0"/>
+          <a:chExt cx="0" cy="0"/>
+        </a:xfrm>
+      </p:grpSpPr>
+      <p:sp>
+        <p:nvSpPr>
+          <p:cNvPr id="2" name="Slide Image Placeholder 1"/>
+          <p:cNvSpPr>
+            <a:spLocks noGrp="1" noRot="1" noChangeAspect="1"/>
+          </p:cNvSpPr>
+          <p:nvPr>
+            <p:ph type="sldImg"/>
+          </p:nvPr>
+        </p:nvSpPr>
+        <p:spPr/>
+      </p:sp>
+      <p:sp>
+        <p:nvSpPr>
+          <p:cNvPr id="3" name="Notes Placeholder 2"/>
+          <p:cNvSpPr>
+            <a:spLocks noGrp="1"/>
+          </p:cNvSpPr>
+          <p:nvPr>
+            <p:ph type="body" idx="1"/>
+          </p:nvPr>
+        </p:nvSpPr>
+        <p:spPr/>
+        <p:txBody>
+          <a:bodyPr/>
+          <a:lstStyle/>
+          <a:p>
+            <a:endParaRPr lang="en-US" dirty="0"/>
+          </a:p>
+        </p:txBody>
+      </p:sp>
+      <p:sp>
+        <p:nvSpPr>
+          <p:cNvPr id="4" name="Slide Number Placeholder 3"/>
+          <p:cNvSpPr>
+            <a:spLocks noGrp="1"/>
+          </p:cNvSpPr>
+          <p:nvPr>
+            <p:ph type="sldNum" sz="quarter" idx="5"/>
+          </p:nvPr>
+        </p:nvSpPr>
+        <p:spPr/>
+        <p:txBody>
+          <a:bodyPr/>
+          <a:lstStyle/>
+          <a:p>
+            <a:fld id="{91B5946F-1EBA-3E43-AD0A-6E228CF90309}" type="slidenum">
+              <a:rPr lang="en-US" smtClean="0"/>
+              <a:t>22</a:t>
+            </a:fld>
+            <a:endParaRPr lang="en-US"/>
+          </a:p>
+        </p:txBody>
+      </p:sp>
+    </p:spTree>
+    <p:extLst>
+      <p:ext uri="{BB962C8B-B14F-4D97-AF65-F5344CB8AC3E}">
+        <p14:creationId xmlns:p14="http://schemas.microsoft.com/office/powerpoint/2010/main" val="3670516249"/>
+      </p:ext>
+    </p:extLst>
+  </p:cSld>
+  <p:clrMapOvr>
+    <a:masterClrMapping/>
+  </p:clrMapOvr>
+</p:notes>
+</file>
+
+<file path=ppt/notesSlides/notesSlide12.xml><?xml version="1.0" encoding="utf-8"?>
+<p:notes xmlns:a="http://schemas.openxmlformats.org/drawingml/2006/main" xmlns:r="http://schemas.openxmlformats.org/officeDocument/2006/relationships" xmlns:p="http://schemas.openxmlformats.org/presentationml/2006/main">
+  <p:cSld>
+    <p:spTree>
+      <p:nvGrpSpPr>
+        <p:cNvPr id="1" name=""/>
+        <p:cNvGrpSpPr/>
+        <p:nvPr/>
+      </p:nvGrpSpPr>
+      <p:grpSpPr>
+        <a:xfrm>
+          <a:off x="0" y="0"/>
+          <a:ext cx="0" cy="0"/>
+          <a:chOff x="0" y="0"/>
+          <a:chExt cx="0" cy="0"/>
+        </a:xfrm>
+      </p:grpSpPr>
+      <p:sp>
+        <p:nvSpPr>
+          <p:cNvPr id="2" name="Slide Image Placeholder 1"/>
+          <p:cNvSpPr>
+            <a:spLocks noGrp="1" noRot="1" noChangeAspect="1"/>
+          </p:cNvSpPr>
+          <p:nvPr>
+            <p:ph type="sldImg"/>
+          </p:nvPr>
+        </p:nvSpPr>
+        <p:spPr/>
+      </p:sp>
+      <p:sp>
+        <p:nvSpPr>
+          <p:cNvPr id="3" name="Notes Placeholder 2"/>
+          <p:cNvSpPr>
+            <a:spLocks noGrp="1"/>
+          </p:cNvSpPr>
+          <p:nvPr>
+            <p:ph type="body" idx="1"/>
+          </p:nvPr>
+        </p:nvSpPr>
+        <p:spPr/>
+        <p:txBody>
+          <a:bodyPr/>
+          <a:lstStyle/>
+          <a:p>
+            <a:endParaRPr lang="en-US" dirty="0"/>
+          </a:p>
+        </p:txBody>
+      </p:sp>
+      <p:sp>
+        <p:nvSpPr>
+          <p:cNvPr id="4" name="Slide Number Placeholder 3"/>
+          <p:cNvSpPr>
+            <a:spLocks noGrp="1"/>
+          </p:cNvSpPr>
+          <p:nvPr>
+            <p:ph type="sldNum" sz="quarter" idx="5"/>
+          </p:nvPr>
+        </p:nvSpPr>
+        <p:spPr/>
+        <p:txBody>
+          <a:bodyPr/>
+          <a:lstStyle/>
+          <a:p>
+            <a:fld id="{91B5946F-1EBA-3E43-AD0A-6E228CF90309}" type="slidenum">
+              <a:rPr lang="en-US" smtClean="0"/>
+              <a:t>23</a:t>
+            </a:fld>
+            <a:endParaRPr lang="en-US"/>
+          </a:p>
+        </p:txBody>
+      </p:sp>
+    </p:spTree>
+    <p:extLst>
+      <p:ext uri="{BB962C8B-B14F-4D97-AF65-F5344CB8AC3E}">
+        <p14:creationId xmlns:p14="http://schemas.microsoft.com/office/powerpoint/2010/main" val="2399837389"/>
+      </p:ext>
+    </p:extLst>
+  </p:cSld>
+  <p:clrMapOvr>
+    <a:masterClrMapping/>
+  </p:clrMapOvr>
+</p:notes>
+</file>
+
 <file path=ppt/notesSlides/notesSlide2.xml><?xml version="1.0" encoding="utf-8"?>
 <p:notes xmlns:a="http://schemas.openxmlformats.org/drawingml/2006/main" xmlns:r="http://schemas.openxmlformats.org/officeDocument/2006/relationships" xmlns:p="http://schemas.openxmlformats.org/presentationml/2006/main">
   <p:cSld>
@@ -3543,7 +3797,7 @@
           <a:p>
             <a:fld id="{91B5946F-1EBA-3E43-AD0A-6E228CF90309}" type="slidenum">
               <a:rPr lang="en-US" smtClean="0"/>
-              <a:t>9</a:t>
+              <a:t>8</a:t>
             </a:fld>
             <a:endParaRPr lang="en-US"/>
           </a:p>
@@ -3552,7 +3806,7 @@
     </p:spTree>
     <p:extLst>
       <p:ext uri="{BB962C8B-B14F-4D97-AF65-F5344CB8AC3E}">
-        <p14:creationId xmlns:p14="http://schemas.microsoft.com/office/powerpoint/2010/main" val="2679204001"/>
+        <p14:creationId xmlns:p14="http://schemas.microsoft.com/office/powerpoint/2010/main" val="283432959"/>
       </p:ext>
     </p:extLst>
   </p:cSld>
@@ -3627,7 +3881,7 @@
           <a:p>
             <a:fld id="{91B5946F-1EBA-3E43-AD0A-6E228CF90309}" type="slidenum">
               <a:rPr lang="en-US" smtClean="0"/>
-              <a:t>10</a:t>
+              <a:t>9</a:t>
             </a:fld>
             <a:endParaRPr lang="en-US"/>
           </a:p>
@@ -3636,7 +3890,7 @@
     </p:spTree>
     <p:extLst>
       <p:ext uri="{BB962C8B-B14F-4D97-AF65-F5344CB8AC3E}">
-        <p14:creationId xmlns:p14="http://schemas.microsoft.com/office/powerpoint/2010/main" val="3617392377"/>
+        <p14:creationId xmlns:p14="http://schemas.microsoft.com/office/powerpoint/2010/main" val="3776947539"/>
       </p:ext>
     </p:extLst>
   </p:cSld>
@@ -3711,7 +3965,7 @@
           <a:p>
             <a:fld id="{91B5946F-1EBA-3E43-AD0A-6E228CF90309}" type="slidenum">
               <a:rPr lang="en-US" smtClean="0"/>
-              <a:t>11</a:t>
+              <a:t>10</a:t>
             </a:fld>
             <a:endParaRPr lang="en-US"/>
           </a:p>
@@ -3720,7 +3974,7 @@
     </p:spTree>
     <p:extLst>
       <p:ext uri="{BB962C8B-B14F-4D97-AF65-F5344CB8AC3E}">
-        <p14:creationId xmlns:p14="http://schemas.microsoft.com/office/powerpoint/2010/main" val="1862750023"/>
+        <p14:creationId xmlns:p14="http://schemas.microsoft.com/office/powerpoint/2010/main" val="2679204001"/>
       </p:ext>
     </p:extLst>
   </p:cSld>
@@ -3795,7 +4049,7 @@
           <a:p>
             <a:fld id="{91B5946F-1EBA-3E43-AD0A-6E228CF90309}" type="slidenum">
               <a:rPr lang="en-US" smtClean="0"/>
-              <a:t>12</a:t>
+              <a:t>11</a:t>
             </a:fld>
             <a:endParaRPr lang="en-US"/>
           </a:p>
@@ -3804,7 +4058,7 @@
     </p:spTree>
     <p:extLst>
       <p:ext uri="{BB962C8B-B14F-4D97-AF65-F5344CB8AC3E}">
-        <p14:creationId xmlns:p14="http://schemas.microsoft.com/office/powerpoint/2010/main" val="2652687719"/>
+        <p14:creationId xmlns:p14="http://schemas.microsoft.com/office/powerpoint/2010/main" val="3617392377"/>
       </p:ext>
     </p:extLst>
   </p:cSld>
@@ -3879,7 +4133,7 @@
           <a:p>
             <a:fld id="{91B5946F-1EBA-3E43-AD0A-6E228CF90309}" type="slidenum">
               <a:rPr lang="en-US" smtClean="0"/>
-              <a:t>20</a:t>
+              <a:t>12</a:t>
             </a:fld>
             <a:endParaRPr lang="en-US"/>
           </a:p>
@@ -3888,7 +4142,7 @@
     </p:spTree>
     <p:extLst>
       <p:ext uri="{BB962C8B-B14F-4D97-AF65-F5344CB8AC3E}">
-        <p14:creationId xmlns:p14="http://schemas.microsoft.com/office/powerpoint/2010/main" val="3670516249"/>
+        <p14:creationId xmlns:p14="http://schemas.microsoft.com/office/powerpoint/2010/main" val="1862750023"/>
       </p:ext>
     </p:extLst>
   </p:cSld>
@@ -3963,7 +4217,7 @@
           <a:p>
             <a:fld id="{91B5946F-1EBA-3E43-AD0A-6E228CF90309}" type="slidenum">
               <a:rPr lang="en-US" smtClean="0"/>
-              <a:t>21</a:t>
+              <a:t>13</a:t>
             </a:fld>
             <a:endParaRPr lang="en-US"/>
           </a:p>
@@ -3972,7 +4226,7 @@
     </p:spTree>
     <p:extLst>
       <p:ext uri="{BB962C8B-B14F-4D97-AF65-F5344CB8AC3E}">
-        <p14:creationId xmlns:p14="http://schemas.microsoft.com/office/powerpoint/2010/main" val="2399837389"/>
+        <p14:creationId xmlns:p14="http://schemas.microsoft.com/office/powerpoint/2010/main" val="2652687719"/>
       </p:ext>
     </p:extLst>
   </p:cSld>
@@ -9263,113 +9517,6 @@
 <file path=ppt/slides/slide10.xml><?xml version="1.0" encoding="utf-8"?>
 <p:sld xmlns:a="http://schemas.openxmlformats.org/drawingml/2006/main" xmlns:r="http://schemas.openxmlformats.org/officeDocument/2006/relationships" xmlns:p="http://schemas.openxmlformats.org/presentationml/2006/main">
   <p:cSld>
-    <p:spTree>
-      <p:nvGrpSpPr>
-        <p:cNvPr id="1" name=""/>
-        <p:cNvGrpSpPr/>
-        <p:nvPr/>
-      </p:nvGrpSpPr>
-      <p:grpSpPr>
-        <a:xfrm>
-          <a:off x="0" y="0"/>
-          <a:ext cx="0" cy="0"/>
-          <a:chOff x="0" y="0"/>
-          <a:chExt cx="0" cy="0"/>
-        </a:xfrm>
-      </p:grpSpPr>
-      <p:sp>
-        <p:nvSpPr>
-          <p:cNvPr id="2" name="Title 1">
-            <a:extLst>
-              <a:ext uri="{FF2B5EF4-FFF2-40B4-BE49-F238E27FC236}">
-                <a16:creationId xmlns:a16="http://schemas.microsoft.com/office/drawing/2014/main" id="{9189CFAF-A811-824E-B381-EE60838EAB41}"/>
-              </a:ext>
-            </a:extLst>
-          </p:cNvPr>
-          <p:cNvSpPr>
-            <a:spLocks noGrp="1"/>
-          </p:cNvSpPr>
-          <p:nvPr>
-            <p:ph type="title"/>
-          </p:nvPr>
-        </p:nvSpPr>
-        <p:spPr>
-          <a:xfrm>
-            <a:off x="557720" y="612843"/>
-            <a:ext cx="10415080" cy="1018249"/>
-          </a:xfrm>
-        </p:spPr>
-        <p:txBody>
-          <a:bodyPr anchor="b">
-            <a:normAutofit fontScale="90000"/>
-          </a:bodyPr>
-          <a:lstStyle/>
-          <a:p>
-            <a:br>
-              <a:rPr lang="en-US" sz="1500" b="0"/>
-            </a:br>
-            <a:br>
-              <a:rPr lang="en-US" sz="1500" b="0"/>
-            </a:br>
-            <a:r>
-              <a:rPr lang="en-US" sz="2700" b="0"/>
-              <a:t>Random Forest Classifier Model Continued</a:t>
-            </a:r>
-            <a:br>
-              <a:rPr lang="en-US" sz="1500" b="0"/>
-            </a:br>
-            <a:br>
-              <a:rPr lang="en-US" sz="1500" b="0"/>
-            </a:br>
-            <a:endParaRPr lang="en-US" sz="1500" dirty="0"/>
-          </a:p>
-        </p:txBody>
-      </p:sp>
-      <p:pic>
-        <p:nvPicPr>
-          <p:cNvPr id="8" name="Content Placeholder 7" descr="A screenshot of a social media post&#10;&#10;Description automatically generated">
-            <a:extLst>
-              <a:ext uri="{FF2B5EF4-FFF2-40B4-BE49-F238E27FC236}">
-                <a16:creationId xmlns:a16="http://schemas.microsoft.com/office/drawing/2014/main" id="{B2D97B6B-05E0-EE4F-A4DD-48592C171920}"/>
-              </a:ext>
-            </a:extLst>
-          </p:cNvPr>
-          <p:cNvPicPr>
-            <a:picLocks noGrp="1" noChangeAspect="1"/>
-          </p:cNvPicPr>
-          <p:nvPr>
-            <p:ph idx="1"/>
-          </p:nvPr>
-        </p:nvPicPr>
-        <p:blipFill>
-          <a:blip r:embed="rId3"/>
-          <a:stretch>
-            <a:fillRect/>
-          </a:stretch>
-        </p:blipFill>
-        <p:spPr>
-          <a:xfrm>
-            <a:off x="681287" y="1407234"/>
-            <a:ext cx="9353656" cy="4718886"/>
-          </a:xfrm>
-        </p:spPr>
-      </p:pic>
-    </p:spTree>
-    <p:extLst>
-      <p:ext uri="{BB962C8B-B14F-4D97-AF65-F5344CB8AC3E}">
-        <p14:creationId xmlns:p14="http://schemas.microsoft.com/office/powerpoint/2010/main" val="1387433297"/>
-      </p:ext>
-    </p:extLst>
-  </p:cSld>
-  <p:clrMapOvr>
-    <a:masterClrMapping/>
-  </p:clrMapOvr>
-</p:sld>
-</file>
-
-<file path=ppt/slides/slide11.xml><?xml version="1.0" encoding="utf-8"?>
-<p:sld xmlns:a="http://schemas.openxmlformats.org/drawingml/2006/main" xmlns:r="http://schemas.openxmlformats.org/officeDocument/2006/relationships" xmlns:p="http://schemas.openxmlformats.org/presentationml/2006/main">
-  <p:cSld>
     <p:bg>
       <p:bgPr>
         <a:solidFill>
@@ -9392,12 +9539,12 @@
           <a:chExt cx="0" cy="0"/>
         </a:xfrm>
       </p:grpSpPr>
-      <p:sp useBgFill="1">
-        <p:nvSpPr>
-          <p:cNvPr id="42" name="Rectangle 41">
+      <p:sp>
+        <p:nvSpPr>
+          <p:cNvPr id="10" name="Rectangle 9">
             <a:extLst>
               <a:ext uri="{FF2B5EF4-FFF2-40B4-BE49-F238E27FC236}">
-                <a16:creationId xmlns:a16="http://schemas.microsoft.com/office/drawing/2014/main" id="{23EBFBD2-DA69-40F0-9B41-6AA12C08FC85}"/>
+                <a16:creationId xmlns:a16="http://schemas.microsoft.com/office/drawing/2014/main" id="{282E2A95-1A08-4118-83C6-B1CA5648E075}"/>
               </a:ext>
               <a:ext uri="{C183D7F6-B498-43B3-948B-1728B52AA6E4}">
                 <adec:decorative xmlns:adec="http://schemas.microsoft.com/office/drawing/2017/decorative" val="1"/>
@@ -9425,6 +9572,130 @@
           </a:prstGeom>
           <a:ln>
             <a:noFill/>
+          </a:ln>
+        </p:spPr>
+        <p:style>
+          <a:lnRef idx="2">
+            <a:schemeClr val="accent1">
+              <a:shade val="50000"/>
+            </a:schemeClr>
+          </a:lnRef>
+          <a:fillRef idx="1001">
+            <a:schemeClr val="lt1"/>
+          </a:fillRef>
+          <a:effectRef idx="0">
+            <a:schemeClr val="accent1"/>
+          </a:effectRef>
+          <a:fontRef idx="minor">
+            <a:schemeClr val="lt1"/>
+          </a:fontRef>
+        </p:style>
+        <p:txBody>
+          <a:bodyPr rtlCol="0" anchor="ctr"/>
+          <a:lstStyle/>
+          <a:p>
+            <a:pPr algn="ctr"/>
+            <a:endParaRPr lang="en-US"/>
+          </a:p>
+        </p:txBody>
+      </p:sp>
+      <p:sp>
+        <p:nvSpPr>
+          <p:cNvPr id="12" name="Rectangle 11">
+            <a:extLst>
+              <a:ext uri="{FF2B5EF4-FFF2-40B4-BE49-F238E27FC236}">
+                <a16:creationId xmlns:a16="http://schemas.microsoft.com/office/drawing/2014/main" id="{2FFEFC7E-85EE-4AC9-A351-FBEB13A1D622}"/>
+              </a:ext>
+              <a:ext uri="{C183D7F6-B498-43B3-948B-1728B52AA6E4}">
+                <adec:decorative xmlns:adec="http://schemas.microsoft.com/office/drawing/2017/decorative" val="1"/>
+              </a:ext>
+            </a:extLst>
+          </p:cNvPr>
+          <p:cNvSpPr>
+            <a:spLocks noGrp="1" noRot="1" noChangeAspect="1" noMove="1" noResize="1" noEditPoints="1" noAdjustHandles="1" noChangeArrowheads="1" noChangeShapeType="1" noTextEdit="1"/>
+          </p:cNvSpPr>
+          <p:nvPr>
+            <p:extLst>
+              <p:ext uri="{386F3935-93C4-4BCD-93E2-E3B085C9AB24}">
+                <p16:designElem xmlns:p16="http://schemas.microsoft.com/office/powerpoint/2015/main" val="1"/>
+              </p:ext>
+            </p:extLst>
+          </p:nvPr>
+        </p:nvSpPr>
+        <p:spPr>
+          <a:xfrm>
+            <a:off x="245534" y="237744"/>
+            <a:ext cx="2926080" cy="6382512"/>
+          </a:xfrm>
+          <a:prstGeom prst="rect">
+            <a:avLst/>
+          </a:prstGeom>
+          <a:solidFill>
+            <a:schemeClr val="bg1">
+              <a:lumMod val="75000"/>
+              <a:lumOff val="25000"/>
+            </a:schemeClr>
+          </a:solidFill>
+          <a:ln>
+            <a:noFill/>
+          </a:ln>
+        </p:spPr>
+        <p:style>
+          <a:lnRef idx="2">
+            <a:schemeClr val="accent1">
+              <a:shade val="50000"/>
+            </a:schemeClr>
+          </a:lnRef>
+          <a:fillRef idx="1">
+            <a:schemeClr val="accent1"/>
+          </a:fillRef>
+          <a:effectRef idx="0">
+            <a:schemeClr val="accent1"/>
+          </a:effectRef>
+          <a:fontRef idx="minor">
+            <a:schemeClr val="lt1"/>
+          </a:fontRef>
+        </p:style>
+      </p:sp>
+      <p:sp>
+        <p:nvSpPr>
+          <p:cNvPr id="14" name="Rectangle 13">
+            <a:extLst>
+              <a:ext uri="{FF2B5EF4-FFF2-40B4-BE49-F238E27FC236}">
+                <a16:creationId xmlns:a16="http://schemas.microsoft.com/office/drawing/2014/main" id="{CB2511BB-FC4C-45F3-94EB-661D6806C942}"/>
+              </a:ext>
+              <a:ext uri="{C183D7F6-B498-43B3-948B-1728B52AA6E4}">
+                <adec:decorative xmlns:adec="http://schemas.microsoft.com/office/drawing/2017/decorative" val="1"/>
+              </a:ext>
+            </a:extLst>
+          </p:cNvPr>
+          <p:cNvSpPr>
+            <a:spLocks noGrp="1" noRot="1" noChangeAspect="1" noMove="1" noResize="1" noEditPoints="1" noAdjustHandles="1" noChangeArrowheads="1" noChangeShapeType="1" noTextEdit="1"/>
+          </p:cNvSpPr>
+          <p:nvPr>
+            <p:extLst>
+              <p:ext uri="{386F3935-93C4-4BCD-93E2-E3B085C9AB24}">
+                <p16:designElem xmlns:p16="http://schemas.microsoft.com/office/powerpoint/2015/main" val="1"/>
+              </p:ext>
+            </p:extLst>
+          </p:nvPr>
+        </p:nvSpPr>
+        <p:spPr>
+          <a:xfrm>
+            <a:off x="419100" y="413053"/>
+            <a:ext cx="2616201" cy="6064596"/>
+          </a:xfrm>
+          <a:prstGeom prst="rect">
+            <a:avLst/>
+          </a:prstGeom>
+          <a:noFill/>
+          <a:ln w="6350">
+            <a:solidFill>
+              <a:schemeClr val="tx1">
+                <a:lumMod val="75000"/>
+                <a:lumOff val="25000"/>
+              </a:schemeClr>
+            </a:solidFill>
           </a:ln>
         </p:spPr>
         <p:style>
@@ -9454,10 +9725,132 @@
       </p:sp>
       <p:sp>
         <p:nvSpPr>
-          <p:cNvPr id="44" name="Rectangle 43">
+          <p:cNvPr id="2" name="Title 1">
             <a:extLst>
               <a:ext uri="{FF2B5EF4-FFF2-40B4-BE49-F238E27FC236}">
-                <a16:creationId xmlns:a16="http://schemas.microsoft.com/office/drawing/2014/main" id="{66E085B8-E6D9-4530-9AE3-4C2B79CE418B}"/>
+                <a16:creationId xmlns:a16="http://schemas.microsoft.com/office/drawing/2014/main" id="{9189CFAF-A811-824E-B381-EE60838EAB41}"/>
+              </a:ext>
+            </a:extLst>
+          </p:cNvPr>
+          <p:cNvSpPr>
+            <a:spLocks noGrp="1"/>
+          </p:cNvSpPr>
+          <p:nvPr>
+            <p:ph type="title"/>
+          </p:nvPr>
+        </p:nvSpPr>
+        <p:spPr>
+          <a:xfrm>
+            <a:off x="557720" y="612843"/>
+            <a:ext cx="2312480" cy="1499738"/>
+          </a:xfrm>
+        </p:spPr>
+        <p:txBody>
+          <a:bodyPr anchor="b">
+            <a:normAutofit/>
+          </a:bodyPr>
+          <a:lstStyle/>
+          <a:p>
+            <a:br>
+              <a:rPr lang="en-US" sz="1500" b="0"/>
+            </a:br>
+            <a:br>
+              <a:rPr lang="en-US" sz="1500" b="0"/>
+            </a:br>
+            <a:r>
+              <a:rPr lang="en-US" sz="1500" b="0"/>
+              <a:t>Random Forest Classifier Model</a:t>
+            </a:r>
+            <a:br>
+              <a:rPr lang="en-US" sz="1500" b="0"/>
+            </a:br>
+            <a:br>
+              <a:rPr lang="en-US" sz="1500" b="0"/>
+            </a:br>
+            <a:endParaRPr lang="en-US" sz="1500"/>
+          </a:p>
+        </p:txBody>
+      </p:sp>
+      <p:sp>
+        <p:nvSpPr>
+          <p:cNvPr id="4" name="Content Placeholder 3">
+            <a:extLst>
+              <a:ext uri="{FF2B5EF4-FFF2-40B4-BE49-F238E27FC236}">
+                <a16:creationId xmlns:a16="http://schemas.microsoft.com/office/drawing/2014/main" id="{1A849114-82F9-5644-A084-A8AB20BB1A8E}"/>
+              </a:ext>
+            </a:extLst>
+          </p:cNvPr>
+          <p:cNvSpPr>
+            <a:spLocks noGrp="1"/>
+          </p:cNvSpPr>
+          <p:nvPr>
+            <p:ph idx="1"/>
+          </p:nvPr>
+        </p:nvSpPr>
+        <p:spPr>
+          <a:xfrm>
+            <a:off x="557720" y="2149813"/>
+            <a:ext cx="2312479" cy="3854197"/>
+          </a:xfrm>
+        </p:spPr>
+        <p:txBody>
+          <a:bodyPr>
+            <a:normAutofit/>
+          </a:bodyPr>
+          <a:lstStyle/>
+          <a:p>
+            <a:r>
+              <a:rPr lang="en-US" sz="1400">
+                <a:solidFill>
+                  <a:schemeClr val="tx1">
+                    <a:lumMod val="85000"/>
+                    <a:lumOff val="15000"/>
+                  </a:schemeClr>
+                </a:solidFill>
+              </a:rPr>
+              <a:t>It is an ensemble tree-based learning algorithm. The Random Forest Classifier is a set of decision trees from randomly selected subset of training set. It </a:t>
+            </a:r>
+            <a:r>
+              <a:rPr lang="en-US" sz="1400" b="1">
+                <a:solidFill>
+                  <a:schemeClr val="tx1">
+                    <a:lumMod val="85000"/>
+                    <a:lumOff val="15000"/>
+                  </a:schemeClr>
+                </a:solidFill>
+              </a:rPr>
+              <a:t>aggregates the votes from different decision trees</a:t>
+            </a:r>
+            <a:r>
+              <a:rPr lang="en-US" sz="1400">
+                <a:solidFill>
+                  <a:schemeClr val="tx1">
+                    <a:lumMod val="85000"/>
+                    <a:lumOff val="15000"/>
+                  </a:schemeClr>
+                </a:solidFill>
+              </a:rPr>
+              <a:t> to decide the final class of the test object.</a:t>
+            </a:r>
+          </a:p>
+          <a:p>
+            <a:endParaRPr lang="en-US" sz="1400">
+              <a:solidFill>
+                <a:schemeClr val="tx1">
+                  <a:lumMod val="85000"/>
+                  <a:lumOff val="15000"/>
+                </a:schemeClr>
+              </a:solidFill>
+            </a:endParaRPr>
+          </a:p>
+        </p:txBody>
+      </p:sp>
+      <p:sp>
+        <p:nvSpPr>
+          <p:cNvPr id="16" name="Rectangle 15">
+            <a:extLst>
+              <a:ext uri="{FF2B5EF4-FFF2-40B4-BE49-F238E27FC236}">
+                <a16:creationId xmlns:a16="http://schemas.microsoft.com/office/drawing/2014/main" id="{68DC0EC7-60EA-4BD3-BC04-D547DE1B2891}"/>
               </a:ext>
               <a:ext uri="{C183D7F6-B498-43B3-948B-1728B52AA6E4}">
                 <adec:decorative xmlns:adec="http://schemas.microsoft.com/office/drawing/2017/decorative" val="1"/>
@@ -9477,93 +9870,29 @@
         </p:nvSpPr>
         <p:spPr>
           <a:xfrm>
-            <a:off x="237744" y="237744"/>
-            <a:ext cx="7652977" cy="6382512"/>
+            <a:off x="3569764" y="413053"/>
+            <a:ext cx="8212114" cy="6064596"/>
           </a:xfrm>
           <a:prstGeom prst="rect">
             <a:avLst/>
           </a:prstGeom>
-          <a:solidFill>
-            <a:schemeClr val="bg1">
-              <a:lumMod val="75000"/>
-              <a:alpha val="60000"/>
-            </a:schemeClr>
-          </a:solidFill>
-          <a:ln>
-            <a:noFill/>
+          <a:noFill/>
+          <a:ln w="6350" cap="sq" cmpd="sng" algn="ctr">
+            <a:solidFill>
+              <a:srgbClr val="404040"/>
+            </a:solidFill>
+            <a:prstDash val="solid"/>
+            <a:miter lim="800000"/>
           </a:ln>
-        </p:spPr>
-        <p:style>
-          <a:lnRef idx="2">
-            <a:schemeClr val="accent1">
-              <a:shade val="50000"/>
-            </a:schemeClr>
-          </a:lnRef>
-          <a:fillRef idx="1">
-            <a:schemeClr val="accent1"/>
-          </a:fillRef>
-          <a:effectRef idx="0">
-            <a:schemeClr val="accent1"/>
-          </a:effectRef>
-          <a:fontRef idx="minor">
-            <a:schemeClr val="lt1"/>
-          </a:fontRef>
-        </p:style>
-      </p:sp>
-      <p:sp>
-        <p:nvSpPr>
-          <p:cNvPr id="2" name="Title 1">
+          <a:effectLst/>
+        </p:spPr>
+      </p:sp>
+      <p:pic>
+        <p:nvPicPr>
+          <p:cNvPr id="5" name="Picture 4" descr="A close up of a map&#10;&#10;Description automatically generated">
             <a:extLst>
               <a:ext uri="{FF2B5EF4-FFF2-40B4-BE49-F238E27FC236}">
-                <a16:creationId xmlns:a16="http://schemas.microsoft.com/office/drawing/2014/main" id="{9189CFAF-A811-824E-B381-EE60838EAB41}"/>
-              </a:ext>
-            </a:extLst>
-          </p:cNvPr>
-          <p:cNvSpPr>
-            <a:spLocks noGrp="1"/>
-          </p:cNvSpPr>
-          <p:nvPr>
-            <p:ph type="title"/>
-          </p:nvPr>
-        </p:nvSpPr>
-        <p:spPr>
-          <a:xfrm>
-            <a:off x="748934" y="642593"/>
-            <a:ext cx="6736084" cy="704293"/>
-          </a:xfrm>
-        </p:spPr>
-        <p:txBody>
-          <a:bodyPr>
-            <a:normAutofit fontScale="90000"/>
-          </a:bodyPr>
-          <a:lstStyle/>
-          <a:p>
-            <a:br>
-              <a:rPr lang="en-US" sz="2300" b="0" dirty="0"/>
-            </a:br>
-            <a:br>
-              <a:rPr lang="en-US" sz="2300" b="0" dirty="0"/>
-            </a:br>
-            <a:r>
-              <a:rPr lang="en-US" sz="2300" b="0" dirty="0"/>
-              <a:t>Random Forest Classifier Model Continued, Steps :</a:t>
-            </a:r>
-            <a:br>
-              <a:rPr lang="en-US" sz="2300" b="0" dirty="0"/>
-            </a:br>
-            <a:br>
-              <a:rPr lang="en-US" sz="2300" b="0" dirty="0"/>
-            </a:br>
-            <a:endParaRPr lang="en-US" sz="2300" dirty="0"/>
-          </a:p>
-        </p:txBody>
-      </p:sp>
-      <p:pic>
-        <p:nvPicPr>
-          <p:cNvPr id="9" name="Picture 8" descr="A screenshot of a cell phone&#10;&#10;Description automatically generated">
-            <a:extLst>
-              <a:ext uri="{FF2B5EF4-FFF2-40B4-BE49-F238E27FC236}">
-                <a16:creationId xmlns:a16="http://schemas.microsoft.com/office/drawing/2014/main" id="{CD32708B-2B90-524B-954A-1CAE66B298E6}"/>
+                <a16:creationId xmlns:a16="http://schemas.microsoft.com/office/drawing/2014/main" id="{B32A5E0D-2E27-9743-9F1E-9A10213366AA}"/>
               </a:ext>
             </a:extLst>
           </p:cNvPr>
@@ -9572,325 +9901,16 @@
           </p:cNvPicPr>
           <p:nvPr/>
         </p:nvPicPr>
-        <p:blipFill rotWithShape="1">
+        <p:blipFill>
           <a:blip r:embed="rId3"/>
-          <a:srcRect l="3372" r="54598" b="-1"/>
-          <a:stretch/>
+          <a:stretch>
+            <a:fillRect/>
+          </a:stretch>
         </p:blipFill>
         <p:spPr>
           <a:xfrm>
-            <a:off x="7972610" y="237745"/>
-            <a:ext cx="3981644" cy="2060448"/>
-          </a:xfrm>
-          <a:prstGeom prst="rect">
-            <a:avLst/>
-          </a:prstGeom>
-        </p:spPr>
-      </p:pic>
-      <p:sp>
-        <p:nvSpPr>
-          <p:cNvPr id="4" name="Content Placeholder 3">
-            <a:extLst>
-              <a:ext uri="{FF2B5EF4-FFF2-40B4-BE49-F238E27FC236}">
-                <a16:creationId xmlns:a16="http://schemas.microsoft.com/office/drawing/2014/main" id="{01C96FD5-513F-ED44-8BE0-5854B88F964F}"/>
-              </a:ext>
-            </a:extLst>
-          </p:cNvPr>
-          <p:cNvSpPr>
-            <a:spLocks noGrp="1"/>
-          </p:cNvSpPr>
-          <p:nvPr>
-            <p:ph idx="1"/>
-          </p:nvPr>
-        </p:nvSpPr>
-        <p:spPr>
-          <a:xfrm>
-            <a:off x="748934" y="1584630"/>
-            <a:ext cx="6608101" cy="4450410"/>
-          </a:xfrm>
-        </p:spPr>
-        <p:txBody>
-          <a:bodyPr>
-            <a:normAutofit fontScale="92500" lnSpcReduction="10000"/>
-          </a:bodyPr>
-          <a:lstStyle/>
-          <a:p>
-            <a:pPr marL="0" indent="0">
-              <a:lnSpc>
-                <a:spcPct val="100000"/>
-              </a:lnSpc>
-              <a:buNone/>
-            </a:pPr>
-            <a:r>
-              <a:rPr lang="en-US" sz="1600" dirty="0"/>
-              <a:t>1.Importing Python libraries and Loading our dataset, preprocessing</a:t>
-            </a:r>
-          </a:p>
-          <a:p>
-            <a:pPr marL="0" indent="0">
-              <a:lnSpc>
-                <a:spcPct val="100000"/>
-              </a:lnSpc>
-              <a:buNone/>
-            </a:pPr>
-            <a:r>
-              <a:rPr lang="en-US" sz="1600" dirty="0"/>
-              <a:t>2. Splitting our dataset into training set and test set</a:t>
-            </a:r>
-          </a:p>
-          <a:p>
-            <a:pPr marL="0" indent="0">
-              <a:lnSpc>
-                <a:spcPct val="100000"/>
-              </a:lnSpc>
-              <a:buNone/>
-            </a:pPr>
-            <a:r>
-              <a:rPr lang="en-US" sz="1600" dirty="0"/>
-              <a:t>3. Creating a Random Forest Regression model and fitting it to the training data</a:t>
-            </a:r>
-          </a:p>
-          <a:p>
-            <a:pPr marL="0" indent="0">
-              <a:lnSpc>
-                <a:spcPct val="100000"/>
-              </a:lnSpc>
-              <a:buNone/>
-            </a:pPr>
-            <a:r>
-              <a:rPr lang="en-US" sz="1600" dirty="0"/>
-              <a:t>4. Predicting the test set results and making the Confusion matrix</a:t>
-            </a:r>
-          </a:p>
-          <a:p>
-            <a:pPr marL="0" indent="0">
-              <a:lnSpc>
-                <a:spcPct val="100000"/>
-              </a:lnSpc>
-              <a:buNone/>
-            </a:pPr>
-            <a:r>
-              <a:rPr lang="en-US" sz="1600" dirty="0"/>
-              <a:t>5. Further tuning of the model based on top 10 scoring features that contributes to the prediction :</a:t>
-            </a:r>
-          </a:p>
-          <a:p>
-            <a:pPr marL="0" indent="0">
-              <a:lnSpc>
-                <a:spcPct val="100000"/>
-              </a:lnSpc>
-              <a:buNone/>
-            </a:pPr>
-            <a:r>
-              <a:rPr lang="en-US" sz="1600" dirty="0" err="1"/>
-              <a:t>param_grid</a:t>
-            </a:r>
-            <a:r>
-              <a:rPr lang="en-US" sz="1600" dirty="0"/>
-              <a:t> = {</a:t>
-            </a:r>
-          </a:p>
-          <a:p>
-            <a:pPr marL="0" indent="0">
-              <a:lnSpc>
-                <a:spcPct val="100000"/>
-              </a:lnSpc>
-              <a:buNone/>
-            </a:pPr>
-            <a:r>
-              <a:rPr lang="en-US" sz="1600" dirty="0"/>
-              <a:t>    '</a:t>
-            </a:r>
-            <a:r>
-              <a:rPr lang="en-US" sz="1600" dirty="0" err="1"/>
-              <a:t>n_estimators</a:t>
-            </a:r>
-            <a:r>
-              <a:rPr lang="en-US" sz="1600" dirty="0"/>
-              <a:t>': [200, 600, 1200, 1400],</a:t>
-            </a:r>
-          </a:p>
-          <a:p>
-            <a:pPr marL="0" indent="0">
-              <a:lnSpc>
-                <a:spcPct val="100000"/>
-              </a:lnSpc>
-              <a:buNone/>
-            </a:pPr>
-            <a:r>
-              <a:rPr lang="en-US" sz="1600" dirty="0"/>
-              <a:t>    '</a:t>
-            </a:r>
-            <a:r>
-              <a:rPr lang="en-US" sz="1600" dirty="0" err="1"/>
-              <a:t>max_features</a:t>
-            </a:r>
-            <a:r>
-              <a:rPr lang="en-US" sz="1600" dirty="0"/>
-              <a:t>': ['auto', 'sqrt', 'log2'],</a:t>
-            </a:r>
-          </a:p>
-          <a:p>
-            <a:pPr marL="0" indent="0">
-              <a:lnSpc>
-                <a:spcPct val="100000"/>
-              </a:lnSpc>
-              <a:buNone/>
-            </a:pPr>
-            <a:r>
-              <a:rPr lang="en-US" sz="1600" dirty="0"/>
-              <a:t>    '</a:t>
-            </a:r>
-            <a:r>
-              <a:rPr lang="en-US" sz="1600" dirty="0" err="1"/>
-              <a:t>max_depth</a:t>
-            </a:r>
-            <a:r>
-              <a:rPr lang="en-US" sz="1600" dirty="0"/>
-              <a:t>': [14, 15, 16, 17, 18, None]</a:t>
-            </a:r>
-          </a:p>
-          <a:p>
-            <a:pPr marL="0" indent="0">
-              <a:lnSpc>
-                <a:spcPct val="100000"/>
-              </a:lnSpc>
-              <a:buNone/>
-            </a:pPr>
-            <a:r>
-              <a:rPr lang="en-US" sz="1600" dirty="0"/>
-              <a:t>}</a:t>
-            </a:r>
-          </a:p>
-          <a:p>
-            <a:pPr marL="0" indent="0">
-              <a:lnSpc>
-                <a:spcPct val="100000"/>
-              </a:lnSpc>
-              <a:buNone/>
-            </a:pPr>
-            <a:endParaRPr lang="en-US" sz="1600" dirty="0"/>
-          </a:p>
-          <a:p>
-            <a:pPr marL="0" indent="0">
-              <a:lnSpc>
-                <a:spcPct val="100000"/>
-              </a:lnSpc>
-              <a:buNone/>
-            </a:pPr>
-            <a:endParaRPr lang="en-US" sz="900" dirty="0"/>
-          </a:p>
-          <a:p>
-            <a:pPr marL="0" indent="0">
-              <a:lnSpc>
-                <a:spcPct val="100000"/>
-              </a:lnSpc>
-              <a:buNone/>
-            </a:pPr>
-            <a:br>
-              <a:rPr lang="en-US" sz="900" dirty="0"/>
-            </a:br>
-            <a:endParaRPr lang="en-US" sz="900" dirty="0"/>
-          </a:p>
-        </p:txBody>
-      </p:sp>
-      <p:sp>
-        <p:nvSpPr>
-          <p:cNvPr id="46" name="Rectangle 45">
-            <a:extLst>
-              <a:ext uri="{FF2B5EF4-FFF2-40B4-BE49-F238E27FC236}">
-                <a16:creationId xmlns:a16="http://schemas.microsoft.com/office/drawing/2014/main" id="{4F2304C2-1AD0-4AFD-93A0-BB1D998E0F97}"/>
-              </a:ext>
-              <a:ext uri="{C183D7F6-B498-43B3-948B-1728B52AA6E4}">
-                <adec:decorative xmlns:adec="http://schemas.microsoft.com/office/drawing/2017/decorative" val="1"/>
-              </a:ext>
-            </a:extLst>
-          </p:cNvPr>
-          <p:cNvSpPr>
-            <a:spLocks noGrp="1" noRot="1" noChangeAspect="1" noMove="1" noResize="1" noEditPoints="1" noAdjustHandles="1" noChangeArrowheads="1" noChangeShapeType="1" noTextEdit="1"/>
-          </p:cNvSpPr>
-          <p:nvPr>
-            <p:extLst>
-              <p:ext uri="{386F3935-93C4-4BCD-93E2-E3B085C9AB24}">
-                <p16:designElem xmlns:p16="http://schemas.microsoft.com/office/powerpoint/2015/main" val="1"/>
-              </p:ext>
-            </p:extLst>
-          </p:nvPr>
-        </p:nvSpPr>
-        <p:spPr>
-          <a:xfrm>
-            <a:off x="371856" y="374904"/>
-            <a:ext cx="7378773" cy="6108192"/>
-          </a:xfrm>
-          <a:prstGeom prst="rect">
-            <a:avLst/>
-          </a:prstGeom>
-          <a:noFill/>
-          <a:ln w="6350" cap="sq" cmpd="sng" algn="ctr">
-            <a:solidFill>
-              <a:schemeClr val="tx1">
-                <a:lumMod val="75000"/>
-                <a:lumOff val="25000"/>
-              </a:schemeClr>
-            </a:solidFill>
-            <a:prstDash val="solid"/>
-            <a:miter lim="800000"/>
-          </a:ln>
-          <a:effectLst/>
-        </p:spPr>
-      </p:sp>
-      <p:pic>
-        <p:nvPicPr>
-          <p:cNvPr id="12" name="Picture 11" descr="A screenshot of a cell phone&#10;&#10;Description automatically generated">
-            <a:extLst>
-              <a:ext uri="{FF2B5EF4-FFF2-40B4-BE49-F238E27FC236}">
-                <a16:creationId xmlns:a16="http://schemas.microsoft.com/office/drawing/2014/main" id="{D40F5236-E88D-7B4E-906B-8AC7C7A0AE9F}"/>
-              </a:ext>
-            </a:extLst>
-          </p:cNvPr>
-          <p:cNvPicPr>
-            <a:picLocks noChangeAspect="1"/>
-          </p:cNvPicPr>
-          <p:nvPr/>
-        </p:nvPicPr>
-        <p:blipFill rotWithShape="1">
-          <a:blip r:embed="rId4"/>
-          <a:srcRect l="16821" r="44391" b="-2"/>
-          <a:stretch/>
-        </p:blipFill>
-        <p:spPr>
-          <a:xfrm>
-            <a:off x="7972615" y="2380488"/>
-            <a:ext cx="3981643" cy="2078737"/>
-          </a:xfrm>
-          <a:prstGeom prst="rect">
-            <a:avLst/>
-          </a:prstGeom>
-        </p:spPr>
-      </p:pic>
-      <p:pic>
-        <p:nvPicPr>
-          <p:cNvPr id="6" name="Picture 5" descr="A screenshot of a social media post&#10;&#10;Description automatically generated">
-            <a:extLst>
-              <a:ext uri="{FF2B5EF4-FFF2-40B4-BE49-F238E27FC236}">
-                <a16:creationId xmlns:a16="http://schemas.microsoft.com/office/drawing/2014/main" id="{7A07D049-D564-2349-9D70-085D81F02826}"/>
-              </a:ext>
-            </a:extLst>
-          </p:cNvPr>
-          <p:cNvPicPr>
-            <a:picLocks noChangeAspect="1"/>
-          </p:cNvPicPr>
-          <p:nvPr/>
-        </p:nvPicPr>
-        <p:blipFill rotWithShape="1">
-          <a:blip r:embed="rId5"/>
-          <a:srcRect r="10933"/>
-          <a:stretch/>
-        </p:blipFill>
-        <p:spPr>
-          <a:xfrm>
-            <a:off x="7972613" y="4541520"/>
-            <a:ext cx="3981643" cy="2078736"/>
+            <a:off x="4229239" y="968895"/>
+            <a:ext cx="6828815" cy="5121612"/>
           </a:xfrm>
           <a:prstGeom prst="rect">
             <a:avLst/>
@@ -9900,7 +9920,114 @@
     </p:spTree>
     <p:extLst>
       <p:ext uri="{BB962C8B-B14F-4D97-AF65-F5344CB8AC3E}">
-        <p14:creationId xmlns:p14="http://schemas.microsoft.com/office/powerpoint/2010/main" val="4022721053"/>
+        <p14:creationId xmlns:p14="http://schemas.microsoft.com/office/powerpoint/2010/main" val="1796379800"/>
+      </p:ext>
+    </p:extLst>
+  </p:cSld>
+  <p:clrMapOvr>
+    <a:overrideClrMapping bg1="dk1" tx1="lt1" bg2="dk2" tx2="lt2" accent1="accent1" accent2="accent2" accent3="accent3" accent4="accent4" accent5="accent5" accent6="accent6" hlink="hlink" folHlink="folHlink"/>
+  </p:clrMapOvr>
+</p:sld>
+</file>
+
+<file path=ppt/slides/slide11.xml><?xml version="1.0" encoding="utf-8"?>
+<p:sld xmlns:a="http://schemas.openxmlformats.org/drawingml/2006/main" xmlns:r="http://schemas.openxmlformats.org/officeDocument/2006/relationships" xmlns:p="http://schemas.openxmlformats.org/presentationml/2006/main">
+  <p:cSld>
+    <p:spTree>
+      <p:nvGrpSpPr>
+        <p:cNvPr id="1" name=""/>
+        <p:cNvGrpSpPr/>
+        <p:nvPr/>
+      </p:nvGrpSpPr>
+      <p:grpSpPr>
+        <a:xfrm>
+          <a:off x="0" y="0"/>
+          <a:ext cx="0" cy="0"/>
+          <a:chOff x="0" y="0"/>
+          <a:chExt cx="0" cy="0"/>
+        </a:xfrm>
+      </p:grpSpPr>
+      <p:sp>
+        <p:nvSpPr>
+          <p:cNvPr id="2" name="Title 1">
+            <a:extLst>
+              <a:ext uri="{FF2B5EF4-FFF2-40B4-BE49-F238E27FC236}">
+                <a16:creationId xmlns:a16="http://schemas.microsoft.com/office/drawing/2014/main" id="{9189CFAF-A811-824E-B381-EE60838EAB41}"/>
+              </a:ext>
+            </a:extLst>
+          </p:cNvPr>
+          <p:cNvSpPr>
+            <a:spLocks noGrp="1"/>
+          </p:cNvSpPr>
+          <p:nvPr>
+            <p:ph type="title"/>
+          </p:nvPr>
+        </p:nvSpPr>
+        <p:spPr>
+          <a:xfrm>
+            <a:off x="557720" y="612843"/>
+            <a:ext cx="10415080" cy="1018249"/>
+          </a:xfrm>
+        </p:spPr>
+        <p:txBody>
+          <a:bodyPr anchor="b">
+            <a:normAutofit fontScale="90000"/>
+          </a:bodyPr>
+          <a:lstStyle/>
+          <a:p>
+            <a:br>
+              <a:rPr lang="en-US" sz="1500" b="0"/>
+            </a:br>
+            <a:br>
+              <a:rPr lang="en-US" sz="1500" b="0"/>
+            </a:br>
+            <a:r>
+              <a:rPr lang="en-US" sz="2700" b="0"/>
+              <a:t>Random Forest Classifier Model Continued</a:t>
+            </a:r>
+            <a:br>
+              <a:rPr lang="en-US" sz="1500" b="0"/>
+            </a:br>
+            <a:br>
+              <a:rPr lang="en-US" sz="1500" b="0"/>
+            </a:br>
+            <a:endParaRPr lang="en-US" sz="1500" dirty="0"/>
+          </a:p>
+        </p:txBody>
+      </p:sp>
+      <p:pic>
+        <p:nvPicPr>
+          <p:cNvPr id="8" name="Content Placeholder 7" descr="A screenshot of a social media post&#10;&#10;Description automatically generated">
+            <a:extLst>
+              <a:ext uri="{FF2B5EF4-FFF2-40B4-BE49-F238E27FC236}">
+                <a16:creationId xmlns:a16="http://schemas.microsoft.com/office/drawing/2014/main" id="{B2D97B6B-05E0-EE4F-A4DD-48592C171920}"/>
+              </a:ext>
+            </a:extLst>
+          </p:cNvPr>
+          <p:cNvPicPr>
+            <a:picLocks noGrp="1" noChangeAspect="1"/>
+          </p:cNvPicPr>
+          <p:nvPr>
+            <p:ph idx="1"/>
+          </p:nvPr>
+        </p:nvPicPr>
+        <p:blipFill>
+          <a:blip r:embed="rId3"/>
+          <a:stretch>
+            <a:fillRect/>
+          </a:stretch>
+        </p:blipFill>
+        <p:spPr>
+          <a:xfrm>
+            <a:off x="681287" y="1407234"/>
+            <a:ext cx="9353656" cy="4718886"/>
+          </a:xfrm>
+        </p:spPr>
+      </p:pic>
+    </p:spTree>
+    <p:extLst>
+      <p:ext uri="{BB962C8B-B14F-4D97-AF65-F5344CB8AC3E}">
+        <p14:creationId xmlns:p14="http://schemas.microsoft.com/office/powerpoint/2010/main" val="1387433297"/>
       </p:ext>
     </p:extLst>
   </p:cSld>
@@ -9937,6 +10064,549 @@
       </p:grpSpPr>
       <p:sp useBgFill="1">
         <p:nvSpPr>
+          <p:cNvPr id="42" name="Rectangle 41">
+            <a:extLst>
+              <a:ext uri="{FF2B5EF4-FFF2-40B4-BE49-F238E27FC236}">
+                <a16:creationId xmlns:a16="http://schemas.microsoft.com/office/drawing/2014/main" id="{23EBFBD2-DA69-40F0-9B41-6AA12C08FC85}"/>
+              </a:ext>
+              <a:ext uri="{C183D7F6-B498-43B3-948B-1728B52AA6E4}">
+                <adec:decorative xmlns:adec="http://schemas.microsoft.com/office/drawing/2017/decorative" val="1"/>
+              </a:ext>
+            </a:extLst>
+          </p:cNvPr>
+          <p:cNvSpPr>
+            <a:spLocks noGrp="1" noRot="1" noChangeAspect="1" noMove="1" noResize="1" noEditPoints="1" noAdjustHandles="1" noChangeArrowheads="1" noChangeShapeType="1" noTextEdit="1"/>
+          </p:cNvSpPr>
+          <p:nvPr>
+            <p:extLst>
+              <p:ext uri="{386F3935-93C4-4BCD-93E2-E3B085C9AB24}">
+                <p16:designElem xmlns:p16="http://schemas.microsoft.com/office/powerpoint/2015/main" val="1"/>
+              </p:ext>
+            </p:extLst>
+          </p:nvPr>
+        </p:nvSpPr>
+        <p:spPr>
+          <a:xfrm>
+            <a:off x="0" y="0"/>
+            <a:ext cx="12192000" cy="6858000"/>
+          </a:xfrm>
+          <a:prstGeom prst="rect">
+            <a:avLst/>
+          </a:prstGeom>
+          <a:ln>
+            <a:noFill/>
+          </a:ln>
+        </p:spPr>
+        <p:style>
+          <a:lnRef idx="2">
+            <a:schemeClr val="accent1">
+              <a:shade val="50000"/>
+            </a:schemeClr>
+          </a:lnRef>
+          <a:fillRef idx="1">
+            <a:schemeClr val="accent1"/>
+          </a:fillRef>
+          <a:effectRef idx="0">
+            <a:schemeClr val="accent1"/>
+          </a:effectRef>
+          <a:fontRef idx="minor">
+            <a:schemeClr val="lt1"/>
+          </a:fontRef>
+        </p:style>
+        <p:txBody>
+          <a:bodyPr rtlCol="0" anchor="ctr"/>
+          <a:lstStyle/>
+          <a:p>
+            <a:pPr algn="ctr"/>
+            <a:endParaRPr lang="en-US"/>
+          </a:p>
+        </p:txBody>
+      </p:sp>
+      <p:sp>
+        <p:nvSpPr>
+          <p:cNvPr id="44" name="Rectangle 43">
+            <a:extLst>
+              <a:ext uri="{FF2B5EF4-FFF2-40B4-BE49-F238E27FC236}">
+                <a16:creationId xmlns:a16="http://schemas.microsoft.com/office/drawing/2014/main" id="{66E085B8-E6D9-4530-9AE3-4C2B79CE418B}"/>
+              </a:ext>
+              <a:ext uri="{C183D7F6-B498-43B3-948B-1728B52AA6E4}">
+                <adec:decorative xmlns:adec="http://schemas.microsoft.com/office/drawing/2017/decorative" val="1"/>
+              </a:ext>
+            </a:extLst>
+          </p:cNvPr>
+          <p:cNvSpPr>
+            <a:spLocks noGrp="1" noRot="1" noChangeAspect="1" noMove="1" noResize="1" noEditPoints="1" noAdjustHandles="1" noChangeArrowheads="1" noChangeShapeType="1" noTextEdit="1"/>
+          </p:cNvSpPr>
+          <p:nvPr>
+            <p:extLst>
+              <p:ext uri="{386F3935-93C4-4BCD-93E2-E3B085C9AB24}">
+                <p16:designElem xmlns:p16="http://schemas.microsoft.com/office/powerpoint/2015/main" val="1"/>
+              </p:ext>
+            </p:extLst>
+          </p:nvPr>
+        </p:nvSpPr>
+        <p:spPr>
+          <a:xfrm>
+            <a:off x="237744" y="237744"/>
+            <a:ext cx="7652977" cy="6382512"/>
+          </a:xfrm>
+          <a:prstGeom prst="rect">
+            <a:avLst/>
+          </a:prstGeom>
+          <a:solidFill>
+            <a:schemeClr val="bg1">
+              <a:lumMod val="75000"/>
+              <a:alpha val="60000"/>
+            </a:schemeClr>
+          </a:solidFill>
+          <a:ln>
+            <a:noFill/>
+          </a:ln>
+        </p:spPr>
+        <p:style>
+          <a:lnRef idx="2">
+            <a:schemeClr val="accent1">
+              <a:shade val="50000"/>
+            </a:schemeClr>
+          </a:lnRef>
+          <a:fillRef idx="1">
+            <a:schemeClr val="accent1"/>
+          </a:fillRef>
+          <a:effectRef idx="0">
+            <a:schemeClr val="accent1"/>
+          </a:effectRef>
+          <a:fontRef idx="minor">
+            <a:schemeClr val="lt1"/>
+          </a:fontRef>
+        </p:style>
+      </p:sp>
+      <p:sp>
+        <p:nvSpPr>
+          <p:cNvPr id="2" name="Title 1">
+            <a:extLst>
+              <a:ext uri="{FF2B5EF4-FFF2-40B4-BE49-F238E27FC236}">
+                <a16:creationId xmlns:a16="http://schemas.microsoft.com/office/drawing/2014/main" id="{9189CFAF-A811-824E-B381-EE60838EAB41}"/>
+              </a:ext>
+            </a:extLst>
+          </p:cNvPr>
+          <p:cNvSpPr>
+            <a:spLocks noGrp="1"/>
+          </p:cNvSpPr>
+          <p:nvPr>
+            <p:ph type="title"/>
+          </p:nvPr>
+        </p:nvSpPr>
+        <p:spPr>
+          <a:xfrm>
+            <a:off x="748934" y="642593"/>
+            <a:ext cx="6736084" cy="704293"/>
+          </a:xfrm>
+        </p:spPr>
+        <p:txBody>
+          <a:bodyPr>
+            <a:normAutofit fontScale="90000"/>
+          </a:bodyPr>
+          <a:lstStyle/>
+          <a:p>
+            <a:br>
+              <a:rPr lang="en-US" sz="2300" b="0" dirty="0"/>
+            </a:br>
+            <a:br>
+              <a:rPr lang="en-US" sz="2300" b="0" dirty="0"/>
+            </a:br>
+            <a:r>
+              <a:rPr lang="en-US" sz="2300" b="0" dirty="0"/>
+              <a:t>Random Forest Classifier Model Continued, Steps :</a:t>
+            </a:r>
+            <a:br>
+              <a:rPr lang="en-US" sz="2300" b="0" dirty="0"/>
+            </a:br>
+            <a:br>
+              <a:rPr lang="en-US" sz="2300" b="0" dirty="0"/>
+            </a:br>
+            <a:endParaRPr lang="en-US" sz="2300" dirty="0"/>
+          </a:p>
+        </p:txBody>
+      </p:sp>
+      <p:pic>
+        <p:nvPicPr>
+          <p:cNvPr id="9" name="Picture 8" descr="A screenshot of a cell phone&#10;&#10;Description automatically generated">
+            <a:extLst>
+              <a:ext uri="{FF2B5EF4-FFF2-40B4-BE49-F238E27FC236}">
+                <a16:creationId xmlns:a16="http://schemas.microsoft.com/office/drawing/2014/main" id="{CD32708B-2B90-524B-954A-1CAE66B298E6}"/>
+              </a:ext>
+            </a:extLst>
+          </p:cNvPr>
+          <p:cNvPicPr>
+            <a:picLocks noChangeAspect="1"/>
+          </p:cNvPicPr>
+          <p:nvPr/>
+        </p:nvPicPr>
+        <p:blipFill rotWithShape="1">
+          <a:blip r:embed="rId3"/>
+          <a:srcRect l="3372" r="54598" b="-1"/>
+          <a:stretch/>
+        </p:blipFill>
+        <p:spPr>
+          <a:xfrm>
+            <a:off x="7972610" y="237745"/>
+            <a:ext cx="3981644" cy="2060448"/>
+          </a:xfrm>
+          <a:prstGeom prst="rect">
+            <a:avLst/>
+          </a:prstGeom>
+        </p:spPr>
+      </p:pic>
+      <p:sp>
+        <p:nvSpPr>
+          <p:cNvPr id="4" name="Content Placeholder 3">
+            <a:extLst>
+              <a:ext uri="{FF2B5EF4-FFF2-40B4-BE49-F238E27FC236}">
+                <a16:creationId xmlns:a16="http://schemas.microsoft.com/office/drawing/2014/main" id="{01C96FD5-513F-ED44-8BE0-5854B88F964F}"/>
+              </a:ext>
+            </a:extLst>
+          </p:cNvPr>
+          <p:cNvSpPr>
+            <a:spLocks noGrp="1"/>
+          </p:cNvSpPr>
+          <p:nvPr>
+            <p:ph idx="1"/>
+          </p:nvPr>
+        </p:nvSpPr>
+        <p:spPr>
+          <a:xfrm>
+            <a:off x="748934" y="1584630"/>
+            <a:ext cx="6608101" cy="4450410"/>
+          </a:xfrm>
+        </p:spPr>
+        <p:txBody>
+          <a:bodyPr>
+            <a:normAutofit fontScale="92500" lnSpcReduction="10000"/>
+          </a:bodyPr>
+          <a:lstStyle/>
+          <a:p>
+            <a:pPr marL="0" indent="0">
+              <a:lnSpc>
+                <a:spcPct val="100000"/>
+              </a:lnSpc>
+              <a:buNone/>
+            </a:pPr>
+            <a:r>
+              <a:rPr lang="en-US" sz="1600" dirty="0"/>
+              <a:t>1.Importing Python libraries and Loading our dataset, preprocessing</a:t>
+            </a:r>
+          </a:p>
+          <a:p>
+            <a:pPr marL="0" indent="0">
+              <a:lnSpc>
+                <a:spcPct val="100000"/>
+              </a:lnSpc>
+              <a:buNone/>
+            </a:pPr>
+            <a:r>
+              <a:rPr lang="en-US" sz="1600" dirty="0"/>
+              <a:t>2. Splitting our dataset into training set and test set</a:t>
+            </a:r>
+          </a:p>
+          <a:p>
+            <a:pPr marL="0" indent="0">
+              <a:lnSpc>
+                <a:spcPct val="100000"/>
+              </a:lnSpc>
+              <a:buNone/>
+            </a:pPr>
+            <a:r>
+              <a:rPr lang="en-US" sz="1600" dirty="0"/>
+              <a:t>3. Creating a Random Forest Regression model and fitting it to the training data</a:t>
+            </a:r>
+          </a:p>
+          <a:p>
+            <a:pPr marL="0" indent="0">
+              <a:lnSpc>
+                <a:spcPct val="100000"/>
+              </a:lnSpc>
+              <a:buNone/>
+            </a:pPr>
+            <a:r>
+              <a:rPr lang="en-US" sz="1600" dirty="0"/>
+              <a:t>4. Predicting the test set results and making the Confusion matrix</a:t>
+            </a:r>
+          </a:p>
+          <a:p>
+            <a:pPr marL="0" indent="0">
+              <a:lnSpc>
+                <a:spcPct val="100000"/>
+              </a:lnSpc>
+              <a:buNone/>
+            </a:pPr>
+            <a:r>
+              <a:rPr lang="en-US" sz="1600" dirty="0"/>
+              <a:t>5. Further tuning of the model based on top 10 scoring features that contributes to the prediction :</a:t>
+            </a:r>
+          </a:p>
+          <a:p>
+            <a:pPr marL="0" indent="0">
+              <a:lnSpc>
+                <a:spcPct val="100000"/>
+              </a:lnSpc>
+              <a:buNone/>
+            </a:pPr>
+            <a:r>
+              <a:rPr lang="en-US" sz="1600" dirty="0" err="1"/>
+              <a:t>param_grid</a:t>
+            </a:r>
+            <a:r>
+              <a:rPr lang="en-US" sz="1600" dirty="0"/>
+              <a:t> = {</a:t>
+            </a:r>
+          </a:p>
+          <a:p>
+            <a:pPr marL="0" indent="0">
+              <a:lnSpc>
+                <a:spcPct val="100000"/>
+              </a:lnSpc>
+              <a:buNone/>
+            </a:pPr>
+            <a:r>
+              <a:rPr lang="en-US" sz="1600" dirty="0"/>
+              <a:t>    '</a:t>
+            </a:r>
+            <a:r>
+              <a:rPr lang="en-US" sz="1600" dirty="0" err="1"/>
+              <a:t>n_estimators</a:t>
+            </a:r>
+            <a:r>
+              <a:rPr lang="en-US" sz="1600" dirty="0"/>
+              <a:t>': [200, 600, 1200, 1400],</a:t>
+            </a:r>
+          </a:p>
+          <a:p>
+            <a:pPr marL="0" indent="0">
+              <a:lnSpc>
+                <a:spcPct val="100000"/>
+              </a:lnSpc>
+              <a:buNone/>
+            </a:pPr>
+            <a:r>
+              <a:rPr lang="en-US" sz="1600" dirty="0"/>
+              <a:t>    '</a:t>
+            </a:r>
+            <a:r>
+              <a:rPr lang="en-US" sz="1600" dirty="0" err="1"/>
+              <a:t>max_features</a:t>
+            </a:r>
+            <a:r>
+              <a:rPr lang="en-US" sz="1600" dirty="0"/>
+              <a:t>': ['auto', 'sqrt', 'log2'],</a:t>
+            </a:r>
+          </a:p>
+          <a:p>
+            <a:pPr marL="0" indent="0">
+              <a:lnSpc>
+                <a:spcPct val="100000"/>
+              </a:lnSpc>
+              <a:buNone/>
+            </a:pPr>
+            <a:r>
+              <a:rPr lang="en-US" sz="1600" dirty="0"/>
+              <a:t>    '</a:t>
+            </a:r>
+            <a:r>
+              <a:rPr lang="en-US" sz="1600" dirty="0" err="1"/>
+              <a:t>max_depth</a:t>
+            </a:r>
+            <a:r>
+              <a:rPr lang="en-US" sz="1600" dirty="0"/>
+              <a:t>': [14, 15, 16, 17, 18, None]</a:t>
+            </a:r>
+          </a:p>
+          <a:p>
+            <a:pPr marL="0" indent="0">
+              <a:lnSpc>
+                <a:spcPct val="100000"/>
+              </a:lnSpc>
+              <a:buNone/>
+            </a:pPr>
+            <a:r>
+              <a:rPr lang="en-US" sz="1600" dirty="0"/>
+              <a:t>}</a:t>
+            </a:r>
+          </a:p>
+          <a:p>
+            <a:pPr marL="0" indent="0">
+              <a:lnSpc>
+                <a:spcPct val="100000"/>
+              </a:lnSpc>
+              <a:buNone/>
+            </a:pPr>
+            <a:endParaRPr lang="en-US" sz="1600" dirty="0"/>
+          </a:p>
+          <a:p>
+            <a:pPr marL="0" indent="0">
+              <a:lnSpc>
+                <a:spcPct val="100000"/>
+              </a:lnSpc>
+              <a:buNone/>
+            </a:pPr>
+            <a:endParaRPr lang="en-US" sz="900" dirty="0"/>
+          </a:p>
+          <a:p>
+            <a:pPr marL="0" indent="0">
+              <a:lnSpc>
+                <a:spcPct val="100000"/>
+              </a:lnSpc>
+              <a:buNone/>
+            </a:pPr>
+            <a:br>
+              <a:rPr lang="en-US" sz="900" dirty="0"/>
+            </a:br>
+            <a:endParaRPr lang="en-US" sz="900" dirty="0"/>
+          </a:p>
+        </p:txBody>
+      </p:sp>
+      <p:sp>
+        <p:nvSpPr>
+          <p:cNvPr id="46" name="Rectangle 45">
+            <a:extLst>
+              <a:ext uri="{FF2B5EF4-FFF2-40B4-BE49-F238E27FC236}">
+                <a16:creationId xmlns:a16="http://schemas.microsoft.com/office/drawing/2014/main" id="{4F2304C2-1AD0-4AFD-93A0-BB1D998E0F97}"/>
+              </a:ext>
+              <a:ext uri="{C183D7F6-B498-43B3-948B-1728B52AA6E4}">
+                <adec:decorative xmlns:adec="http://schemas.microsoft.com/office/drawing/2017/decorative" val="1"/>
+              </a:ext>
+            </a:extLst>
+          </p:cNvPr>
+          <p:cNvSpPr>
+            <a:spLocks noGrp="1" noRot="1" noChangeAspect="1" noMove="1" noResize="1" noEditPoints="1" noAdjustHandles="1" noChangeArrowheads="1" noChangeShapeType="1" noTextEdit="1"/>
+          </p:cNvSpPr>
+          <p:nvPr>
+            <p:extLst>
+              <p:ext uri="{386F3935-93C4-4BCD-93E2-E3B085C9AB24}">
+                <p16:designElem xmlns:p16="http://schemas.microsoft.com/office/powerpoint/2015/main" val="1"/>
+              </p:ext>
+            </p:extLst>
+          </p:nvPr>
+        </p:nvSpPr>
+        <p:spPr>
+          <a:xfrm>
+            <a:off x="371856" y="374904"/>
+            <a:ext cx="7378773" cy="6108192"/>
+          </a:xfrm>
+          <a:prstGeom prst="rect">
+            <a:avLst/>
+          </a:prstGeom>
+          <a:noFill/>
+          <a:ln w="6350" cap="sq" cmpd="sng" algn="ctr">
+            <a:solidFill>
+              <a:schemeClr val="tx1">
+                <a:lumMod val="75000"/>
+                <a:lumOff val="25000"/>
+              </a:schemeClr>
+            </a:solidFill>
+            <a:prstDash val="solid"/>
+            <a:miter lim="800000"/>
+          </a:ln>
+          <a:effectLst/>
+        </p:spPr>
+      </p:sp>
+      <p:pic>
+        <p:nvPicPr>
+          <p:cNvPr id="12" name="Picture 11" descr="A screenshot of a cell phone&#10;&#10;Description automatically generated">
+            <a:extLst>
+              <a:ext uri="{FF2B5EF4-FFF2-40B4-BE49-F238E27FC236}">
+                <a16:creationId xmlns:a16="http://schemas.microsoft.com/office/drawing/2014/main" id="{D40F5236-E88D-7B4E-906B-8AC7C7A0AE9F}"/>
+              </a:ext>
+            </a:extLst>
+          </p:cNvPr>
+          <p:cNvPicPr>
+            <a:picLocks noChangeAspect="1"/>
+          </p:cNvPicPr>
+          <p:nvPr/>
+        </p:nvPicPr>
+        <p:blipFill rotWithShape="1">
+          <a:blip r:embed="rId4"/>
+          <a:srcRect l="16821" r="44391" b="-2"/>
+          <a:stretch/>
+        </p:blipFill>
+        <p:spPr>
+          <a:xfrm>
+            <a:off x="7972615" y="2380488"/>
+            <a:ext cx="3981643" cy="2078737"/>
+          </a:xfrm>
+          <a:prstGeom prst="rect">
+            <a:avLst/>
+          </a:prstGeom>
+        </p:spPr>
+      </p:pic>
+      <p:pic>
+        <p:nvPicPr>
+          <p:cNvPr id="6" name="Picture 5" descr="A screenshot of a social media post&#10;&#10;Description automatically generated">
+            <a:extLst>
+              <a:ext uri="{FF2B5EF4-FFF2-40B4-BE49-F238E27FC236}">
+                <a16:creationId xmlns:a16="http://schemas.microsoft.com/office/drawing/2014/main" id="{7A07D049-D564-2349-9D70-085D81F02826}"/>
+              </a:ext>
+            </a:extLst>
+          </p:cNvPr>
+          <p:cNvPicPr>
+            <a:picLocks noChangeAspect="1"/>
+          </p:cNvPicPr>
+          <p:nvPr/>
+        </p:nvPicPr>
+        <p:blipFill rotWithShape="1">
+          <a:blip r:embed="rId5"/>
+          <a:srcRect r="10933"/>
+          <a:stretch/>
+        </p:blipFill>
+        <p:spPr>
+          <a:xfrm>
+            <a:off x="7972613" y="4541520"/>
+            <a:ext cx="3981643" cy="2078736"/>
+          </a:xfrm>
+          <a:prstGeom prst="rect">
+            <a:avLst/>
+          </a:prstGeom>
+        </p:spPr>
+      </p:pic>
+    </p:spTree>
+    <p:extLst>
+      <p:ext uri="{BB962C8B-B14F-4D97-AF65-F5344CB8AC3E}">
+        <p14:creationId xmlns:p14="http://schemas.microsoft.com/office/powerpoint/2010/main" val="4022721053"/>
+      </p:ext>
+    </p:extLst>
+  </p:cSld>
+  <p:clrMapOvr>
+    <a:masterClrMapping/>
+  </p:clrMapOvr>
+</p:sld>
+</file>
+
+<file path=ppt/slides/slide13.xml><?xml version="1.0" encoding="utf-8"?>
+<p:sld xmlns:a="http://schemas.openxmlformats.org/drawingml/2006/main" xmlns:r="http://schemas.openxmlformats.org/officeDocument/2006/relationships" xmlns:p="http://schemas.openxmlformats.org/presentationml/2006/main">
+  <p:cSld>
+    <p:bg>
+      <p:bgPr>
+        <a:solidFill>
+          <a:schemeClr val="bg1"/>
+        </a:solidFill>
+        <a:effectLst/>
+      </p:bgPr>
+    </p:bg>
+    <p:spTree>
+      <p:nvGrpSpPr>
+        <p:cNvPr id="1" name=""/>
+        <p:cNvGrpSpPr/>
+        <p:nvPr/>
+      </p:nvGrpSpPr>
+      <p:grpSpPr>
+        <a:xfrm>
+          <a:off x="0" y="0"/>
+          <a:ext cx="0" cy="0"/>
+          <a:chOff x="0" y="0"/>
+          <a:chExt cx="0" cy="0"/>
+        </a:xfrm>
+      </p:grpSpPr>
+      <p:sp useBgFill="1">
+        <p:nvSpPr>
           <p:cNvPr id="39" name="Rectangle 17">
             <a:extLst>
               <a:ext uri="{FF2B5EF4-FFF2-40B4-BE49-F238E27FC236}">
@@ -10349,89 +11019,6 @@
 </p:sld>
 </file>
 
-<file path=ppt/slides/slide13.xml><?xml version="1.0" encoding="utf-8"?>
-<p:sld xmlns:a="http://schemas.openxmlformats.org/drawingml/2006/main" xmlns:r="http://schemas.openxmlformats.org/officeDocument/2006/relationships" xmlns:p="http://schemas.openxmlformats.org/presentationml/2006/main">
-  <p:cSld>
-    <p:spTree>
-      <p:nvGrpSpPr>
-        <p:cNvPr id="1" name=""/>
-        <p:cNvGrpSpPr/>
-        <p:nvPr/>
-      </p:nvGrpSpPr>
-      <p:grpSpPr>
-        <a:xfrm>
-          <a:off x="0" y="0"/>
-          <a:ext cx="0" cy="0"/>
-          <a:chOff x="0" y="0"/>
-          <a:chExt cx="0" cy="0"/>
-        </a:xfrm>
-      </p:grpSpPr>
-      <p:sp>
-        <p:nvSpPr>
-          <p:cNvPr id="2" name="Title 1">
-            <a:extLst>
-              <a:ext uri="{FF2B5EF4-FFF2-40B4-BE49-F238E27FC236}">
-                <a16:creationId xmlns:a16="http://schemas.microsoft.com/office/drawing/2014/main" id="{59DCF095-92CB-104C-B4E9-28EAADB615CA}"/>
-              </a:ext>
-            </a:extLst>
-          </p:cNvPr>
-          <p:cNvSpPr>
-            <a:spLocks noGrp="1"/>
-          </p:cNvSpPr>
-          <p:nvPr>
-            <p:ph type="title"/>
-          </p:nvPr>
-        </p:nvSpPr>
-        <p:spPr/>
-        <p:txBody>
-          <a:bodyPr/>
-          <a:lstStyle/>
-          <a:p>
-            <a:r>
-              <a:rPr lang="en-US" dirty="0"/>
-              <a:t>SVC Model</a:t>
-            </a:r>
-          </a:p>
-        </p:txBody>
-      </p:sp>
-      <p:sp>
-        <p:nvSpPr>
-          <p:cNvPr id="3" name="Content Placeholder 2">
-            <a:extLst>
-              <a:ext uri="{FF2B5EF4-FFF2-40B4-BE49-F238E27FC236}">
-                <a16:creationId xmlns:a16="http://schemas.microsoft.com/office/drawing/2014/main" id="{CCF6D379-14CC-B143-93DB-6AF73FFA8551}"/>
-              </a:ext>
-            </a:extLst>
-          </p:cNvPr>
-          <p:cNvSpPr>
-            <a:spLocks noGrp="1"/>
-          </p:cNvSpPr>
-          <p:nvPr>
-            <p:ph idx="1"/>
-          </p:nvPr>
-        </p:nvSpPr>
-        <p:spPr/>
-        <p:txBody>
-          <a:bodyPr/>
-          <a:lstStyle/>
-          <a:p>
-            <a:endParaRPr lang="en-US" dirty="0"/>
-          </a:p>
-        </p:txBody>
-      </p:sp>
-    </p:spTree>
-    <p:extLst>
-      <p:ext uri="{BB962C8B-B14F-4D97-AF65-F5344CB8AC3E}">
-        <p14:creationId xmlns:p14="http://schemas.microsoft.com/office/powerpoint/2010/main" val="3144287605"/>
-      </p:ext>
-    </p:extLst>
-  </p:cSld>
-  <p:clrMapOvr>
-    <a:masterClrMapping/>
-  </p:clrMapOvr>
-</p:sld>
-</file>
-
 <file path=ppt/slides/slide14.xml><?xml version="1.0" encoding="utf-8"?>
 <p:sld xmlns:a="http://schemas.openxmlformats.org/drawingml/2006/main" xmlns:r="http://schemas.openxmlformats.org/officeDocument/2006/relationships" xmlns:p="http://schemas.openxmlformats.org/presentationml/2006/main">
   <p:cSld>
@@ -10472,7 +11059,7 @@
           <a:p>
             <a:r>
               <a:rPr lang="en-US" dirty="0"/>
-              <a:t>Comparison</a:t>
+              <a:t>SVC Model</a:t>
             </a:r>
           </a:p>
         </p:txBody>
@@ -10505,7 +11092,7 @@
     </p:spTree>
     <p:extLst>
       <p:ext uri="{BB962C8B-B14F-4D97-AF65-F5344CB8AC3E}">
-        <p14:creationId xmlns:p14="http://schemas.microsoft.com/office/powerpoint/2010/main" val="3259705937"/>
+        <p14:creationId xmlns:p14="http://schemas.microsoft.com/office/powerpoint/2010/main" val="3144287605"/>
       </p:ext>
     </p:extLst>
   </p:cSld>
@@ -10532,6 +11119,1127 @@
           <a:chExt cx="0" cy="0"/>
         </a:xfrm>
       </p:grpSpPr>
+      <p:sp>
+        <p:nvSpPr>
+          <p:cNvPr id="2" name="Title 1">
+            <a:extLst>
+              <a:ext uri="{FF2B5EF4-FFF2-40B4-BE49-F238E27FC236}">
+                <a16:creationId xmlns:a16="http://schemas.microsoft.com/office/drawing/2014/main" id="{59DCF095-92CB-104C-B4E9-28EAADB615CA}"/>
+              </a:ext>
+            </a:extLst>
+          </p:cNvPr>
+          <p:cNvSpPr>
+            <a:spLocks noGrp="1"/>
+          </p:cNvSpPr>
+          <p:nvPr>
+            <p:ph type="title"/>
+          </p:nvPr>
+        </p:nvSpPr>
+        <p:spPr>
+          <a:xfrm>
+            <a:off x="1066800" y="642594"/>
+            <a:ext cx="10058400" cy="608236"/>
+          </a:xfrm>
+        </p:spPr>
+        <p:txBody>
+          <a:bodyPr>
+            <a:normAutofit/>
+          </a:bodyPr>
+          <a:lstStyle/>
+          <a:p>
+            <a:pPr algn="ctr"/>
+            <a:r>
+              <a:rPr lang="en-US" sz="3200" dirty="0"/>
+              <a:t>Comparison</a:t>
+            </a:r>
+          </a:p>
+        </p:txBody>
+      </p:sp>
+      <p:graphicFrame>
+        <p:nvGraphicFramePr>
+          <p:cNvPr id="6" name="Table 5">
+            <a:extLst>
+              <a:ext uri="{FF2B5EF4-FFF2-40B4-BE49-F238E27FC236}">
+                <a16:creationId xmlns:a16="http://schemas.microsoft.com/office/drawing/2014/main" id="{67EA4DF0-6DE1-944A-A704-3ECCCCC464D9}"/>
+              </a:ext>
+            </a:extLst>
+          </p:cNvPr>
+          <p:cNvGraphicFramePr>
+            <a:graphicFrameLocks noGrp="1"/>
+          </p:cNvGraphicFramePr>
+          <p:nvPr>
+            <p:extLst>
+              <p:ext uri="{D42A27DB-BD31-4B8C-83A1-F6EECF244321}">
+                <p14:modId xmlns:p14="http://schemas.microsoft.com/office/powerpoint/2010/main" val="2709560150"/>
+              </p:ext>
+            </p:extLst>
+          </p:nvPr>
+        </p:nvGraphicFramePr>
+        <p:xfrm>
+          <a:off x="534357" y="1492370"/>
+          <a:ext cx="11123286" cy="3674853"/>
+        </p:xfrm>
+        <a:graphic>
+          <a:graphicData uri="http://schemas.openxmlformats.org/drawingml/2006/table">
+            <a:tbl>
+              <a:tblPr firstRow="1" bandRow="1">
+                <a:tableStyleId>{073A0DAA-6AF3-43AB-8588-CEC1D06C72B9}</a:tableStyleId>
+              </a:tblPr>
+              <a:tblGrid>
+                <a:gridCol w="1853881">
+                  <a:extLst>
+                    <a:ext uri="{9D8B030D-6E8A-4147-A177-3AD203B41FA5}">
+                      <a16:colId xmlns:a16="http://schemas.microsoft.com/office/drawing/2014/main" val="2372912524"/>
+                    </a:ext>
+                  </a:extLst>
+                </a:gridCol>
+                <a:gridCol w="1853881">
+                  <a:extLst>
+                    <a:ext uri="{9D8B030D-6E8A-4147-A177-3AD203B41FA5}">
+                      <a16:colId xmlns:a16="http://schemas.microsoft.com/office/drawing/2014/main" val="3884992546"/>
+                    </a:ext>
+                  </a:extLst>
+                </a:gridCol>
+                <a:gridCol w="1853881">
+                  <a:extLst>
+                    <a:ext uri="{9D8B030D-6E8A-4147-A177-3AD203B41FA5}">
+                      <a16:colId xmlns:a16="http://schemas.microsoft.com/office/drawing/2014/main" val="4250889428"/>
+                    </a:ext>
+                  </a:extLst>
+                </a:gridCol>
+                <a:gridCol w="1853881">
+                  <a:extLst>
+                    <a:ext uri="{9D8B030D-6E8A-4147-A177-3AD203B41FA5}">
+                      <a16:colId xmlns:a16="http://schemas.microsoft.com/office/drawing/2014/main" val="2644320252"/>
+                    </a:ext>
+                  </a:extLst>
+                </a:gridCol>
+                <a:gridCol w="1853881">
+                  <a:extLst>
+                    <a:ext uri="{9D8B030D-6E8A-4147-A177-3AD203B41FA5}">
+                      <a16:colId xmlns:a16="http://schemas.microsoft.com/office/drawing/2014/main" val="4227472628"/>
+                    </a:ext>
+                  </a:extLst>
+                </a:gridCol>
+                <a:gridCol w="1853881">
+                  <a:extLst>
+                    <a:ext uri="{9D8B030D-6E8A-4147-A177-3AD203B41FA5}">
+                      <a16:colId xmlns:a16="http://schemas.microsoft.com/office/drawing/2014/main" val="2725464374"/>
+                    </a:ext>
+                  </a:extLst>
+                </a:gridCol>
+              </a:tblGrid>
+              <a:tr h="892833">
+                <a:tc>
+                  <a:txBody>
+                    <a:bodyPr/>
+                    <a:lstStyle/>
+                    <a:p>
+                      <a:pPr algn="ctr"/>
+                      <a:r>
+                        <a:rPr lang="en-US" dirty="0">
+                          <a:latin typeface="Arial" panose="020B0604020202020204" pitchFamily="34" charset="0"/>
+                          <a:cs typeface="Arial" panose="020B0604020202020204" pitchFamily="34" charset="0"/>
+                        </a:rPr>
+                        <a:t>Model</a:t>
+                      </a:r>
+                    </a:p>
+                  </a:txBody>
+                  <a:tcPr anchor="ctr"/>
+                </a:tc>
+                <a:tc>
+                  <a:txBody>
+                    <a:bodyPr/>
+                    <a:lstStyle/>
+                    <a:p>
+                      <a:pPr algn="ctr"/>
+                      <a:r>
+                        <a:rPr lang="en-US" dirty="0">
+                          <a:latin typeface="Arial" panose="020B0604020202020204" pitchFamily="34" charset="0"/>
+                          <a:cs typeface="Arial" panose="020B0604020202020204" pitchFamily="34" charset="0"/>
+                        </a:rPr>
+                        <a:t>True Negative</a:t>
+                      </a:r>
+                    </a:p>
+                  </a:txBody>
+                  <a:tcPr anchor="ctr"/>
+                </a:tc>
+                <a:tc>
+                  <a:txBody>
+                    <a:bodyPr/>
+                    <a:lstStyle/>
+                    <a:p>
+                      <a:pPr algn="ctr"/>
+                      <a:r>
+                        <a:rPr lang="en-US" dirty="0">
+                          <a:latin typeface="Arial" panose="020B0604020202020204" pitchFamily="34" charset="0"/>
+                          <a:cs typeface="Arial" panose="020B0604020202020204" pitchFamily="34" charset="0"/>
+                        </a:rPr>
+                        <a:t>True Positive</a:t>
+                      </a:r>
+                    </a:p>
+                  </a:txBody>
+                  <a:tcPr anchor="ctr"/>
+                </a:tc>
+                <a:tc>
+                  <a:txBody>
+                    <a:bodyPr/>
+                    <a:lstStyle/>
+                    <a:p>
+                      <a:pPr algn="ctr"/>
+                      <a:r>
+                        <a:rPr lang="en-US" dirty="0">
+                          <a:latin typeface="Arial" panose="020B0604020202020204" pitchFamily="34" charset="0"/>
+                          <a:cs typeface="Arial" panose="020B0604020202020204" pitchFamily="34" charset="0"/>
+                        </a:rPr>
+                        <a:t>False Positive</a:t>
+                      </a:r>
+                    </a:p>
+                  </a:txBody>
+                  <a:tcPr anchor="ctr"/>
+                </a:tc>
+                <a:tc>
+                  <a:txBody>
+                    <a:bodyPr/>
+                    <a:lstStyle/>
+                    <a:p>
+                      <a:pPr algn="ctr"/>
+                      <a:r>
+                        <a:rPr lang="en-US" dirty="0">
+                          <a:latin typeface="Arial" panose="020B0604020202020204" pitchFamily="34" charset="0"/>
+                          <a:cs typeface="Arial" panose="020B0604020202020204" pitchFamily="34" charset="0"/>
+                        </a:rPr>
+                        <a:t>False Negative</a:t>
+                      </a:r>
+                    </a:p>
+                  </a:txBody>
+                  <a:tcPr anchor="ctr"/>
+                </a:tc>
+                <a:tc>
+                  <a:txBody>
+                    <a:bodyPr/>
+                    <a:lstStyle/>
+                    <a:p>
+                      <a:pPr algn="ctr"/>
+                      <a:r>
+                        <a:rPr lang="en-US" dirty="0">
+                          <a:latin typeface="Arial" panose="020B0604020202020204" pitchFamily="34" charset="0"/>
+                          <a:cs typeface="Arial" panose="020B0604020202020204" pitchFamily="34" charset="0"/>
+                        </a:rPr>
+                        <a:t>Total</a:t>
+                      </a:r>
+                    </a:p>
+                  </a:txBody>
+                  <a:tcPr anchor="ctr"/>
+                </a:tc>
+                <a:extLst>
+                  <a:ext uri="{0D108BD9-81ED-4DB2-BD59-A6C34878D82A}">
+                    <a16:rowId xmlns:a16="http://schemas.microsoft.com/office/drawing/2014/main" val="3630401563"/>
+                  </a:ext>
+                </a:extLst>
+              </a:tr>
+              <a:tr h="927340">
+                <a:tc>
+                  <a:txBody>
+                    <a:bodyPr/>
+                    <a:lstStyle/>
+                    <a:p>
+                      <a:pPr algn="ctr"/>
+                      <a:r>
+                        <a:rPr lang="en-US" sz="2800" dirty="0">
+                          <a:latin typeface="Arial" panose="020B0604020202020204" pitchFamily="34" charset="0"/>
+                          <a:cs typeface="Arial" panose="020B0604020202020204" pitchFamily="34" charset="0"/>
+                        </a:rPr>
+                        <a:t>LR</a:t>
+                      </a:r>
+                    </a:p>
+                  </a:txBody>
+                  <a:tcPr anchor="ctr"/>
+                </a:tc>
+                <a:tc>
+                  <a:txBody>
+                    <a:bodyPr/>
+                    <a:lstStyle/>
+                    <a:p>
+                      <a:pPr algn="ctr"/>
+                      <a:r>
+                        <a:rPr lang="en-US" sz="2800" dirty="0">
+                          <a:latin typeface="Arial" panose="020B0604020202020204" pitchFamily="34" charset="0"/>
+                          <a:cs typeface="Arial" panose="020B0604020202020204" pitchFamily="34" charset="0"/>
+                        </a:rPr>
+                        <a:t>128</a:t>
+                      </a:r>
+                    </a:p>
+                  </a:txBody>
+                  <a:tcPr anchor="ctr"/>
+                </a:tc>
+                <a:tc>
+                  <a:txBody>
+                    <a:bodyPr/>
+                    <a:lstStyle/>
+                    <a:p>
+                      <a:pPr algn="ctr"/>
+                      <a:r>
+                        <a:rPr lang="en-US" sz="2800" dirty="0">
+                          <a:latin typeface="Arial" panose="020B0604020202020204" pitchFamily="34" charset="0"/>
+                          <a:cs typeface="Arial" panose="020B0604020202020204" pitchFamily="34" charset="0"/>
+                        </a:rPr>
+                        <a:t>12</a:t>
+                      </a:r>
+                    </a:p>
+                  </a:txBody>
+                  <a:tcPr anchor="ctr"/>
+                </a:tc>
+                <a:tc>
+                  <a:txBody>
+                    <a:bodyPr/>
+                    <a:lstStyle/>
+                    <a:p>
+                      <a:pPr algn="ctr"/>
+                      <a:r>
+                        <a:rPr lang="en-US" sz="2800" dirty="0">
+                          <a:latin typeface="Arial" panose="020B0604020202020204" pitchFamily="34" charset="0"/>
+                          <a:cs typeface="Arial" panose="020B0604020202020204" pitchFamily="34" charset="0"/>
+                        </a:rPr>
+                        <a:t>3</a:t>
+                      </a:r>
+                    </a:p>
+                  </a:txBody>
+                  <a:tcPr anchor="ctr"/>
+                </a:tc>
+                <a:tc>
+                  <a:txBody>
+                    <a:bodyPr/>
+                    <a:lstStyle/>
+                    <a:p>
+                      <a:pPr algn="ctr"/>
+                      <a:r>
+                        <a:rPr lang="en-US" sz="2800" dirty="0">
+                          <a:latin typeface="Arial" panose="020B0604020202020204" pitchFamily="34" charset="0"/>
+                          <a:cs typeface="Arial" panose="020B0604020202020204" pitchFamily="34" charset="0"/>
+                        </a:rPr>
+                        <a:t>7</a:t>
+                      </a:r>
+                    </a:p>
+                  </a:txBody>
+                  <a:tcPr anchor="ctr"/>
+                </a:tc>
+                <a:tc>
+                  <a:txBody>
+                    <a:bodyPr/>
+                    <a:lstStyle/>
+                    <a:p>
+                      <a:pPr algn="ctr"/>
+                      <a:r>
+                        <a:rPr lang="en-US" sz="2800" dirty="0">
+                          <a:latin typeface="Arial" panose="020B0604020202020204" pitchFamily="34" charset="0"/>
+                          <a:cs typeface="Arial" panose="020B0604020202020204" pitchFamily="34" charset="0"/>
+                        </a:rPr>
+                        <a:t>150</a:t>
+                      </a:r>
+                    </a:p>
+                  </a:txBody>
+                  <a:tcPr anchor="ctr"/>
+                </a:tc>
+                <a:extLst>
+                  <a:ext uri="{0D108BD9-81ED-4DB2-BD59-A6C34878D82A}">
+                    <a16:rowId xmlns:a16="http://schemas.microsoft.com/office/drawing/2014/main" val="976665221"/>
+                  </a:ext>
+                </a:extLst>
+              </a:tr>
+              <a:tr h="927340">
+                <a:tc>
+                  <a:txBody>
+                    <a:bodyPr/>
+                    <a:lstStyle/>
+                    <a:p>
+                      <a:pPr algn="ctr"/>
+                      <a:r>
+                        <a:rPr lang="en-US" sz="2800" dirty="0">
+                          <a:latin typeface="Arial" panose="020B0604020202020204" pitchFamily="34" charset="0"/>
+                          <a:cs typeface="Arial" panose="020B0604020202020204" pitchFamily="34" charset="0"/>
+                        </a:rPr>
+                        <a:t>RFC</a:t>
+                      </a:r>
+                    </a:p>
+                  </a:txBody>
+                  <a:tcPr anchor="ctr"/>
+                </a:tc>
+                <a:tc>
+                  <a:txBody>
+                    <a:bodyPr/>
+                    <a:lstStyle/>
+                    <a:p>
+                      <a:pPr algn="ctr"/>
+                      <a:r>
+                        <a:rPr lang="en-US" sz="2800" dirty="0">
+                          <a:latin typeface="Arial" panose="020B0604020202020204" pitchFamily="34" charset="0"/>
+                          <a:cs typeface="Arial" panose="020B0604020202020204" pitchFamily="34" charset="0"/>
+                        </a:rPr>
+                        <a:t>1276</a:t>
+                      </a:r>
+                    </a:p>
+                  </a:txBody>
+                  <a:tcPr anchor="ctr"/>
+                </a:tc>
+                <a:tc>
+                  <a:txBody>
+                    <a:bodyPr/>
+                    <a:lstStyle/>
+                    <a:p>
+                      <a:pPr algn="ctr"/>
+                      <a:r>
+                        <a:rPr lang="en-US" sz="2800" dirty="0">
+                          <a:latin typeface="Arial" panose="020B0604020202020204" pitchFamily="34" charset="0"/>
+                          <a:cs typeface="Arial" panose="020B0604020202020204" pitchFamily="34" charset="0"/>
+                        </a:rPr>
+                        <a:t>8</a:t>
+                      </a:r>
+                    </a:p>
+                  </a:txBody>
+                  <a:tcPr anchor="ctr"/>
+                </a:tc>
+                <a:tc>
+                  <a:txBody>
+                    <a:bodyPr/>
+                    <a:lstStyle/>
+                    <a:p>
+                      <a:pPr algn="ctr"/>
+                      <a:r>
+                        <a:rPr lang="en-US" sz="2800" dirty="0">
+                          <a:latin typeface="Arial" panose="020B0604020202020204" pitchFamily="34" charset="0"/>
+                          <a:cs typeface="Arial" panose="020B0604020202020204" pitchFamily="34" charset="0"/>
+                        </a:rPr>
+                        <a:t>4</a:t>
+                      </a:r>
+                    </a:p>
+                  </a:txBody>
+                  <a:tcPr anchor="ctr"/>
+                </a:tc>
+                <a:tc>
+                  <a:txBody>
+                    <a:bodyPr/>
+                    <a:lstStyle/>
+                    <a:p>
+                      <a:pPr algn="ctr"/>
+                      <a:r>
+                        <a:rPr lang="en-US" sz="2800" dirty="0">
+                          <a:latin typeface="Arial" panose="020B0604020202020204" pitchFamily="34" charset="0"/>
+                          <a:cs typeface="Arial" panose="020B0604020202020204" pitchFamily="34" charset="0"/>
+                        </a:rPr>
+                        <a:t>123</a:t>
+                      </a:r>
+                    </a:p>
+                  </a:txBody>
+                  <a:tcPr anchor="ctr"/>
+                </a:tc>
+                <a:tc>
+                  <a:txBody>
+                    <a:bodyPr/>
+                    <a:lstStyle/>
+                    <a:p>
+                      <a:pPr algn="ctr"/>
+                      <a:r>
+                        <a:rPr lang="en-US" sz="2800" dirty="0">
+                          <a:latin typeface="Arial" panose="020B0604020202020204" pitchFamily="34" charset="0"/>
+                          <a:cs typeface="Arial" panose="020B0604020202020204" pitchFamily="34" charset="0"/>
+                        </a:rPr>
+                        <a:t>1411</a:t>
+                      </a:r>
+                    </a:p>
+                  </a:txBody>
+                  <a:tcPr anchor="ctr"/>
+                </a:tc>
+                <a:extLst>
+                  <a:ext uri="{0D108BD9-81ED-4DB2-BD59-A6C34878D82A}">
+                    <a16:rowId xmlns:a16="http://schemas.microsoft.com/office/drawing/2014/main" val="573035540"/>
+                  </a:ext>
+                </a:extLst>
+              </a:tr>
+              <a:tr h="927340">
+                <a:tc>
+                  <a:txBody>
+                    <a:bodyPr/>
+                    <a:lstStyle/>
+                    <a:p>
+                      <a:pPr algn="ctr"/>
+                      <a:r>
+                        <a:rPr lang="en-US" sz="2800" dirty="0">
+                          <a:latin typeface="Arial" panose="020B0604020202020204" pitchFamily="34" charset="0"/>
+                          <a:cs typeface="Arial" panose="020B0604020202020204" pitchFamily="34" charset="0"/>
+                        </a:rPr>
+                        <a:t>SVC</a:t>
+                      </a:r>
+                    </a:p>
+                  </a:txBody>
+                  <a:tcPr anchor="ctr"/>
+                </a:tc>
+                <a:tc>
+                  <a:txBody>
+                    <a:bodyPr/>
+                    <a:lstStyle/>
+                    <a:p>
+                      <a:pPr algn="ctr"/>
+                      <a:r>
+                        <a:rPr lang="en-US" sz="2800" dirty="0">
+                          <a:latin typeface="Arial" panose="020B0604020202020204" pitchFamily="34" charset="0"/>
+                          <a:cs typeface="Arial" panose="020B0604020202020204" pitchFamily="34" charset="0"/>
+                        </a:rPr>
+                        <a:t>1270</a:t>
+                      </a:r>
+                    </a:p>
+                  </a:txBody>
+                  <a:tcPr anchor="ctr"/>
+                </a:tc>
+                <a:tc>
+                  <a:txBody>
+                    <a:bodyPr/>
+                    <a:lstStyle/>
+                    <a:p>
+                      <a:pPr algn="ctr"/>
+                      <a:r>
+                        <a:rPr lang="en-US" sz="2800" dirty="0">
+                          <a:latin typeface="Arial" panose="020B0604020202020204" pitchFamily="34" charset="0"/>
+                          <a:cs typeface="Arial" panose="020B0604020202020204" pitchFamily="34" charset="0"/>
+                        </a:rPr>
+                        <a:t>7</a:t>
+                      </a:r>
+                    </a:p>
+                  </a:txBody>
+                  <a:tcPr anchor="ctr"/>
+                </a:tc>
+                <a:tc>
+                  <a:txBody>
+                    <a:bodyPr/>
+                    <a:lstStyle/>
+                    <a:p>
+                      <a:pPr algn="ctr"/>
+                      <a:r>
+                        <a:rPr lang="en-US" sz="2800" dirty="0">
+                          <a:latin typeface="Arial" panose="020B0604020202020204" pitchFamily="34" charset="0"/>
+                          <a:cs typeface="Arial" panose="020B0604020202020204" pitchFamily="34" charset="0"/>
+                        </a:rPr>
+                        <a:t>3</a:t>
+                      </a:r>
+                    </a:p>
+                  </a:txBody>
+                  <a:tcPr anchor="ctr"/>
+                </a:tc>
+                <a:tc>
+                  <a:txBody>
+                    <a:bodyPr/>
+                    <a:lstStyle/>
+                    <a:p>
+                      <a:pPr algn="ctr"/>
+                      <a:r>
+                        <a:rPr lang="en-US" sz="2800" dirty="0">
+                          <a:latin typeface="Arial" panose="020B0604020202020204" pitchFamily="34" charset="0"/>
+                          <a:cs typeface="Arial" panose="020B0604020202020204" pitchFamily="34" charset="0"/>
+                        </a:rPr>
+                        <a:t>131</a:t>
+                      </a:r>
+                    </a:p>
+                  </a:txBody>
+                  <a:tcPr anchor="ctr"/>
+                </a:tc>
+                <a:tc>
+                  <a:txBody>
+                    <a:bodyPr/>
+                    <a:lstStyle/>
+                    <a:p>
+                      <a:pPr algn="ctr"/>
+                      <a:r>
+                        <a:rPr lang="en-US" sz="2800" dirty="0">
+                          <a:latin typeface="Arial" panose="020B0604020202020204" pitchFamily="34" charset="0"/>
+                          <a:cs typeface="Arial" panose="020B0604020202020204" pitchFamily="34" charset="0"/>
+                        </a:rPr>
+                        <a:t>1411</a:t>
+                      </a:r>
+                    </a:p>
+                  </a:txBody>
+                  <a:tcPr anchor="ctr"/>
+                </a:tc>
+                <a:extLst>
+                  <a:ext uri="{0D108BD9-81ED-4DB2-BD59-A6C34878D82A}">
+                    <a16:rowId xmlns:a16="http://schemas.microsoft.com/office/drawing/2014/main" val="4217158208"/>
+                  </a:ext>
+                </a:extLst>
+              </a:tr>
+            </a:tbl>
+          </a:graphicData>
+        </a:graphic>
+      </p:graphicFrame>
+      <p:sp>
+        <p:nvSpPr>
+          <p:cNvPr id="11" name="TextBox 10">
+            <a:extLst>
+              <a:ext uri="{FF2B5EF4-FFF2-40B4-BE49-F238E27FC236}">
+                <a16:creationId xmlns:a16="http://schemas.microsoft.com/office/drawing/2014/main" id="{7719F4C2-7561-7145-90FE-CDFC4B8BA0C7}"/>
+              </a:ext>
+            </a:extLst>
+          </p:cNvPr>
+          <p:cNvSpPr txBox="1"/>
+          <p:nvPr/>
+        </p:nvSpPr>
+        <p:spPr>
+          <a:xfrm>
+            <a:off x="832379" y="5408763"/>
+            <a:ext cx="10527241" cy="369332"/>
+          </a:xfrm>
+          <a:prstGeom prst="rect">
+            <a:avLst/>
+          </a:prstGeom>
+          <a:noFill/>
+        </p:spPr>
+        <p:txBody>
+          <a:bodyPr wrap="none" rtlCol="0">
+            <a:spAutoFit/>
+          </a:bodyPr>
+          <a:lstStyle/>
+          <a:p>
+            <a:r>
+              <a:rPr lang="en-US" dirty="0"/>
+              <a:t>Note: LR model excludes rows with missing data. RFC and SVC models fill in empty rows with column mean.</a:t>
+            </a:r>
+          </a:p>
+        </p:txBody>
+      </p:sp>
+    </p:spTree>
+    <p:extLst>
+      <p:ext uri="{BB962C8B-B14F-4D97-AF65-F5344CB8AC3E}">
+        <p14:creationId xmlns:p14="http://schemas.microsoft.com/office/powerpoint/2010/main" val="3259705937"/>
+      </p:ext>
+    </p:extLst>
+  </p:cSld>
+  <p:clrMapOvr>
+    <a:masterClrMapping/>
+  </p:clrMapOvr>
+</p:sld>
+</file>
+
+<file path=ppt/slides/slide16.xml><?xml version="1.0" encoding="utf-8"?>
+<p:sld xmlns:a="http://schemas.openxmlformats.org/drawingml/2006/main" xmlns:r="http://schemas.openxmlformats.org/officeDocument/2006/relationships" xmlns:p="http://schemas.openxmlformats.org/presentationml/2006/main">
+  <p:cSld>
+    <p:spTree>
+      <p:nvGrpSpPr>
+        <p:cNvPr id="1" name=""/>
+        <p:cNvGrpSpPr/>
+        <p:nvPr/>
+      </p:nvGrpSpPr>
+      <p:grpSpPr>
+        <a:xfrm>
+          <a:off x="0" y="0"/>
+          <a:ext cx="0" cy="0"/>
+          <a:chOff x="0" y="0"/>
+          <a:chExt cx="0" cy="0"/>
+        </a:xfrm>
+      </p:grpSpPr>
+      <p:sp>
+        <p:nvSpPr>
+          <p:cNvPr id="2" name="Title 1">
+            <a:extLst>
+              <a:ext uri="{FF2B5EF4-FFF2-40B4-BE49-F238E27FC236}">
+                <a16:creationId xmlns:a16="http://schemas.microsoft.com/office/drawing/2014/main" id="{59DCF095-92CB-104C-B4E9-28EAADB615CA}"/>
+              </a:ext>
+            </a:extLst>
+          </p:cNvPr>
+          <p:cNvSpPr>
+            <a:spLocks noGrp="1"/>
+          </p:cNvSpPr>
+          <p:nvPr>
+            <p:ph type="title"/>
+          </p:nvPr>
+        </p:nvSpPr>
+        <p:spPr>
+          <a:xfrm>
+            <a:off x="1066800" y="642594"/>
+            <a:ext cx="10058400" cy="608236"/>
+          </a:xfrm>
+        </p:spPr>
+        <p:txBody>
+          <a:bodyPr>
+            <a:normAutofit/>
+          </a:bodyPr>
+          <a:lstStyle/>
+          <a:p>
+            <a:pPr algn="ctr"/>
+            <a:r>
+              <a:rPr lang="en-US" sz="3200" dirty="0"/>
+              <a:t>Comparison</a:t>
+            </a:r>
+          </a:p>
+        </p:txBody>
+      </p:sp>
+      <p:pic>
+        <p:nvPicPr>
+          <p:cNvPr id="5" name="Content Placeholder 4" descr="A screenshot of a cell phone&#10;&#10;Description automatically generated">
+            <a:extLst>
+              <a:ext uri="{FF2B5EF4-FFF2-40B4-BE49-F238E27FC236}">
+                <a16:creationId xmlns:a16="http://schemas.microsoft.com/office/drawing/2014/main" id="{A4C52FA0-81B0-E140-A140-F73C6D6DD571}"/>
+              </a:ext>
+            </a:extLst>
+          </p:cNvPr>
+          <p:cNvPicPr>
+            <a:picLocks noGrp="1" noChangeAspect="1"/>
+          </p:cNvPicPr>
+          <p:nvPr>
+            <p:ph idx="1"/>
+          </p:nvPr>
+        </p:nvPicPr>
+        <p:blipFill>
+          <a:blip r:embed="rId2"/>
+          <a:stretch>
+            <a:fillRect/>
+          </a:stretch>
+        </p:blipFill>
+        <p:spPr>
+          <a:xfrm>
+            <a:off x="441151" y="1485622"/>
+            <a:ext cx="6306378" cy="4729784"/>
+          </a:xfrm>
+        </p:spPr>
+      </p:pic>
+      <mc:AlternateContent xmlns:mc="http://schemas.openxmlformats.org/markup-compatibility/2006">
+        <mc:Choice xmlns:a14="http://schemas.microsoft.com/office/drawing/2010/main" Requires="a14">
+          <p:sp>
+            <p:nvSpPr>
+              <p:cNvPr id="3" name="TextBox 2">
+                <a:extLst>
+                  <a:ext uri="{FF2B5EF4-FFF2-40B4-BE49-F238E27FC236}">
+                    <a16:creationId xmlns:a16="http://schemas.microsoft.com/office/drawing/2014/main" id="{5262CB9B-2924-FE4A-B740-415E0DDE6516}"/>
+                  </a:ext>
+                </a:extLst>
+              </p:cNvPr>
+              <p:cNvSpPr txBox="1"/>
+              <p:nvPr/>
+            </p:nvSpPr>
+            <p:spPr>
+              <a:xfrm>
+                <a:off x="7421664" y="2102744"/>
+                <a:ext cx="2523704" cy="699230"/>
+              </a:xfrm>
+              <a:prstGeom prst="rect">
+                <a:avLst/>
+              </a:prstGeom>
+              <a:noFill/>
+            </p:spPr>
+            <p:txBody>
+              <a:bodyPr wrap="none" lIns="0" tIns="0" rIns="0" bIns="0" rtlCol="0">
+                <a:spAutoFit/>
+              </a:bodyPr>
+              <a:lstStyle/>
+              <a:p>
+                <a:r>
+                  <a:rPr lang="en-US" sz="3200" dirty="0"/>
+                  <a:t>Recall = </a:t>
+                </a:r>
+                <a14:m>
+                  <m:oMath xmlns:m="http://schemas.openxmlformats.org/officeDocument/2006/math">
+                    <m:f>
+                      <m:fPr>
+                        <m:ctrlPr>
+                          <a:rPr lang="en-US" sz="3200" b="0" i="1" smtClean="0">
+                            <a:latin typeface="Cambria Math" panose="02040503050406030204" pitchFamily="18" charset="0"/>
+                          </a:rPr>
+                        </m:ctrlPr>
+                      </m:fPr>
+                      <m:num>
+                        <m:r>
+                          <a:rPr lang="en-US" sz="3200" b="0" i="1" smtClean="0">
+                            <a:latin typeface="Cambria Math" panose="02040503050406030204" pitchFamily="18" charset="0"/>
+                          </a:rPr>
+                          <m:t>𝑇𝑃</m:t>
+                        </m:r>
+                      </m:num>
+                      <m:den>
+                        <m:r>
+                          <a:rPr lang="en-US" sz="3200" b="0" i="1" smtClean="0">
+                            <a:latin typeface="Cambria Math" panose="02040503050406030204" pitchFamily="18" charset="0"/>
+                          </a:rPr>
+                          <m:t>𝑇𝑃</m:t>
+                        </m:r>
+                        <m:r>
+                          <a:rPr lang="en-US" sz="3200" b="0" i="1" smtClean="0">
+                            <a:latin typeface="Cambria Math" panose="02040503050406030204" pitchFamily="18" charset="0"/>
+                          </a:rPr>
+                          <m:t>+</m:t>
+                        </m:r>
+                        <m:r>
+                          <a:rPr lang="en-US" sz="3200" b="0" i="1" smtClean="0">
+                            <a:latin typeface="Cambria Math" panose="02040503050406030204" pitchFamily="18" charset="0"/>
+                          </a:rPr>
+                          <m:t>𝐹𝑁</m:t>
+                        </m:r>
+                      </m:den>
+                    </m:f>
+                  </m:oMath>
+                </a14:m>
+                <a:endParaRPr lang="en-US" sz="3200" dirty="0"/>
+              </a:p>
+            </p:txBody>
+          </p:sp>
+        </mc:Choice>
+        <mc:Fallback>
+          <p:sp>
+            <p:nvSpPr>
+              <p:cNvPr id="3" name="TextBox 2">
+                <a:extLst>
+                  <a:ext uri="{FF2B5EF4-FFF2-40B4-BE49-F238E27FC236}">
+                    <a16:creationId xmlns:a16="http://schemas.microsoft.com/office/drawing/2014/main" id="{5262CB9B-2924-FE4A-B740-415E0DDE6516}"/>
+                  </a:ext>
+                </a:extLst>
+              </p:cNvPr>
+              <p:cNvSpPr txBox="1">
+                <a:spLocks noRot="1" noChangeAspect="1" noMove="1" noResize="1" noEditPoints="1" noAdjustHandles="1" noChangeArrowheads="1" noChangeShapeType="1" noTextEdit="1"/>
+              </p:cNvSpPr>
+              <p:nvPr/>
+            </p:nvSpPr>
+            <p:spPr>
+              <a:xfrm>
+                <a:off x="7421664" y="2102744"/>
+                <a:ext cx="2523704" cy="699230"/>
+              </a:xfrm>
+              <a:prstGeom prst="rect">
+                <a:avLst/>
+              </a:prstGeom>
+              <a:blipFill>
+                <a:blip r:embed="rId3"/>
+                <a:stretch>
+                  <a:fillRect l="-9500" t="-5357" r="-2500" b="-14286"/>
+                </a:stretch>
+              </a:blipFill>
+            </p:spPr>
+            <p:txBody>
+              <a:bodyPr/>
+              <a:lstStyle/>
+              <a:p>
+                <a:r>
+                  <a:rPr lang="en-US">
+                    <a:noFill/>
+                  </a:rPr>
+                  <a:t> </a:t>
+                </a:r>
+              </a:p>
+            </p:txBody>
+          </p:sp>
+        </mc:Fallback>
+      </mc:AlternateContent>
+      <mc:AlternateContent xmlns:mc="http://schemas.openxmlformats.org/markup-compatibility/2006">
+        <mc:Choice xmlns:a14="http://schemas.microsoft.com/office/drawing/2010/main" Requires="a14">
+          <p:sp>
+            <p:nvSpPr>
+              <p:cNvPr id="7" name="TextBox 6">
+                <a:extLst>
+                  <a:ext uri="{FF2B5EF4-FFF2-40B4-BE49-F238E27FC236}">
+                    <a16:creationId xmlns:a16="http://schemas.microsoft.com/office/drawing/2014/main" id="{5CBA053D-79F0-D84E-AD81-0A4295F4271F}"/>
+                  </a:ext>
+                </a:extLst>
+              </p:cNvPr>
+              <p:cNvSpPr txBox="1"/>
+              <p:nvPr/>
+            </p:nvSpPr>
+            <p:spPr>
+              <a:xfrm>
+                <a:off x="7421664" y="3429000"/>
+                <a:ext cx="3021212" cy="699230"/>
+              </a:xfrm>
+              <a:prstGeom prst="rect">
+                <a:avLst/>
+              </a:prstGeom>
+              <a:noFill/>
+            </p:spPr>
+            <p:txBody>
+              <a:bodyPr wrap="none" lIns="0" tIns="0" rIns="0" bIns="0" rtlCol="0">
+                <a:spAutoFit/>
+              </a:bodyPr>
+              <a:lstStyle/>
+              <a:p>
+                <a:r>
+                  <a:rPr lang="en-US" sz="3200" dirty="0"/>
+                  <a:t>Precision = </a:t>
+                </a:r>
+                <a14:m>
+                  <m:oMath xmlns:m="http://schemas.openxmlformats.org/officeDocument/2006/math">
+                    <m:f>
+                      <m:fPr>
+                        <m:ctrlPr>
+                          <a:rPr lang="en-US" sz="3200" b="0" i="1" smtClean="0">
+                            <a:latin typeface="Cambria Math" panose="02040503050406030204" pitchFamily="18" charset="0"/>
+                          </a:rPr>
+                        </m:ctrlPr>
+                      </m:fPr>
+                      <m:num>
+                        <m:r>
+                          <a:rPr lang="en-US" sz="3200" b="0" i="1" smtClean="0">
+                            <a:latin typeface="Cambria Math" panose="02040503050406030204" pitchFamily="18" charset="0"/>
+                          </a:rPr>
+                          <m:t>𝑇𝑃</m:t>
+                        </m:r>
+                      </m:num>
+                      <m:den>
+                        <m:r>
+                          <a:rPr lang="en-US" sz="3200" b="0" i="1" smtClean="0">
+                            <a:latin typeface="Cambria Math" panose="02040503050406030204" pitchFamily="18" charset="0"/>
+                          </a:rPr>
+                          <m:t>𝑇𝑃</m:t>
+                        </m:r>
+                        <m:r>
+                          <a:rPr lang="en-US" sz="3200" b="0" i="1" smtClean="0">
+                            <a:latin typeface="Cambria Math" panose="02040503050406030204" pitchFamily="18" charset="0"/>
+                          </a:rPr>
+                          <m:t>+</m:t>
+                        </m:r>
+                        <m:r>
+                          <a:rPr lang="en-US" sz="3200" b="0" i="1" smtClean="0">
+                            <a:latin typeface="Cambria Math" panose="02040503050406030204" pitchFamily="18" charset="0"/>
+                          </a:rPr>
+                          <m:t>𝐹𝑃</m:t>
+                        </m:r>
+                      </m:den>
+                    </m:f>
+                  </m:oMath>
+                </a14:m>
+                <a:endParaRPr lang="en-US" sz="3200" dirty="0"/>
+              </a:p>
+            </p:txBody>
+          </p:sp>
+        </mc:Choice>
+        <mc:Fallback>
+          <p:sp>
+            <p:nvSpPr>
+              <p:cNvPr id="7" name="TextBox 6">
+                <a:extLst>
+                  <a:ext uri="{FF2B5EF4-FFF2-40B4-BE49-F238E27FC236}">
+                    <a16:creationId xmlns:a16="http://schemas.microsoft.com/office/drawing/2014/main" id="{5CBA053D-79F0-D84E-AD81-0A4295F4271F}"/>
+                  </a:ext>
+                </a:extLst>
+              </p:cNvPr>
+              <p:cNvSpPr txBox="1">
+                <a:spLocks noRot="1" noChangeAspect="1" noMove="1" noResize="1" noEditPoints="1" noAdjustHandles="1" noChangeArrowheads="1" noChangeShapeType="1" noTextEdit="1"/>
+              </p:cNvSpPr>
+              <p:nvPr/>
+            </p:nvSpPr>
+            <p:spPr>
+              <a:xfrm>
+                <a:off x="7421664" y="3429000"/>
+                <a:ext cx="3021212" cy="699230"/>
+              </a:xfrm>
+              <a:prstGeom prst="rect">
+                <a:avLst/>
+              </a:prstGeom>
+              <a:blipFill>
+                <a:blip r:embed="rId4"/>
+                <a:stretch>
+                  <a:fillRect l="-7950" t="-3571" r="-2092" b="-16071"/>
+                </a:stretch>
+              </a:blipFill>
+            </p:spPr>
+            <p:txBody>
+              <a:bodyPr/>
+              <a:lstStyle/>
+              <a:p>
+                <a:r>
+                  <a:rPr lang="en-US">
+                    <a:noFill/>
+                  </a:rPr>
+                  <a:t> </a:t>
+                </a:r>
+              </a:p>
+            </p:txBody>
+          </p:sp>
+        </mc:Fallback>
+      </mc:AlternateContent>
+      <mc:AlternateContent xmlns:mc="http://schemas.openxmlformats.org/markup-compatibility/2006">
+        <mc:Choice xmlns:a14="http://schemas.microsoft.com/office/drawing/2010/main" Requires="a14">
+          <p:sp>
+            <p:nvSpPr>
+              <p:cNvPr id="8" name="TextBox 7">
+                <a:extLst>
+                  <a:ext uri="{FF2B5EF4-FFF2-40B4-BE49-F238E27FC236}">
+                    <a16:creationId xmlns:a16="http://schemas.microsoft.com/office/drawing/2014/main" id="{D7AE7BDB-5A39-7E43-876B-4BF043C87E31}"/>
+                  </a:ext>
+                </a:extLst>
+              </p:cNvPr>
+              <p:cNvSpPr txBox="1"/>
+              <p:nvPr/>
+            </p:nvSpPr>
+            <p:spPr>
+              <a:xfrm>
+                <a:off x="7421664" y="4755256"/>
+                <a:ext cx="4243469" cy="699230"/>
+              </a:xfrm>
+              <a:prstGeom prst="rect">
+                <a:avLst/>
+              </a:prstGeom>
+              <a:noFill/>
+            </p:spPr>
+            <p:txBody>
+              <a:bodyPr wrap="none" lIns="0" tIns="0" rIns="0" bIns="0" rtlCol="0">
+                <a:spAutoFit/>
+              </a:bodyPr>
+              <a:lstStyle/>
+              <a:p>
+                <a:r>
+                  <a:rPr lang="en-US" sz="3200" dirty="0"/>
+                  <a:t>Accuracy = </a:t>
+                </a:r>
+                <a14:m>
+                  <m:oMath xmlns:m="http://schemas.openxmlformats.org/officeDocument/2006/math">
+                    <m:f>
+                      <m:fPr>
+                        <m:ctrlPr>
+                          <a:rPr lang="en-US" sz="3200" b="0" i="1" smtClean="0">
+                            <a:latin typeface="Cambria Math" panose="02040503050406030204" pitchFamily="18" charset="0"/>
+                          </a:rPr>
+                        </m:ctrlPr>
+                      </m:fPr>
+                      <m:num>
+                        <m:r>
+                          <a:rPr lang="en-US" sz="3200" b="0" i="1" smtClean="0">
+                            <a:latin typeface="Cambria Math" panose="02040503050406030204" pitchFamily="18" charset="0"/>
+                          </a:rPr>
+                          <m:t>𝑇𝑃</m:t>
+                        </m:r>
+                        <m:r>
+                          <a:rPr lang="en-US" sz="3200" b="0" i="1" smtClean="0">
+                            <a:latin typeface="Cambria Math" panose="02040503050406030204" pitchFamily="18" charset="0"/>
+                          </a:rPr>
+                          <m:t>+</m:t>
+                        </m:r>
+                        <m:r>
+                          <a:rPr lang="en-US" sz="3200" b="0" i="1" smtClean="0">
+                            <a:latin typeface="Cambria Math" panose="02040503050406030204" pitchFamily="18" charset="0"/>
+                          </a:rPr>
+                          <m:t>𝑇𝑁</m:t>
+                        </m:r>
+                      </m:num>
+                      <m:den>
+                        <m:r>
+                          <a:rPr lang="en-US" sz="3200" b="0" i="1" smtClean="0">
+                            <a:latin typeface="Cambria Math" panose="02040503050406030204" pitchFamily="18" charset="0"/>
+                          </a:rPr>
+                          <m:t>𝑇𝑁</m:t>
+                        </m:r>
+                        <m:r>
+                          <a:rPr lang="en-US" sz="3200" b="0" i="1" smtClean="0">
+                            <a:latin typeface="Cambria Math" panose="02040503050406030204" pitchFamily="18" charset="0"/>
+                          </a:rPr>
+                          <m:t>+</m:t>
+                        </m:r>
+                        <m:r>
+                          <a:rPr lang="en-US" sz="3200" b="0" i="1" smtClean="0">
+                            <a:latin typeface="Cambria Math" panose="02040503050406030204" pitchFamily="18" charset="0"/>
+                          </a:rPr>
+                          <m:t>𝑇𝑃</m:t>
+                        </m:r>
+                        <m:r>
+                          <a:rPr lang="en-US" sz="3200" b="0" i="1" smtClean="0">
+                            <a:latin typeface="Cambria Math" panose="02040503050406030204" pitchFamily="18" charset="0"/>
+                          </a:rPr>
+                          <m:t>+</m:t>
+                        </m:r>
+                        <m:r>
+                          <a:rPr lang="en-US" sz="3200" b="0" i="1" smtClean="0">
+                            <a:latin typeface="Cambria Math" panose="02040503050406030204" pitchFamily="18" charset="0"/>
+                          </a:rPr>
+                          <m:t>𝐹𝑃</m:t>
+                        </m:r>
+                        <m:r>
+                          <a:rPr lang="en-US" sz="3200" b="0" i="1" smtClean="0">
+                            <a:latin typeface="Cambria Math" panose="02040503050406030204" pitchFamily="18" charset="0"/>
+                          </a:rPr>
+                          <m:t>+</m:t>
+                        </m:r>
+                        <m:r>
+                          <a:rPr lang="en-US" sz="3200" b="0" i="1" smtClean="0">
+                            <a:latin typeface="Cambria Math" panose="02040503050406030204" pitchFamily="18" charset="0"/>
+                          </a:rPr>
+                          <m:t>𝐹𝑁</m:t>
+                        </m:r>
+                      </m:den>
+                    </m:f>
+                  </m:oMath>
+                </a14:m>
+                <a:endParaRPr lang="en-US" sz="3200" dirty="0"/>
+              </a:p>
+            </p:txBody>
+          </p:sp>
+        </mc:Choice>
+        <mc:Fallback>
+          <p:sp>
+            <p:nvSpPr>
+              <p:cNvPr id="8" name="TextBox 7">
+                <a:extLst>
+                  <a:ext uri="{FF2B5EF4-FFF2-40B4-BE49-F238E27FC236}">
+                    <a16:creationId xmlns:a16="http://schemas.microsoft.com/office/drawing/2014/main" id="{D7AE7BDB-5A39-7E43-876B-4BF043C87E31}"/>
+                  </a:ext>
+                </a:extLst>
+              </p:cNvPr>
+              <p:cNvSpPr txBox="1">
+                <a:spLocks noRot="1" noChangeAspect="1" noMove="1" noResize="1" noEditPoints="1" noAdjustHandles="1" noChangeArrowheads="1" noChangeShapeType="1" noTextEdit="1"/>
+              </p:cNvSpPr>
+              <p:nvPr/>
+            </p:nvSpPr>
+            <p:spPr>
+              <a:xfrm>
+                <a:off x="7421664" y="4755256"/>
+                <a:ext cx="4243469" cy="699230"/>
+              </a:xfrm>
+              <a:prstGeom prst="rect">
+                <a:avLst/>
+              </a:prstGeom>
+              <a:blipFill>
+                <a:blip r:embed="rId5"/>
+                <a:stretch>
+                  <a:fillRect l="-5655" t="-3571" r="-893" b="-16071"/>
+                </a:stretch>
+              </a:blipFill>
+            </p:spPr>
+            <p:txBody>
+              <a:bodyPr/>
+              <a:lstStyle/>
+              <a:p>
+                <a:r>
+                  <a:rPr lang="en-US">
+                    <a:noFill/>
+                  </a:rPr>
+                  <a:t> </a:t>
+                </a:r>
+              </a:p>
+            </p:txBody>
+          </p:sp>
+        </mc:Fallback>
+      </mc:AlternateContent>
+    </p:spTree>
+    <p:extLst>
+      <p:ext uri="{BB962C8B-B14F-4D97-AF65-F5344CB8AC3E}">
+        <p14:creationId xmlns:p14="http://schemas.microsoft.com/office/powerpoint/2010/main" val="3359191798"/>
+      </p:ext>
+    </p:extLst>
+  </p:cSld>
+  <p:clrMapOvr>
+    <a:masterClrMapping/>
+  </p:clrMapOvr>
+</p:sld>
+</file>
+
+<file path=ppt/slides/slide17.xml><?xml version="1.0" encoding="utf-8"?>
+<p:sld xmlns:a="http://schemas.openxmlformats.org/drawingml/2006/main" xmlns:r="http://schemas.openxmlformats.org/officeDocument/2006/relationships" xmlns:p="http://schemas.openxmlformats.org/presentationml/2006/main">
+  <p:cSld>
+    <p:spTree>
+      <p:nvGrpSpPr>
+        <p:cNvPr id="1" name=""/>
+        <p:cNvGrpSpPr/>
+        <p:nvPr/>
+      </p:nvGrpSpPr>
+      <p:grpSpPr>
+        <a:xfrm>
+          <a:off x="0" y="0"/>
+          <a:ext cx="0" cy="0"/>
+          <a:chOff x="0" y="0"/>
+          <a:chExt cx="0" cy="0"/>
+        </a:xfrm>
+      </p:grpSpPr>
       <p:pic>
         <p:nvPicPr>
           <p:cNvPr id="4" name="Picture 3" descr="A person standing in front of a flower&#10;&#10;Description automatically generated">
@@ -11003,840 +12711,6 @@
     <p:extLst>
       <p:ext uri="{BB962C8B-B14F-4D97-AF65-F5344CB8AC3E}">
         <p14:creationId xmlns:p14="http://schemas.microsoft.com/office/powerpoint/2010/main" val="315136372"/>
-      </p:ext>
-    </p:extLst>
-  </p:cSld>
-  <p:clrMapOvr>
-    <a:masterClrMapping/>
-  </p:clrMapOvr>
-</p:sld>
-</file>
-
-<file path=ppt/slides/slide16.xml><?xml version="1.0" encoding="utf-8"?>
-<p:sld xmlns:a="http://schemas.openxmlformats.org/drawingml/2006/main" xmlns:r="http://schemas.openxmlformats.org/officeDocument/2006/relationships" xmlns:p="http://schemas.openxmlformats.org/presentationml/2006/main">
-  <p:cSld>
-    <p:bg>
-      <p:bgPr>
-        <a:solidFill>
-          <a:schemeClr val="bg1"/>
-        </a:solidFill>
-        <a:effectLst/>
-      </p:bgPr>
-    </p:bg>
-    <p:spTree>
-      <p:nvGrpSpPr>
-        <p:cNvPr id="1" name=""/>
-        <p:cNvGrpSpPr/>
-        <p:nvPr/>
-      </p:nvGrpSpPr>
-      <p:grpSpPr>
-        <a:xfrm>
-          <a:off x="0" y="0"/>
-          <a:ext cx="0" cy="0"/>
-          <a:chOff x="0" y="0"/>
-          <a:chExt cx="0" cy="0"/>
-        </a:xfrm>
-      </p:grpSpPr>
-      <p:sp>
-        <p:nvSpPr>
-          <p:cNvPr id="32" name="Rectangle 31">
-            <a:extLst>
-              <a:ext uri="{FF2B5EF4-FFF2-40B4-BE49-F238E27FC236}">
-                <a16:creationId xmlns:a16="http://schemas.microsoft.com/office/drawing/2014/main" id="{282E2A95-1A08-4118-83C6-B1CA5648E075}"/>
-              </a:ext>
-              <a:ext uri="{C183D7F6-B498-43B3-948B-1728B52AA6E4}">
-                <adec:decorative xmlns:adec="http://schemas.microsoft.com/office/drawing/2017/decorative" val="1"/>
-              </a:ext>
-            </a:extLst>
-          </p:cNvPr>
-          <p:cNvSpPr>
-            <a:spLocks noGrp="1" noRot="1" noChangeAspect="1" noMove="1" noResize="1" noEditPoints="1" noAdjustHandles="1" noChangeArrowheads="1" noChangeShapeType="1" noTextEdit="1"/>
-          </p:cNvSpPr>
-          <p:nvPr>
-            <p:extLst>
-              <p:ext uri="{386F3935-93C4-4BCD-93E2-E3B085C9AB24}">
-                <p16:designElem xmlns:p16="http://schemas.microsoft.com/office/powerpoint/2015/main" val="1"/>
-              </p:ext>
-            </p:extLst>
-          </p:nvPr>
-        </p:nvSpPr>
-        <p:spPr>
-          <a:xfrm>
-            <a:off x="0" y="0"/>
-            <a:ext cx="12192000" cy="6858000"/>
-          </a:xfrm>
-          <a:prstGeom prst="rect">
-            <a:avLst/>
-          </a:prstGeom>
-          <a:ln>
-            <a:noFill/>
-          </a:ln>
-        </p:spPr>
-        <p:style>
-          <a:lnRef idx="2">
-            <a:schemeClr val="accent1">
-              <a:shade val="50000"/>
-            </a:schemeClr>
-          </a:lnRef>
-          <a:fillRef idx="1001">
-            <a:schemeClr val="lt1"/>
-          </a:fillRef>
-          <a:effectRef idx="0">
-            <a:schemeClr val="accent1"/>
-          </a:effectRef>
-          <a:fontRef idx="minor">
-            <a:schemeClr val="lt1"/>
-          </a:fontRef>
-        </p:style>
-        <p:txBody>
-          <a:bodyPr rtlCol="0" anchor="ctr"/>
-          <a:lstStyle/>
-          <a:p>
-            <a:pPr algn="ctr"/>
-            <a:endParaRPr lang="en-US"/>
-          </a:p>
-        </p:txBody>
-      </p:sp>
-      <p:sp>
-        <p:nvSpPr>
-          <p:cNvPr id="34" name="Rectangle 33">
-            <a:extLst>
-              <a:ext uri="{FF2B5EF4-FFF2-40B4-BE49-F238E27FC236}">
-                <a16:creationId xmlns:a16="http://schemas.microsoft.com/office/drawing/2014/main" id="{2FFEFC7E-85EE-4AC9-A351-FBEB13A1D622}"/>
-              </a:ext>
-              <a:ext uri="{C183D7F6-B498-43B3-948B-1728B52AA6E4}">
-                <adec:decorative xmlns:adec="http://schemas.microsoft.com/office/drawing/2017/decorative" val="1"/>
-              </a:ext>
-            </a:extLst>
-          </p:cNvPr>
-          <p:cNvSpPr>
-            <a:spLocks noGrp="1" noRot="1" noChangeAspect="1" noMove="1" noResize="1" noEditPoints="1" noAdjustHandles="1" noChangeArrowheads="1" noChangeShapeType="1" noTextEdit="1"/>
-          </p:cNvSpPr>
-          <p:nvPr>
-            <p:extLst>
-              <p:ext uri="{386F3935-93C4-4BCD-93E2-E3B085C9AB24}">
-                <p16:designElem xmlns:p16="http://schemas.microsoft.com/office/powerpoint/2015/main" val="1"/>
-              </p:ext>
-            </p:extLst>
-          </p:nvPr>
-        </p:nvSpPr>
-        <p:spPr>
-          <a:xfrm>
-            <a:off x="245534" y="237744"/>
-            <a:ext cx="2926080" cy="6382512"/>
-          </a:xfrm>
-          <a:prstGeom prst="rect">
-            <a:avLst/>
-          </a:prstGeom>
-          <a:solidFill>
-            <a:schemeClr val="bg1">
-              <a:lumMod val="75000"/>
-              <a:lumOff val="25000"/>
-            </a:schemeClr>
-          </a:solidFill>
-          <a:ln>
-            <a:noFill/>
-          </a:ln>
-        </p:spPr>
-        <p:style>
-          <a:lnRef idx="2">
-            <a:schemeClr val="accent1">
-              <a:shade val="50000"/>
-            </a:schemeClr>
-          </a:lnRef>
-          <a:fillRef idx="1">
-            <a:schemeClr val="accent1"/>
-          </a:fillRef>
-          <a:effectRef idx="0">
-            <a:schemeClr val="accent1"/>
-          </a:effectRef>
-          <a:fontRef idx="minor">
-            <a:schemeClr val="lt1"/>
-          </a:fontRef>
-        </p:style>
-      </p:sp>
-      <p:sp>
-        <p:nvSpPr>
-          <p:cNvPr id="36" name="Rectangle 35">
-            <a:extLst>
-              <a:ext uri="{FF2B5EF4-FFF2-40B4-BE49-F238E27FC236}">
-                <a16:creationId xmlns:a16="http://schemas.microsoft.com/office/drawing/2014/main" id="{CB2511BB-FC4C-45F3-94EB-661D6806C942}"/>
-              </a:ext>
-              <a:ext uri="{C183D7F6-B498-43B3-948B-1728B52AA6E4}">
-                <adec:decorative xmlns:adec="http://schemas.microsoft.com/office/drawing/2017/decorative" val="1"/>
-              </a:ext>
-            </a:extLst>
-          </p:cNvPr>
-          <p:cNvSpPr>
-            <a:spLocks noGrp="1" noRot="1" noChangeAspect="1" noMove="1" noResize="1" noEditPoints="1" noAdjustHandles="1" noChangeArrowheads="1" noChangeShapeType="1" noTextEdit="1"/>
-          </p:cNvSpPr>
-          <p:nvPr>
-            <p:extLst>
-              <p:ext uri="{386F3935-93C4-4BCD-93E2-E3B085C9AB24}">
-                <p16:designElem xmlns:p16="http://schemas.microsoft.com/office/powerpoint/2015/main" val="1"/>
-              </p:ext>
-            </p:extLst>
-          </p:nvPr>
-        </p:nvSpPr>
-        <p:spPr>
-          <a:xfrm>
-            <a:off x="419100" y="413053"/>
-            <a:ext cx="2616201" cy="6064596"/>
-          </a:xfrm>
-          <a:prstGeom prst="rect">
-            <a:avLst/>
-          </a:prstGeom>
-          <a:noFill/>
-          <a:ln w="6350">
-            <a:solidFill>
-              <a:schemeClr val="tx1">
-                <a:lumMod val="75000"/>
-                <a:lumOff val="25000"/>
-              </a:schemeClr>
-            </a:solidFill>
-          </a:ln>
-        </p:spPr>
-        <p:style>
-          <a:lnRef idx="2">
-            <a:schemeClr val="accent1">
-              <a:shade val="50000"/>
-            </a:schemeClr>
-          </a:lnRef>
-          <a:fillRef idx="1">
-            <a:schemeClr val="accent1"/>
-          </a:fillRef>
-          <a:effectRef idx="0">
-            <a:schemeClr val="accent1"/>
-          </a:effectRef>
-          <a:fontRef idx="minor">
-            <a:schemeClr val="lt1"/>
-          </a:fontRef>
-        </p:style>
-        <p:txBody>
-          <a:bodyPr rtlCol="0" anchor="ctr"/>
-          <a:lstStyle/>
-          <a:p>
-            <a:pPr algn="ctr"/>
-            <a:endParaRPr lang="en-US"/>
-          </a:p>
-        </p:txBody>
-      </p:sp>
-      <p:sp>
-        <p:nvSpPr>
-          <p:cNvPr id="2" name="Title 1">
-            <a:extLst>
-              <a:ext uri="{FF2B5EF4-FFF2-40B4-BE49-F238E27FC236}">
-                <a16:creationId xmlns:a16="http://schemas.microsoft.com/office/drawing/2014/main" id="{1C2CE2A7-5866-D546-A548-7FF7C474739F}"/>
-              </a:ext>
-            </a:extLst>
-          </p:cNvPr>
-          <p:cNvSpPr>
-            <a:spLocks noGrp="1"/>
-          </p:cNvSpPr>
-          <p:nvPr>
-            <p:ph type="title"/>
-          </p:nvPr>
-        </p:nvSpPr>
-        <p:spPr>
-          <a:xfrm>
-            <a:off x="557720" y="612843"/>
-            <a:ext cx="2312480" cy="1499738"/>
-          </a:xfrm>
-        </p:spPr>
-        <p:txBody>
-          <a:bodyPr anchor="b">
-            <a:normAutofit/>
-          </a:bodyPr>
-          <a:lstStyle/>
-          <a:p>
-            <a:r>
-              <a:rPr lang="en-US" sz="2400" b="0" dirty="0"/>
-              <a:t>Building the server and Routes </a:t>
-            </a:r>
-            <a:br>
-              <a:rPr lang="en-US" sz="2400" b="0" dirty="0"/>
-            </a:br>
-            <a:endParaRPr lang="en-US" sz="2400" dirty="0"/>
-          </a:p>
-        </p:txBody>
-      </p:sp>
-      <p:sp>
-        <p:nvSpPr>
-          <p:cNvPr id="3" name="Content Placeholder 2">
-            <a:extLst>
-              <a:ext uri="{FF2B5EF4-FFF2-40B4-BE49-F238E27FC236}">
-                <a16:creationId xmlns:a16="http://schemas.microsoft.com/office/drawing/2014/main" id="{C62288B3-17FA-BC44-9433-51EE71818869}"/>
-              </a:ext>
-            </a:extLst>
-          </p:cNvPr>
-          <p:cNvSpPr>
-            <a:spLocks noGrp="1"/>
-          </p:cNvSpPr>
-          <p:nvPr>
-            <p:ph idx="1"/>
-          </p:nvPr>
-        </p:nvSpPr>
-        <p:spPr>
-          <a:xfrm>
-            <a:off x="557720" y="2149813"/>
-            <a:ext cx="2312479" cy="3854197"/>
-          </a:xfrm>
-        </p:spPr>
-        <p:txBody>
-          <a:bodyPr>
-            <a:normAutofit/>
-          </a:bodyPr>
-          <a:lstStyle/>
-          <a:p>
-            <a:r>
-              <a:rPr lang="en-US" sz="1400" dirty="0">
-                <a:solidFill>
-                  <a:schemeClr val="tx1">
-                    <a:lumMod val="85000"/>
-                    <a:lumOff val="15000"/>
-                  </a:schemeClr>
-                </a:solidFill>
-              </a:rPr>
-              <a:t>To Deploy our models for predictions we are using Python Flask that interact with ORM </a:t>
-            </a:r>
-            <a:r>
-              <a:rPr lang="en-US" sz="1400" dirty="0" err="1">
-                <a:solidFill>
-                  <a:schemeClr val="tx1">
-                    <a:lumMod val="85000"/>
-                    <a:lumOff val="15000"/>
-                  </a:schemeClr>
-                </a:solidFill>
-              </a:rPr>
-              <a:t>SQLAlchemy</a:t>
-            </a:r>
-            <a:r>
-              <a:rPr lang="en-US" sz="1400" dirty="0">
-                <a:solidFill>
-                  <a:schemeClr val="tx1">
-                    <a:lumMod val="85000"/>
-                    <a:lumOff val="15000"/>
-                  </a:schemeClr>
-                </a:solidFill>
-              </a:rPr>
-              <a:t> classes and flask-marshmallow /marshmallow-</a:t>
-            </a:r>
-            <a:r>
-              <a:rPr lang="en-US" sz="1400" dirty="0" err="1">
-                <a:solidFill>
-                  <a:schemeClr val="tx1">
-                    <a:lumMod val="85000"/>
-                    <a:lumOff val="15000"/>
-                  </a:schemeClr>
-                </a:solidFill>
-              </a:rPr>
-              <a:t>sqlalchemy</a:t>
-            </a:r>
-            <a:r>
-              <a:rPr lang="en-US" sz="1400" dirty="0">
-                <a:solidFill>
-                  <a:schemeClr val="tx1">
-                    <a:lumMod val="85000"/>
-                    <a:lumOff val="15000"/>
-                  </a:schemeClr>
-                </a:solidFill>
-              </a:rPr>
-              <a:t> for serializing and deserializing the data, render the html page that contains our Model related details. Our database is SQLite which we use to store user entered form data using Post Rest APIs</a:t>
-            </a:r>
-          </a:p>
-        </p:txBody>
-      </p:sp>
-      <p:sp>
-        <p:nvSpPr>
-          <p:cNvPr id="38" name="Rectangle 37">
-            <a:extLst>
-              <a:ext uri="{FF2B5EF4-FFF2-40B4-BE49-F238E27FC236}">
-                <a16:creationId xmlns:a16="http://schemas.microsoft.com/office/drawing/2014/main" id="{68DC0EC7-60EA-4BD3-BC04-D547DE1B2891}"/>
-              </a:ext>
-              <a:ext uri="{C183D7F6-B498-43B3-948B-1728B52AA6E4}">
-                <adec:decorative xmlns:adec="http://schemas.microsoft.com/office/drawing/2017/decorative" val="1"/>
-              </a:ext>
-            </a:extLst>
-          </p:cNvPr>
-          <p:cNvSpPr>
-            <a:spLocks noGrp="1" noRot="1" noChangeAspect="1" noMove="1" noResize="1" noEditPoints="1" noAdjustHandles="1" noChangeArrowheads="1" noChangeShapeType="1" noTextEdit="1"/>
-          </p:cNvSpPr>
-          <p:nvPr>
-            <p:extLst>
-              <p:ext uri="{386F3935-93C4-4BCD-93E2-E3B085C9AB24}">
-                <p16:designElem xmlns:p16="http://schemas.microsoft.com/office/powerpoint/2015/main" val="1"/>
-              </p:ext>
-            </p:extLst>
-          </p:nvPr>
-        </p:nvSpPr>
-        <p:spPr>
-          <a:xfrm>
-            <a:off x="3569764" y="413053"/>
-            <a:ext cx="8212114" cy="6064596"/>
-          </a:xfrm>
-          <a:prstGeom prst="rect">
-            <a:avLst/>
-          </a:prstGeom>
-          <a:noFill/>
-          <a:ln w="6350" cap="sq" cmpd="sng" algn="ctr">
-            <a:solidFill>
-              <a:srgbClr val="404040"/>
-            </a:solidFill>
-            <a:prstDash val="solid"/>
-            <a:miter lim="800000"/>
-          </a:ln>
-          <a:effectLst/>
-        </p:spPr>
-      </p:sp>
-      <p:pic>
-        <p:nvPicPr>
-          <p:cNvPr id="6" name="Picture 5" descr="A screenshot of text&#10;&#10;Description automatically generated">
-            <a:extLst>
-              <a:ext uri="{FF2B5EF4-FFF2-40B4-BE49-F238E27FC236}">
-                <a16:creationId xmlns:a16="http://schemas.microsoft.com/office/drawing/2014/main" id="{F451F115-D82A-2D44-905F-39D8669FE764}"/>
-              </a:ext>
-            </a:extLst>
-          </p:cNvPr>
-          <p:cNvPicPr>
-            <a:picLocks noChangeAspect="1"/>
-          </p:cNvPicPr>
-          <p:nvPr/>
-        </p:nvPicPr>
-        <p:blipFill>
-          <a:blip r:embed="rId2"/>
-          <a:stretch>
-            <a:fillRect/>
-          </a:stretch>
-        </p:blipFill>
-        <p:spPr>
-          <a:xfrm>
-            <a:off x="5120359" y="882398"/>
-            <a:ext cx="5096003" cy="5121612"/>
-          </a:xfrm>
-          <a:prstGeom prst="rect">
-            <a:avLst/>
-          </a:prstGeom>
-        </p:spPr>
-      </p:pic>
-      <p:pic>
-        <p:nvPicPr>
-          <p:cNvPr id="14" name="Picture 13" descr="A screenshot of text&#10;&#10;Description automatically generated">
-            <a:extLst>
-              <a:ext uri="{FF2B5EF4-FFF2-40B4-BE49-F238E27FC236}">
-                <a16:creationId xmlns:a16="http://schemas.microsoft.com/office/drawing/2014/main" id="{84D0A20F-1775-7440-9C8D-54887A791AFF}"/>
-              </a:ext>
-            </a:extLst>
-          </p:cNvPr>
-          <p:cNvPicPr>
-            <a:picLocks noChangeAspect="1"/>
-          </p:cNvPicPr>
-          <p:nvPr/>
-        </p:nvPicPr>
-        <p:blipFill>
-          <a:blip r:embed="rId2"/>
-          <a:stretch>
-            <a:fillRect/>
-          </a:stretch>
-        </p:blipFill>
-        <p:spPr>
-          <a:xfrm>
-            <a:off x="5272759" y="1034798"/>
-            <a:ext cx="5096003" cy="5121612"/>
-          </a:xfrm>
-          <a:prstGeom prst="rect">
-            <a:avLst/>
-          </a:prstGeom>
-        </p:spPr>
-      </p:pic>
-    </p:spTree>
-    <p:extLst>
-      <p:ext uri="{BB962C8B-B14F-4D97-AF65-F5344CB8AC3E}">
-        <p14:creationId xmlns:p14="http://schemas.microsoft.com/office/powerpoint/2010/main" val="2694775439"/>
-      </p:ext>
-    </p:extLst>
-  </p:cSld>
-  <p:clrMapOvr>
-    <a:overrideClrMapping bg1="dk1" tx1="lt1" bg2="dk2" tx2="lt2" accent1="accent1" accent2="accent2" accent3="accent3" accent4="accent4" accent5="accent5" accent6="accent6" hlink="hlink" folHlink="folHlink"/>
-  </p:clrMapOvr>
-</p:sld>
-</file>
-
-<file path=ppt/slides/slide17.xml><?xml version="1.0" encoding="utf-8"?>
-<p:sld xmlns:a="http://schemas.openxmlformats.org/drawingml/2006/main" xmlns:r="http://schemas.openxmlformats.org/officeDocument/2006/relationships" xmlns:p="http://schemas.openxmlformats.org/presentationml/2006/main">
-  <p:cSld>
-    <p:bg>
-      <p:bgPr>
-        <a:solidFill>
-          <a:schemeClr val="bg1"/>
-        </a:solidFill>
-        <a:effectLst/>
-      </p:bgPr>
-    </p:bg>
-    <p:spTree>
-      <p:nvGrpSpPr>
-        <p:cNvPr id="1" name=""/>
-        <p:cNvGrpSpPr/>
-        <p:nvPr/>
-      </p:nvGrpSpPr>
-      <p:grpSpPr>
-        <a:xfrm>
-          <a:off x="0" y="0"/>
-          <a:ext cx="0" cy="0"/>
-          <a:chOff x="0" y="0"/>
-          <a:chExt cx="0" cy="0"/>
-        </a:xfrm>
-      </p:grpSpPr>
-      <p:sp useBgFill="1">
-        <p:nvSpPr>
-          <p:cNvPr id="32" name="Rectangle 25">
-            <a:extLst>
-              <a:ext uri="{FF2B5EF4-FFF2-40B4-BE49-F238E27FC236}">
-                <a16:creationId xmlns:a16="http://schemas.microsoft.com/office/drawing/2014/main" id="{78632963-757B-40C2-BB84-FC6107A54DAD}"/>
-              </a:ext>
-              <a:ext uri="{C183D7F6-B498-43B3-948B-1728B52AA6E4}">
-                <adec:decorative xmlns:adec="http://schemas.microsoft.com/office/drawing/2017/decorative" val="1"/>
-              </a:ext>
-            </a:extLst>
-          </p:cNvPr>
-          <p:cNvSpPr>
-            <a:spLocks noGrp="1" noRot="1" noChangeAspect="1" noMove="1" noResize="1" noEditPoints="1" noAdjustHandles="1" noChangeArrowheads="1" noChangeShapeType="1" noTextEdit="1"/>
-          </p:cNvSpPr>
-          <p:nvPr>
-            <p:extLst>
-              <p:ext uri="{386F3935-93C4-4BCD-93E2-E3B085C9AB24}">
-                <p16:designElem xmlns:p16="http://schemas.microsoft.com/office/powerpoint/2015/main" val="1"/>
-              </p:ext>
-            </p:extLst>
-          </p:nvPr>
-        </p:nvSpPr>
-        <p:spPr>
-          <a:xfrm>
-            <a:off x="-1866" y="0"/>
-            <a:ext cx="12193866" cy="6858000"/>
-          </a:xfrm>
-          <a:prstGeom prst="rect">
-            <a:avLst/>
-          </a:prstGeom>
-          <a:ln>
-            <a:noFill/>
-          </a:ln>
-        </p:spPr>
-        <p:style>
-          <a:lnRef idx="2">
-            <a:schemeClr val="accent1">
-              <a:shade val="50000"/>
-            </a:schemeClr>
-          </a:lnRef>
-          <a:fillRef idx="1">
-            <a:schemeClr val="accent1"/>
-          </a:fillRef>
-          <a:effectRef idx="0">
-            <a:schemeClr val="accent1"/>
-          </a:effectRef>
-          <a:fontRef idx="minor">
-            <a:schemeClr val="lt1"/>
-          </a:fontRef>
-        </p:style>
-        <p:txBody>
-          <a:bodyPr rtlCol="0" anchor="ctr"/>
-          <a:lstStyle/>
-          <a:p>
-            <a:pPr algn="ctr"/>
-            <a:endParaRPr lang="en-US" dirty="0"/>
-          </a:p>
-        </p:txBody>
-      </p:sp>
-      <p:sp>
-        <p:nvSpPr>
-          <p:cNvPr id="33" name="Rectangle 27">
-            <a:extLst>
-              <a:ext uri="{FF2B5EF4-FFF2-40B4-BE49-F238E27FC236}">
-                <a16:creationId xmlns:a16="http://schemas.microsoft.com/office/drawing/2014/main" id="{2853AE55-7E35-44B0-89F1-3F52B262AF33}"/>
-              </a:ext>
-              <a:ext uri="{C183D7F6-B498-43B3-948B-1728B52AA6E4}">
-                <adec:decorative xmlns:adec="http://schemas.microsoft.com/office/drawing/2017/decorative" val="1"/>
-              </a:ext>
-            </a:extLst>
-          </p:cNvPr>
-          <p:cNvSpPr>
-            <a:spLocks noGrp="1" noRot="1" noChangeAspect="1" noMove="1" noResize="1" noEditPoints="1" noAdjustHandles="1" noChangeArrowheads="1" noChangeShapeType="1" noTextEdit="1"/>
-          </p:cNvSpPr>
-          <p:nvPr>
-            <p:extLst>
-              <p:ext uri="{386F3935-93C4-4BCD-93E2-E3B085C9AB24}">
-                <p16:designElem xmlns:p16="http://schemas.microsoft.com/office/powerpoint/2015/main" val="1"/>
-              </p:ext>
-            </p:extLst>
-          </p:nvPr>
-        </p:nvSpPr>
-        <p:spPr>
-          <a:xfrm>
-            <a:off x="6339709" y="253548"/>
-            <a:ext cx="5612193" cy="6361598"/>
-          </a:xfrm>
-          <a:prstGeom prst="rect">
-            <a:avLst/>
-          </a:prstGeom>
-          <a:solidFill>
-            <a:schemeClr val="bg1">
-              <a:lumMod val="75000"/>
-              <a:alpha val="60000"/>
-            </a:schemeClr>
-          </a:solidFill>
-          <a:ln>
-            <a:noFill/>
-          </a:ln>
-        </p:spPr>
-        <p:style>
-          <a:lnRef idx="2">
-            <a:schemeClr val="accent1">
-              <a:shade val="50000"/>
-            </a:schemeClr>
-          </a:lnRef>
-          <a:fillRef idx="1">
-            <a:schemeClr val="accent1"/>
-          </a:fillRef>
-          <a:effectRef idx="0">
-            <a:schemeClr val="accent1"/>
-          </a:effectRef>
-          <a:fontRef idx="minor">
-            <a:schemeClr val="lt1"/>
-          </a:fontRef>
-        </p:style>
-        <p:txBody>
-          <a:bodyPr rtlCol="0" anchor="ctr"/>
-          <a:lstStyle/>
-          <a:p>
-            <a:pPr algn="ctr"/>
-            <a:endParaRPr lang="en-US"/>
-          </a:p>
-        </p:txBody>
-      </p:sp>
-      <p:sp>
-        <p:nvSpPr>
-          <p:cNvPr id="34" name="Rectangle 29">
-            <a:extLst>
-              <a:ext uri="{FF2B5EF4-FFF2-40B4-BE49-F238E27FC236}">
-                <a16:creationId xmlns:a16="http://schemas.microsoft.com/office/drawing/2014/main" id="{DBC4BE4D-4B50-4F51-9F85-4B5D60B02D81}"/>
-              </a:ext>
-              <a:ext uri="{C183D7F6-B498-43B3-948B-1728B52AA6E4}">
-                <adec:decorative xmlns:adec="http://schemas.microsoft.com/office/drawing/2017/decorative" val="1"/>
-              </a:ext>
-            </a:extLst>
-          </p:cNvPr>
-          <p:cNvSpPr>
-            <a:spLocks noGrp="1" noRot="1" noChangeAspect="1" noMove="1" noResize="1" noEditPoints="1" noAdjustHandles="1" noChangeArrowheads="1" noChangeShapeType="1" noTextEdit="1"/>
-          </p:cNvSpPr>
-          <p:nvPr>
-            <p:extLst>
-              <p:ext uri="{386F3935-93C4-4BCD-93E2-E3B085C9AB24}">
-                <p16:designElem xmlns:p16="http://schemas.microsoft.com/office/powerpoint/2015/main" val="1"/>
-              </p:ext>
-            </p:extLst>
-          </p:nvPr>
-        </p:nvSpPr>
-        <p:spPr>
-          <a:xfrm>
-            <a:off x="6487542" y="407588"/>
-            <a:ext cx="5299768" cy="6022878"/>
-          </a:xfrm>
-          <a:prstGeom prst="rect">
-            <a:avLst/>
-          </a:prstGeom>
-          <a:noFill/>
-          <a:ln w="6350">
-            <a:solidFill>
-              <a:schemeClr val="tx1">
-                <a:lumMod val="75000"/>
-                <a:lumOff val="25000"/>
-              </a:schemeClr>
-            </a:solidFill>
-          </a:ln>
-        </p:spPr>
-        <p:style>
-          <a:lnRef idx="2">
-            <a:schemeClr val="accent1">
-              <a:shade val="50000"/>
-            </a:schemeClr>
-          </a:lnRef>
-          <a:fillRef idx="1">
-            <a:schemeClr val="accent1"/>
-          </a:fillRef>
-          <a:effectRef idx="0">
-            <a:schemeClr val="accent1"/>
-          </a:effectRef>
-          <a:fontRef idx="minor">
-            <a:schemeClr val="lt1"/>
-          </a:fontRef>
-        </p:style>
-        <p:txBody>
-          <a:bodyPr rtlCol="0" anchor="ctr"/>
-          <a:lstStyle/>
-          <a:p>
-            <a:pPr algn="ctr"/>
-            <a:endParaRPr lang="en-US"/>
-          </a:p>
-        </p:txBody>
-      </p:sp>
-      <p:sp>
-        <p:nvSpPr>
-          <p:cNvPr id="2" name="Title 1">
-            <a:extLst>
-              <a:ext uri="{FF2B5EF4-FFF2-40B4-BE49-F238E27FC236}">
-                <a16:creationId xmlns:a16="http://schemas.microsoft.com/office/drawing/2014/main" id="{1C2CE2A7-5866-D546-A548-7FF7C474739F}"/>
-              </a:ext>
-            </a:extLst>
-          </p:cNvPr>
-          <p:cNvSpPr>
-            <a:spLocks noGrp="1"/>
-          </p:cNvSpPr>
-          <p:nvPr>
-            <p:ph type="title"/>
-          </p:nvPr>
-        </p:nvSpPr>
-        <p:spPr>
-          <a:xfrm>
-            <a:off x="6846137" y="804073"/>
-            <a:ext cx="4602152" cy="1345449"/>
-          </a:xfrm>
-        </p:spPr>
-        <p:txBody>
-          <a:bodyPr>
-            <a:normAutofit/>
-          </a:bodyPr>
-          <a:lstStyle/>
-          <a:p>
-            <a:r>
-              <a:rPr lang="en-US" sz="2800" b="0"/>
-              <a:t>Building the ORM classes, SQLite database</a:t>
-            </a:r>
-            <a:br>
-              <a:rPr lang="en-US" sz="2800" b="0"/>
-            </a:br>
-            <a:endParaRPr lang="en-US" sz="2800"/>
-          </a:p>
-        </p:txBody>
-      </p:sp>
-      <p:pic>
-        <p:nvPicPr>
-          <p:cNvPr id="11" name="Picture 10" descr="A screen shot of a computer&#10;&#10;Description automatically generated">
-            <a:extLst>
-              <a:ext uri="{FF2B5EF4-FFF2-40B4-BE49-F238E27FC236}">
-                <a16:creationId xmlns:a16="http://schemas.microsoft.com/office/drawing/2014/main" id="{7F7834E9-4C97-D24F-BFB8-AD9FBF39D6D3}"/>
-              </a:ext>
-            </a:extLst>
-          </p:cNvPr>
-          <p:cNvPicPr>
-            <a:picLocks noChangeAspect="1"/>
-          </p:cNvPicPr>
-          <p:nvPr/>
-        </p:nvPicPr>
-        <p:blipFill>
-          <a:blip r:embed="rId2"/>
-          <a:stretch>
-            <a:fillRect/>
-          </a:stretch>
-        </p:blipFill>
-        <p:spPr>
-          <a:xfrm>
-            <a:off x="643468" y="1281736"/>
-            <a:ext cx="5060992" cy="1404425"/>
-          </a:xfrm>
-          <a:prstGeom prst="rect">
-            <a:avLst/>
-          </a:prstGeom>
-        </p:spPr>
-      </p:pic>
-      <p:pic>
-        <p:nvPicPr>
-          <p:cNvPr id="5" name="Picture 4" descr="A screenshot of text&#10;&#10;Description automatically generated">
-            <a:extLst>
-              <a:ext uri="{FF2B5EF4-FFF2-40B4-BE49-F238E27FC236}">
-                <a16:creationId xmlns:a16="http://schemas.microsoft.com/office/drawing/2014/main" id="{A93F49C8-FE84-5145-AA49-AA0BDDBCA690}"/>
-              </a:ext>
-            </a:extLst>
-          </p:cNvPr>
-          <p:cNvPicPr>
-            <a:picLocks noChangeAspect="1"/>
-          </p:cNvPicPr>
-          <p:nvPr/>
-        </p:nvPicPr>
-        <p:blipFill rotWithShape="1">
-          <a:blip r:embed="rId3"/>
-          <a:srcRect t="5714" r="-2" b="3863"/>
-          <a:stretch/>
-        </p:blipFill>
-        <p:spPr>
-          <a:xfrm>
-            <a:off x="1909476" y="3509433"/>
-            <a:ext cx="2528975" cy="2771795"/>
-          </a:xfrm>
-          <a:prstGeom prst="rect">
-            <a:avLst/>
-          </a:prstGeom>
-        </p:spPr>
-      </p:pic>
-      <p:sp>
-        <p:nvSpPr>
-          <p:cNvPr id="3" name="Content Placeholder 2">
-            <a:extLst>
-              <a:ext uri="{FF2B5EF4-FFF2-40B4-BE49-F238E27FC236}">
-                <a16:creationId xmlns:a16="http://schemas.microsoft.com/office/drawing/2014/main" id="{C62288B3-17FA-BC44-9433-51EE71818869}"/>
-              </a:ext>
-            </a:extLst>
-          </p:cNvPr>
-          <p:cNvSpPr>
-            <a:spLocks noGrp="1"/>
-          </p:cNvSpPr>
-          <p:nvPr>
-            <p:ph idx="1"/>
-          </p:nvPr>
-        </p:nvSpPr>
-        <p:spPr>
-          <a:xfrm>
-            <a:off x="6846137" y="2303563"/>
-            <a:ext cx="4602152" cy="3715424"/>
-          </a:xfrm>
-        </p:spPr>
-        <p:txBody>
-          <a:bodyPr>
-            <a:normAutofit/>
-          </a:bodyPr>
-          <a:lstStyle/>
-          <a:p>
-            <a:r>
-              <a:rPr lang="en-US"/>
-              <a:t>We are using Python Flask for building a server that interact with ORM </a:t>
-            </a:r>
-            <a:r>
-              <a:rPr lang="en-US" err="1"/>
-              <a:t>SQLAlchemy</a:t>
-            </a:r>
-            <a:r>
-              <a:rPr lang="en-US"/>
-              <a:t> classes and flask-marshmallow /marshmallow-</a:t>
-            </a:r>
-            <a:r>
-              <a:rPr lang="en-US" err="1"/>
-              <a:t>sqlalchemy</a:t>
-            </a:r>
-            <a:r>
-              <a:rPr lang="en-US"/>
-              <a:t> for serializing and deserializing the data, render the html page that contains our Model related details. Our database is SQLite which we use to store user entered form data using Post Rest APIs</a:t>
-            </a:r>
-          </a:p>
-          <a:p>
-            <a:pPr marL="0" indent="0">
-              <a:buNone/>
-            </a:pPr>
-            <a:endParaRPr lang="en-US"/>
-          </a:p>
-        </p:txBody>
-      </p:sp>
-    </p:spTree>
-    <p:extLst>
-      <p:ext uri="{BB962C8B-B14F-4D97-AF65-F5344CB8AC3E}">
-        <p14:creationId xmlns:p14="http://schemas.microsoft.com/office/powerpoint/2010/main" val="342110705"/>
       </p:ext>
     </p:extLst>
   </p:cSld>
@@ -11871,12 +12745,12 @@
           <a:chExt cx="0" cy="0"/>
         </a:xfrm>
       </p:grpSpPr>
-      <p:sp useBgFill="1">
-        <p:nvSpPr>
-          <p:cNvPr id="28" name="Rectangle 21">
+      <p:sp>
+        <p:nvSpPr>
+          <p:cNvPr id="32" name="Rectangle 31">
             <a:extLst>
               <a:ext uri="{FF2B5EF4-FFF2-40B4-BE49-F238E27FC236}">
-                <a16:creationId xmlns:a16="http://schemas.microsoft.com/office/drawing/2014/main" id="{78632963-757B-40C2-BB84-FC6107A54DAD}"/>
+                <a16:creationId xmlns:a16="http://schemas.microsoft.com/office/drawing/2014/main" id="{282E2A95-1A08-4118-83C6-B1CA5648E075}"/>
               </a:ext>
               <a:ext uri="{C183D7F6-B498-43B3-948B-1728B52AA6E4}">
                 <adec:decorative xmlns:adec="http://schemas.microsoft.com/office/drawing/2017/decorative" val="1"/>
@@ -11896,14 +12770,138 @@
         </p:nvSpPr>
         <p:spPr>
           <a:xfrm>
-            <a:off x="-1866" y="0"/>
-            <a:ext cx="12193866" cy="6858000"/>
+            <a:off x="0" y="0"/>
+            <a:ext cx="12192000" cy="6858000"/>
           </a:xfrm>
           <a:prstGeom prst="rect">
             <a:avLst/>
           </a:prstGeom>
           <a:ln>
             <a:noFill/>
+          </a:ln>
+        </p:spPr>
+        <p:style>
+          <a:lnRef idx="2">
+            <a:schemeClr val="accent1">
+              <a:shade val="50000"/>
+            </a:schemeClr>
+          </a:lnRef>
+          <a:fillRef idx="1001">
+            <a:schemeClr val="lt1"/>
+          </a:fillRef>
+          <a:effectRef idx="0">
+            <a:schemeClr val="accent1"/>
+          </a:effectRef>
+          <a:fontRef idx="minor">
+            <a:schemeClr val="lt1"/>
+          </a:fontRef>
+        </p:style>
+        <p:txBody>
+          <a:bodyPr rtlCol="0" anchor="ctr"/>
+          <a:lstStyle/>
+          <a:p>
+            <a:pPr algn="ctr"/>
+            <a:endParaRPr lang="en-US"/>
+          </a:p>
+        </p:txBody>
+      </p:sp>
+      <p:sp>
+        <p:nvSpPr>
+          <p:cNvPr id="34" name="Rectangle 33">
+            <a:extLst>
+              <a:ext uri="{FF2B5EF4-FFF2-40B4-BE49-F238E27FC236}">
+                <a16:creationId xmlns:a16="http://schemas.microsoft.com/office/drawing/2014/main" id="{2FFEFC7E-85EE-4AC9-A351-FBEB13A1D622}"/>
+              </a:ext>
+              <a:ext uri="{C183D7F6-B498-43B3-948B-1728B52AA6E4}">
+                <adec:decorative xmlns:adec="http://schemas.microsoft.com/office/drawing/2017/decorative" val="1"/>
+              </a:ext>
+            </a:extLst>
+          </p:cNvPr>
+          <p:cNvSpPr>
+            <a:spLocks noGrp="1" noRot="1" noChangeAspect="1" noMove="1" noResize="1" noEditPoints="1" noAdjustHandles="1" noChangeArrowheads="1" noChangeShapeType="1" noTextEdit="1"/>
+          </p:cNvSpPr>
+          <p:nvPr>
+            <p:extLst>
+              <p:ext uri="{386F3935-93C4-4BCD-93E2-E3B085C9AB24}">
+                <p16:designElem xmlns:p16="http://schemas.microsoft.com/office/powerpoint/2015/main" val="1"/>
+              </p:ext>
+            </p:extLst>
+          </p:nvPr>
+        </p:nvSpPr>
+        <p:spPr>
+          <a:xfrm>
+            <a:off x="245534" y="237744"/>
+            <a:ext cx="2926080" cy="6382512"/>
+          </a:xfrm>
+          <a:prstGeom prst="rect">
+            <a:avLst/>
+          </a:prstGeom>
+          <a:solidFill>
+            <a:schemeClr val="bg1">
+              <a:lumMod val="75000"/>
+              <a:lumOff val="25000"/>
+            </a:schemeClr>
+          </a:solidFill>
+          <a:ln>
+            <a:noFill/>
+          </a:ln>
+        </p:spPr>
+        <p:style>
+          <a:lnRef idx="2">
+            <a:schemeClr val="accent1">
+              <a:shade val="50000"/>
+            </a:schemeClr>
+          </a:lnRef>
+          <a:fillRef idx="1">
+            <a:schemeClr val="accent1"/>
+          </a:fillRef>
+          <a:effectRef idx="0">
+            <a:schemeClr val="accent1"/>
+          </a:effectRef>
+          <a:fontRef idx="minor">
+            <a:schemeClr val="lt1"/>
+          </a:fontRef>
+        </p:style>
+      </p:sp>
+      <p:sp>
+        <p:nvSpPr>
+          <p:cNvPr id="36" name="Rectangle 35">
+            <a:extLst>
+              <a:ext uri="{FF2B5EF4-FFF2-40B4-BE49-F238E27FC236}">
+                <a16:creationId xmlns:a16="http://schemas.microsoft.com/office/drawing/2014/main" id="{CB2511BB-FC4C-45F3-94EB-661D6806C942}"/>
+              </a:ext>
+              <a:ext uri="{C183D7F6-B498-43B3-948B-1728B52AA6E4}">
+                <adec:decorative xmlns:adec="http://schemas.microsoft.com/office/drawing/2017/decorative" val="1"/>
+              </a:ext>
+            </a:extLst>
+          </p:cNvPr>
+          <p:cNvSpPr>
+            <a:spLocks noGrp="1" noRot="1" noChangeAspect="1" noMove="1" noResize="1" noEditPoints="1" noAdjustHandles="1" noChangeArrowheads="1" noChangeShapeType="1" noTextEdit="1"/>
+          </p:cNvSpPr>
+          <p:nvPr>
+            <p:extLst>
+              <p:ext uri="{386F3935-93C4-4BCD-93E2-E3B085C9AB24}">
+                <p16:designElem xmlns:p16="http://schemas.microsoft.com/office/powerpoint/2015/main" val="1"/>
+              </p:ext>
+            </p:extLst>
+          </p:nvPr>
+        </p:nvSpPr>
+        <p:spPr>
+          <a:xfrm>
+            <a:off x="419100" y="413053"/>
+            <a:ext cx="2616201" cy="6064596"/>
+          </a:xfrm>
+          <a:prstGeom prst="rect">
+            <a:avLst/>
+          </a:prstGeom>
+          <a:noFill/>
+          <a:ln w="6350">
+            <a:solidFill>
+              <a:schemeClr val="tx1">
+                <a:lumMod val="75000"/>
+                <a:lumOff val="25000"/>
+              </a:schemeClr>
+            </a:solidFill>
           </a:ln>
         </p:spPr>
         <p:style>
@@ -11927,16 +12925,141 @@
           <a:lstStyle/>
           <a:p>
             <a:pPr algn="ctr"/>
-            <a:endParaRPr lang="en-US" dirty="0"/>
+            <a:endParaRPr lang="en-US"/>
           </a:p>
         </p:txBody>
       </p:sp>
       <p:sp>
         <p:nvSpPr>
-          <p:cNvPr id="29" name="Rectangle 23">
+          <p:cNvPr id="2" name="Title 1">
             <a:extLst>
               <a:ext uri="{FF2B5EF4-FFF2-40B4-BE49-F238E27FC236}">
-                <a16:creationId xmlns:a16="http://schemas.microsoft.com/office/drawing/2014/main" id="{2853AE55-7E35-44B0-89F1-3F52B262AF33}"/>
+                <a16:creationId xmlns:a16="http://schemas.microsoft.com/office/drawing/2014/main" id="{1C2CE2A7-5866-D546-A548-7FF7C474739F}"/>
+              </a:ext>
+            </a:extLst>
+          </p:cNvPr>
+          <p:cNvSpPr>
+            <a:spLocks noGrp="1"/>
+          </p:cNvSpPr>
+          <p:nvPr>
+            <p:ph type="title"/>
+          </p:nvPr>
+        </p:nvSpPr>
+        <p:spPr>
+          <a:xfrm>
+            <a:off x="557720" y="612843"/>
+            <a:ext cx="2312480" cy="1499738"/>
+          </a:xfrm>
+        </p:spPr>
+        <p:txBody>
+          <a:bodyPr anchor="b">
+            <a:normAutofit/>
+          </a:bodyPr>
+          <a:lstStyle/>
+          <a:p>
+            <a:r>
+              <a:rPr lang="en-US" sz="2400" b="0" dirty="0"/>
+              <a:t>Building the server and Routes </a:t>
+            </a:r>
+            <a:br>
+              <a:rPr lang="en-US" sz="2400" b="0" dirty="0"/>
+            </a:br>
+            <a:endParaRPr lang="en-US" sz="2400" dirty="0"/>
+          </a:p>
+        </p:txBody>
+      </p:sp>
+      <p:sp>
+        <p:nvSpPr>
+          <p:cNvPr id="3" name="Content Placeholder 2">
+            <a:extLst>
+              <a:ext uri="{FF2B5EF4-FFF2-40B4-BE49-F238E27FC236}">
+                <a16:creationId xmlns:a16="http://schemas.microsoft.com/office/drawing/2014/main" id="{C62288B3-17FA-BC44-9433-51EE71818869}"/>
+              </a:ext>
+            </a:extLst>
+          </p:cNvPr>
+          <p:cNvSpPr>
+            <a:spLocks noGrp="1"/>
+          </p:cNvSpPr>
+          <p:nvPr>
+            <p:ph idx="1"/>
+          </p:nvPr>
+        </p:nvSpPr>
+        <p:spPr>
+          <a:xfrm>
+            <a:off x="557720" y="2149813"/>
+            <a:ext cx="2312479" cy="3854197"/>
+          </a:xfrm>
+        </p:spPr>
+        <p:txBody>
+          <a:bodyPr>
+            <a:normAutofit/>
+          </a:bodyPr>
+          <a:lstStyle/>
+          <a:p>
+            <a:r>
+              <a:rPr lang="en-US" sz="1400" dirty="0">
+                <a:solidFill>
+                  <a:schemeClr val="tx1">
+                    <a:lumMod val="85000"/>
+                    <a:lumOff val="15000"/>
+                  </a:schemeClr>
+                </a:solidFill>
+              </a:rPr>
+              <a:t>To Deploy our models for predictions we are using Python Flask that interact with ORM </a:t>
+            </a:r>
+            <a:r>
+              <a:rPr lang="en-US" sz="1400" dirty="0" err="1">
+                <a:solidFill>
+                  <a:schemeClr val="tx1">
+                    <a:lumMod val="85000"/>
+                    <a:lumOff val="15000"/>
+                  </a:schemeClr>
+                </a:solidFill>
+              </a:rPr>
+              <a:t>SQLAlchemy</a:t>
+            </a:r>
+            <a:r>
+              <a:rPr lang="en-US" sz="1400" dirty="0">
+                <a:solidFill>
+                  <a:schemeClr val="tx1">
+                    <a:lumMod val="85000"/>
+                    <a:lumOff val="15000"/>
+                  </a:schemeClr>
+                </a:solidFill>
+              </a:rPr>
+              <a:t> classes and flask-marshmallow /marshmallow-</a:t>
+            </a:r>
+            <a:r>
+              <a:rPr lang="en-US" sz="1400" dirty="0" err="1">
+                <a:solidFill>
+                  <a:schemeClr val="tx1">
+                    <a:lumMod val="85000"/>
+                    <a:lumOff val="15000"/>
+                  </a:schemeClr>
+                </a:solidFill>
+              </a:rPr>
+              <a:t>sqlalchemy</a:t>
+            </a:r>
+            <a:r>
+              <a:rPr lang="en-US" sz="1400" dirty="0">
+                <a:solidFill>
+                  <a:schemeClr val="tx1">
+                    <a:lumMod val="85000"/>
+                    <a:lumOff val="15000"/>
+                  </a:schemeClr>
+                </a:solidFill>
+              </a:rPr>
+              <a:t> for serializing and deserializing the data, render the html page that contains our Model related details. Our database is SQLite which we use to store user entered form data using Post Rest APIs</a:t>
+            </a:r>
+          </a:p>
+        </p:txBody>
+      </p:sp>
+      <p:sp>
+        <p:nvSpPr>
+          <p:cNvPr id="38" name="Rectangle 37">
+            <a:extLst>
+              <a:ext uri="{FF2B5EF4-FFF2-40B4-BE49-F238E27FC236}">
+                <a16:creationId xmlns:a16="http://schemas.microsoft.com/office/drawing/2014/main" id="{68DC0EC7-60EA-4BD3-BC04-D547DE1B2891}"/>
               </a:ext>
               <a:ext uri="{C183D7F6-B498-43B3-948B-1728B52AA6E4}">
                 <adec:decorative xmlns:adec="http://schemas.microsoft.com/office/drawing/2017/decorative" val="1"/>
@@ -11956,187 +13079,29 @@
         </p:nvSpPr>
         <p:spPr>
           <a:xfrm>
-            <a:off x="6339709" y="253548"/>
-            <a:ext cx="5612193" cy="6361598"/>
-          </a:xfrm>
-          <a:prstGeom prst="rect">
-            <a:avLst/>
-          </a:prstGeom>
-          <a:solidFill>
-            <a:schemeClr val="bg1">
-              <a:lumMod val="75000"/>
-              <a:alpha val="60000"/>
-            </a:schemeClr>
-          </a:solidFill>
-          <a:ln>
-            <a:noFill/>
-          </a:ln>
-        </p:spPr>
-        <p:style>
-          <a:lnRef idx="2">
-            <a:schemeClr val="accent1">
-              <a:shade val="50000"/>
-            </a:schemeClr>
-          </a:lnRef>
-          <a:fillRef idx="1">
-            <a:schemeClr val="accent1"/>
-          </a:fillRef>
-          <a:effectRef idx="0">
-            <a:schemeClr val="accent1"/>
-          </a:effectRef>
-          <a:fontRef idx="minor">
-            <a:schemeClr val="lt1"/>
-          </a:fontRef>
-        </p:style>
-        <p:txBody>
-          <a:bodyPr rtlCol="0" anchor="ctr"/>
-          <a:lstStyle/>
-          <a:p>
-            <a:pPr algn="ctr"/>
-            <a:endParaRPr lang="en-US"/>
-          </a:p>
-        </p:txBody>
-      </p:sp>
-      <p:sp>
-        <p:nvSpPr>
-          <p:cNvPr id="30" name="Rectangle 25">
-            <a:extLst>
-              <a:ext uri="{FF2B5EF4-FFF2-40B4-BE49-F238E27FC236}">
-                <a16:creationId xmlns:a16="http://schemas.microsoft.com/office/drawing/2014/main" id="{DBC4BE4D-4B50-4F51-9F85-4B5D60B02D81}"/>
-              </a:ext>
-              <a:ext uri="{C183D7F6-B498-43B3-948B-1728B52AA6E4}">
-                <adec:decorative xmlns:adec="http://schemas.microsoft.com/office/drawing/2017/decorative" val="1"/>
-              </a:ext>
-            </a:extLst>
-          </p:cNvPr>
-          <p:cNvSpPr>
-            <a:spLocks noGrp="1" noRot="1" noChangeAspect="1" noMove="1" noResize="1" noEditPoints="1" noAdjustHandles="1" noChangeArrowheads="1" noChangeShapeType="1" noTextEdit="1"/>
-          </p:cNvSpPr>
-          <p:nvPr>
-            <p:extLst>
-              <p:ext uri="{386F3935-93C4-4BCD-93E2-E3B085C9AB24}">
-                <p16:designElem xmlns:p16="http://schemas.microsoft.com/office/powerpoint/2015/main" val="1"/>
-              </p:ext>
-            </p:extLst>
-          </p:nvPr>
-        </p:nvSpPr>
-        <p:spPr>
-          <a:xfrm>
-            <a:off x="6487542" y="407588"/>
-            <a:ext cx="5299768" cy="6022878"/>
+            <a:off x="3569764" y="413053"/>
+            <a:ext cx="8212114" cy="6064596"/>
           </a:xfrm>
           <a:prstGeom prst="rect">
             <a:avLst/>
           </a:prstGeom>
           <a:noFill/>
-          <a:ln w="6350">
+          <a:ln w="6350" cap="sq" cmpd="sng" algn="ctr">
             <a:solidFill>
-              <a:schemeClr val="tx1">
-                <a:lumMod val="75000"/>
-                <a:lumOff val="25000"/>
-              </a:schemeClr>
+              <a:srgbClr val="404040"/>
             </a:solidFill>
+            <a:prstDash val="solid"/>
+            <a:miter lim="800000"/>
           </a:ln>
-        </p:spPr>
-        <p:style>
-          <a:lnRef idx="2">
-            <a:schemeClr val="accent1">
-              <a:shade val="50000"/>
-            </a:schemeClr>
-          </a:lnRef>
-          <a:fillRef idx="1">
-            <a:schemeClr val="accent1"/>
-          </a:fillRef>
-          <a:effectRef idx="0">
-            <a:schemeClr val="accent1"/>
-          </a:effectRef>
-          <a:fontRef idx="minor">
-            <a:schemeClr val="lt1"/>
-          </a:fontRef>
-        </p:style>
-        <p:txBody>
-          <a:bodyPr rtlCol="0" anchor="ctr"/>
-          <a:lstStyle/>
-          <a:p>
-            <a:pPr algn="ctr"/>
-            <a:endParaRPr lang="en-US"/>
-          </a:p>
-        </p:txBody>
-      </p:sp>
-      <p:sp>
-        <p:nvSpPr>
-          <p:cNvPr id="2" name="Title 1">
-            <a:extLst>
-              <a:ext uri="{FF2B5EF4-FFF2-40B4-BE49-F238E27FC236}">
-                <a16:creationId xmlns:a16="http://schemas.microsoft.com/office/drawing/2014/main" id="{1C2CE2A7-5866-D546-A548-7FF7C474739F}"/>
-              </a:ext>
-            </a:extLst>
-          </p:cNvPr>
-          <p:cNvSpPr>
-            <a:spLocks noGrp="1"/>
-          </p:cNvSpPr>
-          <p:nvPr>
-            <p:ph type="title"/>
-          </p:nvPr>
-        </p:nvSpPr>
-        <p:spPr>
-          <a:xfrm>
-            <a:off x="6846137" y="3567774"/>
-            <a:ext cx="4602152" cy="939074"/>
-          </a:xfrm>
-        </p:spPr>
-        <p:txBody>
-          <a:bodyPr>
-            <a:normAutofit/>
-          </a:bodyPr>
-          <a:lstStyle/>
-          <a:p>
-            <a:r>
-              <a:rPr lang="en-US" sz="2000" b="0"/>
-              <a:t>Rest APIs : Post,Get, Get(id), Delete(id)</a:t>
-            </a:r>
-            <a:br>
-              <a:rPr lang="en-US" sz="2000" b="0"/>
-            </a:br>
-            <a:endParaRPr lang="en-US" sz="2000"/>
-          </a:p>
-        </p:txBody>
+          <a:effectLst/>
+        </p:spPr>
       </p:sp>
       <p:pic>
         <p:nvPicPr>
           <p:cNvPr id="6" name="Picture 5" descr="A screenshot of text&#10;&#10;Description automatically generated">
             <a:extLst>
               <a:ext uri="{FF2B5EF4-FFF2-40B4-BE49-F238E27FC236}">
-                <a16:creationId xmlns:a16="http://schemas.microsoft.com/office/drawing/2014/main" id="{166F3A38-1E77-9D47-B324-EFA4A3C01D06}"/>
-              </a:ext>
-            </a:extLst>
-          </p:cNvPr>
-          <p:cNvPicPr>
-            <a:picLocks noChangeAspect="1"/>
-          </p:cNvPicPr>
-          <p:nvPr/>
-        </p:nvPicPr>
-        <p:blipFill rotWithShape="1">
-          <a:blip r:embed="rId2"/>
-          <a:srcRect r="18343" b="2"/>
-          <a:stretch/>
-        </p:blipFill>
-        <p:spPr>
-          <a:xfrm>
-            <a:off x="643468" y="643441"/>
-            <a:ext cx="5060992" cy="5546980"/>
-          </a:xfrm>
-          <a:prstGeom prst="rect">
-            <a:avLst/>
-          </a:prstGeom>
-        </p:spPr>
-      </p:pic>
-      <p:pic>
-        <p:nvPicPr>
-          <p:cNvPr id="8" name="Picture 7" descr="A screenshot of a social media post&#10;&#10;Description automatically generated">
-            <a:extLst>
-              <a:ext uri="{FF2B5EF4-FFF2-40B4-BE49-F238E27FC236}">
-                <a16:creationId xmlns:a16="http://schemas.microsoft.com/office/drawing/2014/main" id="{7591A3E5-B5CB-6340-BC2E-F1B92F9E210F}"/>
+                <a16:creationId xmlns:a16="http://schemas.microsoft.com/office/drawing/2014/main" id="{F451F115-D82A-2D44-905F-39D8669FE764}"/>
               </a:ext>
             </a:extLst>
           </p:cNvPr>
@@ -12146,104 +13111,30 @@
           <p:nvPr/>
         </p:nvPicPr>
         <p:blipFill>
-          <a:blip r:embed="rId3"/>
+          <a:blip r:embed="rId2"/>
           <a:stretch>
             <a:fillRect/>
           </a:stretch>
         </p:blipFill>
         <p:spPr>
           <a:xfrm>
-            <a:off x="6853380" y="564693"/>
-            <a:ext cx="4619836" cy="2864298"/>
+            <a:off x="5120359" y="882398"/>
+            <a:ext cx="5096003" cy="5121612"/>
           </a:xfrm>
           <a:prstGeom prst="rect">
             <a:avLst/>
           </a:prstGeom>
         </p:spPr>
       </p:pic>
-      <p:sp>
-        <p:nvSpPr>
-          <p:cNvPr id="3" name="Content Placeholder 2">
-            <a:extLst>
-              <a:ext uri="{FF2B5EF4-FFF2-40B4-BE49-F238E27FC236}">
-                <a16:creationId xmlns:a16="http://schemas.microsoft.com/office/drawing/2014/main" id="{C62288B3-17FA-BC44-9433-51EE71818869}"/>
-              </a:ext>
-            </a:extLst>
-          </p:cNvPr>
-          <p:cNvSpPr>
-            <a:spLocks noGrp="1"/>
-          </p:cNvSpPr>
-          <p:nvPr>
-            <p:ph idx="1"/>
-          </p:nvPr>
-        </p:nvSpPr>
-        <p:spPr>
-          <a:xfrm>
-            <a:off x="6846137" y="4555671"/>
-            <a:ext cx="4602152" cy="1463315"/>
-          </a:xfrm>
-        </p:spPr>
-        <p:txBody>
-          <a:bodyPr>
-            <a:normAutofit/>
-          </a:bodyPr>
-          <a:lstStyle/>
-          <a:p>
-            <a:pPr marL="0" indent="0">
-              <a:lnSpc>
-                <a:spcPct val="100000"/>
-              </a:lnSpc>
-              <a:buNone/>
-            </a:pPr>
-            <a:endParaRPr lang="en-US" sz="1300"/>
-          </a:p>
-          <a:p>
-            <a:pPr marL="0" indent="0">
-              <a:lnSpc>
-                <a:spcPct val="100000"/>
-              </a:lnSpc>
-              <a:buNone/>
-            </a:pPr>
-            <a:r>
-              <a:rPr lang="en-US" sz="1300"/>
-              <a:t>Though we need just Post rest </a:t>
-            </a:r>
-            <a:r>
-              <a:rPr lang="en-US" sz="1300" err="1"/>
-              <a:t>api</a:t>
-            </a:r>
-            <a:r>
-              <a:rPr lang="en-US" sz="1300"/>
-              <a:t> to create each prediction form entry per patient, we created other rest </a:t>
-            </a:r>
-            <a:r>
-              <a:rPr lang="en-US" sz="1300" err="1"/>
-              <a:t>apis</a:t>
-            </a:r>
-            <a:r>
-              <a:rPr lang="en-US" sz="1300"/>
-              <a:t> Get all, Get(id), Delete(id) </a:t>
-            </a:r>
-            <a:r>
-              <a:rPr lang="en-US" sz="1300" err="1"/>
-              <a:t>etc</a:t>
-            </a:r>
-            <a:r>
-              <a:rPr lang="en-US" sz="1300"/>
-              <a:t>…. To interact with our SQLite database for completeness and we tested these APIs using Postman (collaboration platform for API development.)</a:t>
-            </a:r>
-          </a:p>
-        </p:txBody>
-      </p:sp>
     </p:spTree>
     <p:extLst>
       <p:ext uri="{BB962C8B-B14F-4D97-AF65-F5344CB8AC3E}">
-        <p14:creationId xmlns:p14="http://schemas.microsoft.com/office/powerpoint/2010/main" val="3788525839"/>
+        <p14:creationId xmlns:p14="http://schemas.microsoft.com/office/powerpoint/2010/main" val="2694775439"/>
       </p:ext>
     </p:extLst>
   </p:cSld>
   <p:clrMapOvr>
-    <a:masterClrMapping/>
+    <a:overrideClrMapping bg1="dk1" tx1="lt1" bg2="dk2" tx2="lt2" accent1="accent1" accent2="accent2" accent3="accent3" accent4="accent4" accent5="accent5" accent6="accent6" hlink="hlink" folHlink="folHlink"/>
   </p:clrMapOvr>
 </p:sld>
 </file>
@@ -12273,51 +13164,12 @@
           <a:chExt cx="0" cy="0"/>
         </a:xfrm>
       </p:grpSpPr>
-      <p:sp>
-        <p:nvSpPr>
-          <p:cNvPr id="2" name="Title 1">
+      <p:sp useBgFill="1">
+        <p:nvSpPr>
+          <p:cNvPr id="32" name="Rectangle 25">
             <a:extLst>
               <a:ext uri="{FF2B5EF4-FFF2-40B4-BE49-F238E27FC236}">
-                <a16:creationId xmlns:a16="http://schemas.microsoft.com/office/drawing/2014/main" id="{DC3BB3F9-151F-5843-BB60-9FC1E6832C28}"/>
-              </a:ext>
-            </a:extLst>
-          </p:cNvPr>
-          <p:cNvSpPr>
-            <a:spLocks noGrp="1"/>
-          </p:cNvSpPr>
-          <p:nvPr>
-            <p:ph type="title"/>
-          </p:nvPr>
-        </p:nvSpPr>
-        <p:spPr>
-          <a:xfrm>
-            <a:off x="6579450" y="727627"/>
-            <a:ext cx="4957553" cy="1645920"/>
-          </a:xfrm>
-        </p:spPr>
-        <p:txBody>
-          <a:bodyPr>
-            <a:normAutofit fontScale="90000"/>
-          </a:bodyPr>
-          <a:lstStyle/>
-          <a:p>
-            <a:r>
-              <a:rPr lang="en-US" sz="3600" b="0" dirty="0"/>
-              <a:t>Front-end side preparation, Folder structure</a:t>
-            </a:r>
-            <a:br>
-              <a:rPr lang="en-US" sz="3600" b="0" dirty="0"/>
-            </a:br>
-            <a:endParaRPr lang="en-US" sz="3600" dirty="0"/>
-          </a:p>
-        </p:txBody>
-      </p:sp>
-      <p:sp>
-        <p:nvSpPr>
-          <p:cNvPr id="10" name="Rectangle 9">
-            <a:extLst>
-              <a:ext uri="{FF2B5EF4-FFF2-40B4-BE49-F238E27FC236}">
-                <a16:creationId xmlns:a16="http://schemas.microsoft.com/office/drawing/2014/main" id="{0BBB6B01-5B73-410C-B70E-8CF2FA470D11}"/>
+                <a16:creationId xmlns:a16="http://schemas.microsoft.com/office/drawing/2014/main" id="{78632963-757B-40C2-BB84-FC6107A54DAD}"/>
               </a:ext>
               <a:ext uri="{C183D7F6-B498-43B3-948B-1728B52AA6E4}">
                 <adec:decorative xmlns:adec="http://schemas.microsoft.com/office/drawing/2017/decorative" val="1"/>
@@ -12337,30 +13189,47 @@
         </p:nvSpPr>
         <p:spPr>
           <a:xfrm>
-            <a:off x="728836" y="721224"/>
-            <a:ext cx="5367164" cy="5415552"/>
+            <a:off x="-1866" y="0"/>
+            <a:ext cx="12193866" cy="6858000"/>
           </a:xfrm>
           <a:prstGeom prst="rect">
             <a:avLst/>
           </a:prstGeom>
-          <a:solidFill>
-            <a:srgbClr val="FFFFFF"/>
-          </a:solidFill>
-          <a:ln w="6350" cap="flat" cmpd="sng" algn="ctr">
+          <a:ln>
             <a:noFill/>
-            <a:prstDash val="solid"/>
           </a:ln>
-          <a:effectLst>
-            <a:softEdge rad="0"/>
-          </a:effectLst>
-        </p:spPr>
-      </p:sp>
-      <p:sp>
-        <p:nvSpPr>
-          <p:cNvPr id="12" name="Rectangle 11">
+        </p:spPr>
+        <p:style>
+          <a:lnRef idx="2">
+            <a:schemeClr val="accent1">
+              <a:shade val="50000"/>
+            </a:schemeClr>
+          </a:lnRef>
+          <a:fillRef idx="1">
+            <a:schemeClr val="accent1"/>
+          </a:fillRef>
+          <a:effectRef idx="0">
+            <a:schemeClr val="accent1"/>
+          </a:effectRef>
+          <a:fontRef idx="minor">
+            <a:schemeClr val="lt1"/>
+          </a:fontRef>
+        </p:style>
+        <p:txBody>
+          <a:bodyPr rtlCol="0" anchor="ctr"/>
+          <a:lstStyle/>
+          <a:p>
+            <a:pPr algn="ctr"/>
+            <a:endParaRPr lang="en-US" dirty="0"/>
+          </a:p>
+        </p:txBody>
+      </p:sp>
+      <p:sp>
+        <p:nvSpPr>
+          <p:cNvPr id="33" name="Rectangle 27">
             <a:extLst>
               <a:ext uri="{FF2B5EF4-FFF2-40B4-BE49-F238E27FC236}">
-                <a16:creationId xmlns:a16="http://schemas.microsoft.com/office/drawing/2014/main" id="{8712F587-12D0-435C-8E3F-F44C36EE71B8}"/>
+                <a16:creationId xmlns:a16="http://schemas.microsoft.com/office/drawing/2014/main" id="{2853AE55-7E35-44B0-89F1-3F52B262AF33}"/>
               </a:ext>
               <a:ext uri="{C183D7F6-B498-43B3-948B-1728B52AA6E4}">
                 <adec:decorative xmlns:adec="http://schemas.microsoft.com/office/drawing/2017/decorative" val="1"/>
@@ -12380,29 +13249,119 @@
         </p:nvSpPr>
         <p:spPr>
           <a:xfrm>
-            <a:off x="885217" y="892220"/>
-            <a:ext cx="5054517" cy="5097085"/>
+            <a:off x="6339709" y="253548"/>
+            <a:ext cx="5612193" cy="6361598"/>
+          </a:xfrm>
+          <a:prstGeom prst="rect">
+            <a:avLst/>
+          </a:prstGeom>
+          <a:solidFill>
+            <a:schemeClr val="bg1">
+              <a:lumMod val="75000"/>
+              <a:alpha val="60000"/>
+            </a:schemeClr>
+          </a:solidFill>
+          <a:ln>
+            <a:noFill/>
+          </a:ln>
+        </p:spPr>
+        <p:style>
+          <a:lnRef idx="2">
+            <a:schemeClr val="accent1">
+              <a:shade val="50000"/>
+            </a:schemeClr>
+          </a:lnRef>
+          <a:fillRef idx="1">
+            <a:schemeClr val="accent1"/>
+          </a:fillRef>
+          <a:effectRef idx="0">
+            <a:schemeClr val="accent1"/>
+          </a:effectRef>
+          <a:fontRef idx="minor">
+            <a:schemeClr val="lt1"/>
+          </a:fontRef>
+        </p:style>
+        <p:txBody>
+          <a:bodyPr rtlCol="0" anchor="ctr"/>
+          <a:lstStyle/>
+          <a:p>
+            <a:pPr algn="ctr"/>
+            <a:endParaRPr lang="en-US"/>
+          </a:p>
+        </p:txBody>
+      </p:sp>
+      <p:sp>
+        <p:nvSpPr>
+          <p:cNvPr id="34" name="Rectangle 29">
+            <a:extLst>
+              <a:ext uri="{FF2B5EF4-FFF2-40B4-BE49-F238E27FC236}">
+                <a16:creationId xmlns:a16="http://schemas.microsoft.com/office/drawing/2014/main" id="{DBC4BE4D-4B50-4F51-9F85-4B5D60B02D81}"/>
+              </a:ext>
+              <a:ext uri="{C183D7F6-B498-43B3-948B-1728B52AA6E4}">
+                <adec:decorative xmlns:adec="http://schemas.microsoft.com/office/drawing/2017/decorative" val="1"/>
+              </a:ext>
+            </a:extLst>
+          </p:cNvPr>
+          <p:cNvSpPr>
+            <a:spLocks noGrp="1" noRot="1" noChangeAspect="1" noMove="1" noResize="1" noEditPoints="1" noAdjustHandles="1" noChangeArrowheads="1" noChangeShapeType="1" noTextEdit="1"/>
+          </p:cNvSpPr>
+          <p:nvPr>
+            <p:extLst>
+              <p:ext uri="{386F3935-93C4-4BCD-93E2-E3B085C9AB24}">
+                <p16:designElem xmlns:p16="http://schemas.microsoft.com/office/powerpoint/2015/main" val="1"/>
+              </p:ext>
+            </p:extLst>
+          </p:nvPr>
+        </p:nvSpPr>
+        <p:spPr>
+          <a:xfrm>
+            <a:off x="6487542" y="407588"/>
+            <a:ext cx="5299768" cy="6022878"/>
           </a:xfrm>
           <a:prstGeom prst="rect">
             <a:avLst/>
           </a:prstGeom>
           <a:noFill/>
-          <a:ln w="6350" cap="sq" cmpd="sng" algn="ctr">
+          <a:ln w="6350">
             <a:solidFill>
-              <a:srgbClr val="404040"/>
+              <a:schemeClr val="tx1">
+                <a:lumMod val="75000"/>
+                <a:lumOff val="25000"/>
+              </a:schemeClr>
             </a:solidFill>
-            <a:prstDash val="solid"/>
-            <a:miter lim="800000"/>
           </a:ln>
-          <a:effectLst/>
-        </p:spPr>
-      </p:sp>
-      <p:sp>
-        <p:nvSpPr>
-          <p:cNvPr id="3" name="Content Placeholder 2">
+        </p:spPr>
+        <p:style>
+          <a:lnRef idx="2">
+            <a:schemeClr val="accent1">
+              <a:shade val="50000"/>
+            </a:schemeClr>
+          </a:lnRef>
+          <a:fillRef idx="1">
+            <a:schemeClr val="accent1"/>
+          </a:fillRef>
+          <a:effectRef idx="0">
+            <a:schemeClr val="accent1"/>
+          </a:effectRef>
+          <a:fontRef idx="minor">
+            <a:schemeClr val="lt1"/>
+          </a:fontRef>
+        </p:style>
+        <p:txBody>
+          <a:bodyPr rtlCol="0" anchor="ctr"/>
+          <a:lstStyle/>
+          <a:p>
+            <a:pPr algn="ctr"/>
+            <a:endParaRPr lang="en-US"/>
+          </a:p>
+        </p:txBody>
+      </p:sp>
+      <p:sp>
+        <p:nvSpPr>
+          <p:cNvPr id="2" name="Title 1">
             <a:extLst>
               <a:ext uri="{FF2B5EF4-FFF2-40B4-BE49-F238E27FC236}">
-                <a16:creationId xmlns:a16="http://schemas.microsoft.com/office/drawing/2014/main" id="{7F0866D1-E509-B849-B6D2-6440A7F0A257}"/>
+                <a16:creationId xmlns:a16="http://schemas.microsoft.com/office/drawing/2014/main" id="{1C2CE2A7-5866-D546-A548-7FF7C474739F}"/>
               </a:ext>
             </a:extLst>
           </p:cNvPr>
@@ -12410,13 +13369,13 @@
             <a:spLocks noGrp="1"/>
           </p:cNvSpPr>
           <p:nvPr>
-            <p:ph idx="1"/>
-          </p:nvPr>
-        </p:nvSpPr>
-        <p:spPr>
-          <a:xfrm>
-            <a:off x="6579450" y="2538919"/>
-            <a:ext cx="4957554" cy="3496120"/>
+            <p:ph type="title"/>
+          </p:nvPr>
+        </p:nvSpPr>
+        <p:spPr>
+          <a:xfrm>
+            <a:off x="6846137" y="804073"/>
+            <a:ext cx="4602152" cy="1345449"/>
           </a:xfrm>
         </p:spPr>
         <p:txBody>
@@ -12426,57 +13385,22 @@
           <a:lstStyle/>
           <a:p>
             <a:r>
-              <a:rPr lang="en-US" dirty="0"/>
-              <a:t>Now that we have the server side code and </a:t>
-            </a:r>
-            <a:r>
-              <a:rPr lang="en-US" dirty="0" err="1"/>
-              <a:t>datbase</a:t>
-            </a:r>
-            <a:r>
-              <a:rPr lang="en-US" dirty="0"/>
-              <a:t>.</a:t>
-            </a:r>
-          </a:p>
-          <a:p>
-            <a:r>
-              <a:rPr lang="en-US" dirty="0"/>
-              <a:t>We connect our models to the prediction form</a:t>
-            </a:r>
-          </a:p>
-          <a:p>
-            <a:r>
-              <a:rPr lang="en-US" dirty="0"/>
-              <a:t>We will also be using </a:t>
-            </a:r>
-            <a:r>
-              <a:rPr lang="en-US" dirty="0">
-                <a:hlinkClick r:id="rId2"/>
-              </a:rPr>
-              <a:t>Bootstrap</a:t>
-            </a:r>
-            <a:r>
-              <a:rPr lang="en-US" dirty="0"/>
-              <a:t> for responsiveness, CSS for styling to display each page</a:t>
-            </a:r>
-          </a:p>
-          <a:p>
-            <a:pPr marL="0" indent="0">
-              <a:buNone/>
-            </a:pPr>
-            <a:endParaRPr lang="en-US" dirty="0"/>
-          </a:p>
-          <a:p>
-            <a:endParaRPr lang="en-US" dirty="0"/>
+              <a:rPr lang="en-US" sz="2800" b="0"/>
+              <a:t>Building the ORM classes, SQLite database</a:t>
+            </a:r>
+            <a:br>
+              <a:rPr lang="en-US" sz="2800" b="0"/>
+            </a:br>
+            <a:endParaRPr lang="en-US" sz="2800"/>
           </a:p>
         </p:txBody>
       </p:sp>
       <p:pic>
         <p:nvPicPr>
-          <p:cNvPr id="6" name="Picture 5" descr="A screenshot of a cell phone&#10;&#10;Description automatically generated">
+          <p:cNvPr id="11" name="Picture 10" descr="A screen shot of a computer&#10;&#10;Description automatically generated">
             <a:extLst>
               <a:ext uri="{FF2B5EF4-FFF2-40B4-BE49-F238E27FC236}">
-                <a16:creationId xmlns:a16="http://schemas.microsoft.com/office/drawing/2014/main" id="{778D7752-6825-7E4E-9D3F-217427BFB4A4}"/>
+                <a16:creationId xmlns:a16="http://schemas.microsoft.com/office/drawing/2014/main" id="{7F7834E9-4C97-D24F-BFB8-AD9FBF39D6D3}"/>
               </a:ext>
             </a:extLst>
           </p:cNvPr>
@@ -12486,25 +13410,111 @@
           <p:nvPr/>
         </p:nvPicPr>
         <p:blipFill>
-          <a:blip r:embed="rId3"/>
+          <a:blip r:embed="rId2"/>
           <a:stretch>
             <a:fillRect/>
           </a:stretch>
         </p:blipFill>
         <p:spPr>
           <a:xfrm>
-            <a:off x="916868" y="892220"/>
-            <a:ext cx="4991100" cy="5029200"/>
+            <a:off x="643468" y="1281736"/>
+            <a:ext cx="5060992" cy="1404425"/>
           </a:xfrm>
           <a:prstGeom prst="rect">
             <a:avLst/>
           </a:prstGeom>
         </p:spPr>
       </p:pic>
+      <p:pic>
+        <p:nvPicPr>
+          <p:cNvPr id="5" name="Picture 4" descr="A screenshot of text&#10;&#10;Description automatically generated">
+            <a:extLst>
+              <a:ext uri="{FF2B5EF4-FFF2-40B4-BE49-F238E27FC236}">
+                <a16:creationId xmlns:a16="http://schemas.microsoft.com/office/drawing/2014/main" id="{A93F49C8-FE84-5145-AA49-AA0BDDBCA690}"/>
+              </a:ext>
+            </a:extLst>
+          </p:cNvPr>
+          <p:cNvPicPr>
+            <a:picLocks noChangeAspect="1"/>
+          </p:cNvPicPr>
+          <p:nvPr/>
+        </p:nvPicPr>
+        <p:blipFill rotWithShape="1">
+          <a:blip r:embed="rId3"/>
+          <a:srcRect t="5714" r="-2" b="3863"/>
+          <a:stretch/>
+        </p:blipFill>
+        <p:spPr>
+          <a:xfrm>
+            <a:off x="1909476" y="3509433"/>
+            <a:ext cx="2528975" cy="2771795"/>
+          </a:xfrm>
+          <a:prstGeom prst="rect">
+            <a:avLst/>
+          </a:prstGeom>
+        </p:spPr>
+      </p:pic>
+      <p:sp>
+        <p:nvSpPr>
+          <p:cNvPr id="3" name="Content Placeholder 2">
+            <a:extLst>
+              <a:ext uri="{FF2B5EF4-FFF2-40B4-BE49-F238E27FC236}">
+                <a16:creationId xmlns:a16="http://schemas.microsoft.com/office/drawing/2014/main" id="{C62288B3-17FA-BC44-9433-51EE71818869}"/>
+              </a:ext>
+            </a:extLst>
+          </p:cNvPr>
+          <p:cNvSpPr>
+            <a:spLocks noGrp="1"/>
+          </p:cNvSpPr>
+          <p:nvPr>
+            <p:ph idx="1"/>
+          </p:nvPr>
+        </p:nvSpPr>
+        <p:spPr>
+          <a:xfrm>
+            <a:off x="6846137" y="2303563"/>
+            <a:ext cx="4602152" cy="3715424"/>
+          </a:xfrm>
+        </p:spPr>
+        <p:txBody>
+          <a:bodyPr>
+            <a:normAutofit/>
+          </a:bodyPr>
+          <a:lstStyle/>
+          <a:p>
+            <a:r>
+              <a:rPr lang="en-US"/>
+              <a:t>We are using Python Flask for building a server that interact with ORM </a:t>
+            </a:r>
+            <a:r>
+              <a:rPr lang="en-US" err="1"/>
+              <a:t>SQLAlchemy</a:t>
+            </a:r>
+            <a:r>
+              <a:rPr lang="en-US"/>
+              <a:t> classes and flask-marshmallow /marshmallow-</a:t>
+            </a:r>
+            <a:r>
+              <a:rPr lang="en-US" err="1"/>
+              <a:t>sqlalchemy</a:t>
+            </a:r>
+            <a:r>
+              <a:rPr lang="en-US"/>
+              <a:t> for serializing and deserializing the data, render the html page that contains our Model related details. Our database is SQLite which we use to store user entered form data using Post Rest APIs</a:t>
+            </a:r>
+          </a:p>
+          <a:p>
+            <a:pPr marL="0" indent="0">
+              <a:buNone/>
+            </a:pPr>
+            <a:endParaRPr lang="en-US"/>
+          </a:p>
+        </p:txBody>
+      </p:sp>
     </p:spTree>
     <p:extLst>
       <p:ext uri="{BB962C8B-B14F-4D97-AF65-F5344CB8AC3E}">
-        <p14:creationId xmlns:p14="http://schemas.microsoft.com/office/powerpoint/2010/main" val="3581238473"/>
+        <p14:creationId xmlns:p14="http://schemas.microsoft.com/office/powerpoint/2010/main" val="342110705"/>
       </p:ext>
     </p:extLst>
   </p:cSld>
@@ -12820,6 +13830,674 @@
 </file>
 
 <file path=ppt/slides/slide20.xml><?xml version="1.0" encoding="utf-8"?>
+<p:sld xmlns:a="http://schemas.openxmlformats.org/drawingml/2006/main" xmlns:r="http://schemas.openxmlformats.org/officeDocument/2006/relationships" xmlns:p="http://schemas.openxmlformats.org/presentationml/2006/main">
+  <p:cSld>
+    <p:bg>
+      <p:bgPr>
+        <a:solidFill>
+          <a:schemeClr val="bg1"/>
+        </a:solidFill>
+        <a:effectLst/>
+      </p:bgPr>
+    </p:bg>
+    <p:spTree>
+      <p:nvGrpSpPr>
+        <p:cNvPr id="1" name=""/>
+        <p:cNvGrpSpPr/>
+        <p:nvPr/>
+      </p:nvGrpSpPr>
+      <p:grpSpPr>
+        <a:xfrm>
+          <a:off x="0" y="0"/>
+          <a:ext cx="0" cy="0"/>
+          <a:chOff x="0" y="0"/>
+          <a:chExt cx="0" cy="0"/>
+        </a:xfrm>
+      </p:grpSpPr>
+      <p:sp useBgFill="1">
+        <p:nvSpPr>
+          <p:cNvPr id="28" name="Rectangle 21">
+            <a:extLst>
+              <a:ext uri="{FF2B5EF4-FFF2-40B4-BE49-F238E27FC236}">
+                <a16:creationId xmlns:a16="http://schemas.microsoft.com/office/drawing/2014/main" id="{78632963-757B-40C2-BB84-FC6107A54DAD}"/>
+              </a:ext>
+              <a:ext uri="{C183D7F6-B498-43B3-948B-1728B52AA6E4}">
+                <adec:decorative xmlns:adec="http://schemas.microsoft.com/office/drawing/2017/decorative" val="1"/>
+              </a:ext>
+            </a:extLst>
+          </p:cNvPr>
+          <p:cNvSpPr>
+            <a:spLocks noGrp="1" noRot="1" noChangeAspect="1" noMove="1" noResize="1" noEditPoints="1" noAdjustHandles="1" noChangeArrowheads="1" noChangeShapeType="1" noTextEdit="1"/>
+          </p:cNvSpPr>
+          <p:nvPr>
+            <p:extLst>
+              <p:ext uri="{386F3935-93C4-4BCD-93E2-E3B085C9AB24}">
+                <p16:designElem xmlns:p16="http://schemas.microsoft.com/office/powerpoint/2015/main" val="1"/>
+              </p:ext>
+            </p:extLst>
+          </p:nvPr>
+        </p:nvSpPr>
+        <p:spPr>
+          <a:xfrm>
+            <a:off x="-1866" y="0"/>
+            <a:ext cx="12193866" cy="6858000"/>
+          </a:xfrm>
+          <a:prstGeom prst="rect">
+            <a:avLst/>
+          </a:prstGeom>
+          <a:ln>
+            <a:noFill/>
+          </a:ln>
+        </p:spPr>
+        <p:style>
+          <a:lnRef idx="2">
+            <a:schemeClr val="accent1">
+              <a:shade val="50000"/>
+            </a:schemeClr>
+          </a:lnRef>
+          <a:fillRef idx="1">
+            <a:schemeClr val="accent1"/>
+          </a:fillRef>
+          <a:effectRef idx="0">
+            <a:schemeClr val="accent1"/>
+          </a:effectRef>
+          <a:fontRef idx="minor">
+            <a:schemeClr val="lt1"/>
+          </a:fontRef>
+        </p:style>
+        <p:txBody>
+          <a:bodyPr rtlCol="0" anchor="ctr"/>
+          <a:lstStyle/>
+          <a:p>
+            <a:pPr algn="ctr"/>
+            <a:endParaRPr lang="en-US" dirty="0"/>
+          </a:p>
+        </p:txBody>
+      </p:sp>
+      <p:sp>
+        <p:nvSpPr>
+          <p:cNvPr id="29" name="Rectangle 23">
+            <a:extLst>
+              <a:ext uri="{FF2B5EF4-FFF2-40B4-BE49-F238E27FC236}">
+                <a16:creationId xmlns:a16="http://schemas.microsoft.com/office/drawing/2014/main" id="{2853AE55-7E35-44B0-89F1-3F52B262AF33}"/>
+              </a:ext>
+              <a:ext uri="{C183D7F6-B498-43B3-948B-1728B52AA6E4}">
+                <adec:decorative xmlns:adec="http://schemas.microsoft.com/office/drawing/2017/decorative" val="1"/>
+              </a:ext>
+            </a:extLst>
+          </p:cNvPr>
+          <p:cNvSpPr>
+            <a:spLocks noGrp="1" noRot="1" noChangeAspect="1" noMove="1" noResize="1" noEditPoints="1" noAdjustHandles="1" noChangeArrowheads="1" noChangeShapeType="1" noTextEdit="1"/>
+          </p:cNvSpPr>
+          <p:nvPr>
+            <p:extLst>
+              <p:ext uri="{386F3935-93C4-4BCD-93E2-E3B085C9AB24}">
+                <p16:designElem xmlns:p16="http://schemas.microsoft.com/office/powerpoint/2015/main" val="1"/>
+              </p:ext>
+            </p:extLst>
+          </p:nvPr>
+        </p:nvSpPr>
+        <p:spPr>
+          <a:xfrm>
+            <a:off x="6339709" y="253548"/>
+            <a:ext cx="5612193" cy="6361598"/>
+          </a:xfrm>
+          <a:prstGeom prst="rect">
+            <a:avLst/>
+          </a:prstGeom>
+          <a:solidFill>
+            <a:schemeClr val="bg1">
+              <a:lumMod val="75000"/>
+              <a:alpha val="60000"/>
+            </a:schemeClr>
+          </a:solidFill>
+          <a:ln>
+            <a:noFill/>
+          </a:ln>
+        </p:spPr>
+        <p:style>
+          <a:lnRef idx="2">
+            <a:schemeClr val="accent1">
+              <a:shade val="50000"/>
+            </a:schemeClr>
+          </a:lnRef>
+          <a:fillRef idx="1">
+            <a:schemeClr val="accent1"/>
+          </a:fillRef>
+          <a:effectRef idx="0">
+            <a:schemeClr val="accent1"/>
+          </a:effectRef>
+          <a:fontRef idx="minor">
+            <a:schemeClr val="lt1"/>
+          </a:fontRef>
+        </p:style>
+        <p:txBody>
+          <a:bodyPr rtlCol="0" anchor="ctr"/>
+          <a:lstStyle/>
+          <a:p>
+            <a:pPr algn="ctr"/>
+            <a:endParaRPr lang="en-US"/>
+          </a:p>
+        </p:txBody>
+      </p:sp>
+      <p:sp>
+        <p:nvSpPr>
+          <p:cNvPr id="30" name="Rectangle 25">
+            <a:extLst>
+              <a:ext uri="{FF2B5EF4-FFF2-40B4-BE49-F238E27FC236}">
+                <a16:creationId xmlns:a16="http://schemas.microsoft.com/office/drawing/2014/main" id="{DBC4BE4D-4B50-4F51-9F85-4B5D60B02D81}"/>
+              </a:ext>
+              <a:ext uri="{C183D7F6-B498-43B3-948B-1728B52AA6E4}">
+                <adec:decorative xmlns:adec="http://schemas.microsoft.com/office/drawing/2017/decorative" val="1"/>
+              </a:ext>
+            </a:extLst>
+          </p:cNvPr>
+          <p:cNvSpPr>
+            <a:spLocks noGrp="1" noRot="1" noChangeAspect="1" noMove="1" noResize="1" noEditPoints="1" noAdjustHandles="1" noChangeArrowheads="1" noChangeShapeType="1" noTextEdit="1"/>
+          </p:cNvSpPr>
+          <p:nvPr>
+            <p:extLst>
+              <p:ext uri="{386F3935-93C4-4BCD-93E2-E3B085C9AB24}">
+                <p16:designElem xmlns:p16="http://schemas.microsoft.com/office/powerpoint/2015/main" val="1"/>
+              </p:ext>
+            </p:extLst>
+          </p:nvPr>
+        </p:nvSpPr>
+        <p:spPr>
+          <a:xfrm>
+            <a:off x="6487542" y="407588"/>
+            <a:ext cx="5299768" cy="6022878"/>
+          </a:xfrm>
+          <a:prstGeom prst="rect">
+            <a:avLst/>
+          </a:prstGeom>
+          <a:noFill/>
+          <a:ln w="6350">
+            <a:solidFill>
+              <a:schemeClr val="tx1">
+                <a:lumMod val="75000"/>
+                <a:lumOff val="25000"/>
+              </a:schemeClr>
+            </a:solidFill>
+          </a:ln>
+        </p:spPr>
+        <p:style>
+          <a:lnRef idx="2">
+            <a:schemeClr val="accent1">
+              <a:shade val="50000"/>
+            </a:schemeClr>
+          </a:lnRef>
+          <a:fillRef idx="1">
+            <a:schemeClr val="accent1"/>
+          </a:fillRef>
+          <a:effectRef idx="0">
+            <a:schemeClr val="accent1"/>
+          </a:effectRef>
+          <a:fontRef idx="minor">
+            <a:schemeClr val="lt1"/>
+          </a:fontRef>
+        </p:style>
+        <p:txBody>
+          <a:bodyPr rtlCol="0" anchor="ctr"/>
+          <a:lstStyle/>
+          <a:p>
+            <a:pPr algn="ctr"/>
+            <a:endParaRPr lang="en-US"/>
+          </a:p>
+        </p:txBody>
+      </p:sp>
+      <p:sp>
+        <p:nvSpPr>
+          <p:cNvPr id="2" name="Title 1">
+            <a:extLst>
+              <a:ext uri="{FF2B5EF4-FFF2-40B4-BE49-F238E27FC236}">
+                <a16:creationId xmlns:a16="http://schemas.microsoft.com/office/drawing/2014/main" id="{1C2CE2A7-5866-D546-A548-7FF7C474739F}"/>
+              </a:ext>
+            </a:extLst>
+          </p:cNvPr>
+          <p:cNvSpPr>
+            <a:spLocks noGrp="1"/>
+          </p:cNvSpPr>
+          <p:nvPr>
+            <p:ph type="title"/>
+          </p:nvPr>
+        </p:nvSpPr>
+        <p:spPr>
+          <a:xfrm>
+            <a:off x="6846137" y="3567774"/>
+            <a:ext cx="4602152" cy="939074"/>
+          </a:xfrm>
+        </p:spPr>
+        <p:txBody>
+          <a:bodyPr>
+            <a:normAutofit/>
+          </a:bodyPr>
+          <a:lstStyle/>
+          <a:p>
+            <a:r>
+              <a:rPr lang="en-US" sz="2000" b="0"/>
+              <a:t>Rest APIs : Post,Get, Get(id), Delete(id)</a:t>
+            </a:r>
+            <a:br>
+              <a:rPr lang="en-US" sz="2000" b="0"/>
+            </a:br>
+            <a:endParaRPr lang="en-US" sz="2000"/>
+          </a:p>
+        </p:txBody>
+      </p:sp>
+      <p:pic>
+        <p:nvPicPr>
+          <p:cNvPr id="6" name="Picture 5" descr="A screenshot of text&#10;&#10;Description automatically generated">
+            <a:extLst>
+              <a:ext uri="{FF2B5EF4-FFF2-40B4-BE49-F238E27FC236}">
+                <a16:creationId xmlns:a16="http://schemas.microsoft.com/office/drawing/2014/main" id="{166F3A38-1E77-9D47-B324-EFA4A3C01D06}"/>
+              </a:ext>
+            </a:extLst>
+          </p:cNvPr>
+          <p:cNvPicPr>
+            <a:picLocks noChangeAspect="1"/>
+          </p:cNvPicPr>
+          <p:nvPr/>
+        </p:nvPicPr>
+        <p:blipFill rotWithShape="1">
+          <a:blip r:embed="rId2"/>
+          <a:srcRect r="18343" b="2"/>
+          <a:stretch/>
+        </p:blipFill>
+        <p:spPr>
+          <a:xfrm>
+            <a:off x="643468" y="643441"/>
+            <a:ext cx="5060992" cy="5546980"/>
+          </a:xfrm>
+          <a:prstGeom prst="rect">
+            <a:avLst/>
+          </a:prstGeom>
+        </p:spPr>
+      </p:pic>
+      <p:pic>
+        <p:nvPicPr>
+          <p:cNvPr id="8" name="Picture 7" descr="A screenshot of a social media post&#10;&#10;Description automatically generated">
+            <a:extLst>
+              <a:ext uri="{FF2B5EF4-FFF2-40B4-BE49-F238E27FC236}">
+                <a16:creationId xmlns:a16="http://schemas.microsoft.com/office/drawing/2014/main" id="{7591A3E5-B5CB-6340-BC2E-F1B92F9E210F}"/>
+              </a:ext>
+            </a:extLst>
+          </p:cNvPr>
+          <p:cNvPicPr>
+            <a:picLocks noChangeAspect="1"/>
+          </p:cNvPicPr>
+          <p:nvPr/>
+        </p:nvPicPr>
+        <p:blipFill>
+          <a:blip r:embed="rId3"/>
+          <a:stretch>
+            <a:fillRect/>
+          </a:stretch>
+        </p:blipFill>
+        <p:spPr>
+          <a:xfrm>
+            <a:off x="6853380" y="564693"/>
+            <a:ext cx="4619836" cy="2864298"/>
+          </a:xfrm>
+          <a:prstGeom prst="rect">
+            <a:avLst/>
+          </a:prstGeom>
+        </p:spPr>
+      </p:pic>
+      <p:sp>
+        <p:nvSpPr>
+          <p:cNvPr id="3" name="Content Placeholder 2">
+            <a:extLst>
+              <a:ext uri="{FF2B5EF4-FFF2-40B4-BE49-F238E27FC236}">
+                <a16:creationId xmlns:a16="http://schemas.microsoft.com/office/drawing/2014/main" id="{C62288B3-17FA-BC44-9433-51EE71818869}"/>
+              </a:ext>
+            </a:extLst>
+          </p:cNvPr>
+          <p:cNvSpPr>
+            <a:spLocks noGrp="1"/>
+          </p:cNvSpPr>
+          <p:nvPr>
+            <p:ph idx="1"/>
+          </p:nvPr>
+        </p:nvSpPr>
+        <p:spPr>
+          <a:xfrm>
+            <a:off x="6846137" y="4555671"/>
+            <a:ext cx="4602152" cy="1463315"/>
+          </a:xfrm>
+        </p:spPr>
+        <p:txBody>
+          <a:bodyPr>
+            <a:normAutofit/>
+          </a:bodyPr>
+          <a:lstStyle/>
+          <a:p>
+            <a:pPr marL="0" indent="0">
+              <a:lnSpc>
+                <a:spcPct val="100000"/>
+              </a:lnSpc>
+              <a:buNone/>
+            </a:pPr>
+            <a:endParaRPr lang="en-US" sz="1300"/>
+          </a:p>
+          <a:p>
+            <a:pPr marL="0" indent="0">
+              <a:lnSpc>
+                <a:spcPct val="100000"/>
+              </a:lnSpc>
+              <a:buNone/>
+            </a:pPr>
+            <a:r>
+              <a:rPr lang="en-US" sz="1300"/>
+              <a:t>Though we need just Post rest </a:t>
+            </a:r>
+            <a:r>
+              <a:rPr lang="en-US" sz="1300" err="1"/>
+              <a:t>api</a:t>
+            </a:r>
+            <a:r>
+              <a:rPr lang="en-US" sz="1300"/>
+              <a:t> to create each prediction form entry per patient, we created other rest </a:t>
+            </a:r>
+            <a:r>
+              <a:rPr lang="en-US" sz="1300" err="1"/>
+              <a:t>apis</a:t>
+            </a:r>
+            <a:r>
+              <a:rPr lang="en-US" sz="1300"/>
+              <a:t> Get all, Get(id), Delete(id) </a:t>
+            </a:r>
+            <a:r>
+              <a:rPr lang="en-US" sz="1300" err="1"/>
+              <a:t>etc</a:t>
+            </a:r>
+            <a:r>
+              <a:rPr lang="en-US" sz="1300"/>
+              <a:t>…. To interact with our SQLite database for completeness and we tested these APIs using Postman (collaboration platform for API development.)</a:t>
+            </a:r>
+          </a:p>
+        </p:txBody>
+      </p:sp>
+    </p:spTree>
+    <p:extLst>
+      <p:ext uri="{BB962C8B-B14F-4D97-AF65-F5344CB8AC3E}">
+        <p14:creationId xmlns:p14="http://schemas.microsoft.com/office/powerpoint/2010/main" val="3788525839"/>
+      </p:ext>
+    </p:extLst>
+  </p:cSld>
+  <p:clrMapOvr>
+    <a:masterClrMapping/>
+  </p:clrMapOvr>
+</p:sld>
+</file>
+
+<file path=ppt/slides/slide21.xml><?xml version="1.0" encoding="utf-8"?>
+<p:sld xmlns:a="http://schemas.openxmlformats.org/drawingml/2006/main" xmlns:r="http://schemas.openxmlformats.org/officeDocument/2006/relationships" xmlns:p="http://schemas.openxmlformats.org/presentationml/2006/main">
+  <p:cSld>
+    <p:bg>
+      <p:bgPr>
+        <a:solidFill>
+          <a:schemeClr val="bg1"/>
+        </a:solidFill>
+        <a:effectLst/>
+      </p:bgPr>
+    </p:bg>
+    <p:spTree>
+      <p:nvGrpSpPr>
+        <p:cNvPr id="1" name=""/>
+        <p:cNvGrpSpPr/>
+        <p:nvPr/>
+      </p:nvGrpSpPr>
+      <p:grpSpPr>
+        <a:xfrm>
+          <a:off x="0" y="0"/>
+          <a:ext cx="0" cy="0"/>
+          <a:chOff x="0" y="0"/>
+          <a:chExt cx="0" cy="0"/>
+        </a:xfrm>
+      </p:grpSpPr>
+      <p:sp>
+        <p:nvSpPr>
+          <p:cNvPr id="2" name="Title 1">
+            <a:extLst>
+              <a:ext uri="{FF2B5EF4-FFF2-40B4-BE49-F238E27FC236}">
+                <a16:creationId xmlns:a16="http://schemas.microsoft.com/office/drawing/2014/main" id="{DC3BB3F9-151F-5843-BB60-9FC1E6832C28}"/>
+              </a:ext>
+            </a:extLst>
+          </p:cNvPr>
+          <p:cNvSpPr>
+            <a:spLocks noGrp="1"/>
+          </p:cNvSpPr>
+          <p:nvPr>
+            <p:ph type="title"/>
+          </p:nvPr>
+        </p:nvSpPr>
+        <p:spPr>
+          <a:xfrm>
+            <a:off x="6579450" y="727627"/>
+            <a:ext cx="4957553" cy="1645920"/>
+          </a:xfrm>
+        </p:spPr>
+        <p:txBody>
+          <a:bodyPr>
+            <a:normAutofit fontScale="90000"/>
+          </a:bodyPr>
+          <a:lstStyle/>
+          <a:p>
+            <a:r>
+              <a:rPr lang="en-US" sz="3600" b="0" dirty="0"/>
+              <a:t>Front-end side preparation, Folder structure</a:t>
+            </a:r>
+            <a:br>
+              <a:rPr lang="en-US" sz="3600" b="0" dirty="0"/>
+            </a:br>
+            <a:endParaRPr lang="en-US" sz="3600" dirty="0"/>
+          </a:p>
+        </p:txBody>
+      </p:sp>
+      <p:sp>
+        <p:nvSpPr>
+          <p:cNvPr id="10" name="Rectangle 9">
+            <a:extLst>
+              <a:ext uri="{FF2B5EF4-FFF2-40B4-BE49-F238E27FC236}">
+                <a16:creationId xmlns:a16="http://schemas.microsoft.com/office/drawing/2014/main" id="{0BBB6B01-5B73-410C-B70E-8CF2FA470D11}"/>
+              </a:ext>
+              <a:ext uri="{C183D7F6-B498-43B3-948B-1728B52AA6E4}">
+                <adec:decorative xmlns:adec="http://schemas.microsoft.com/office/drawing/2017/decorative" val="1"/>
+              </a:ext>
+            </a:extLst>
+          </p:cNvPr>
+          <p:cNvSpPr>
+            <a:spLocks noGrp="1" noRot="1" noChangeAspect="1" noMove="1" noResize="1" noEditPoints="1" noAdjustHandles="1" noChangeArrowheads="1" noChangeShapeType="1" noTextEdit="1"/>
+          </p:cNvSpPr>
+          <p:nvPr>
+            <p:extLst>
+              <p:ext uri="{386F3935-93C4-4BCD-93E2-E3B085C9AB24}">
+                <p16:designElem xmlns:p16="http://schemas.microsoft.com/office/powerpoint/2015/main" val="1"/>
+              </p:ext>
+            </p:extLst>
+          </p:nvPr>
+        </p:nvSpPr>
+        <p:spPr>
+          <a:xfrm>
+            <a:off x="728836" y="721224"/>
+            <a:ext cx="5367164" cy="5415552"/>
+          </a:xfrm>
+          <a:prstGeom prst="rect">
+            <a:avLst/>
+          </a:prstGeom>
+          <a:solidFill>
+            <a:srgbClr val="FFFFFF"/>
+          </a:solidFill>
+          <a:ln w="6350" cap="flat" cmpd="sng" algn="ctr">
+            <a:noFill/>
+            <a:prstDash val="solid"/>
+          </a:ln>
+          <a:effectLst>
+            <a:softEdge rad="0"/>
+          </a:effectLst>
+        </p:spPr>
+      </p:sp>
+      <p:sp>
+        <p:nvSpPr>
+          <p:cNvPr id="12" name="Rectangle 11">
+            <a:extLst>
+              <a:ext uri="{FF2B5EF4-FFF2-40B4-BE49-F238E27FC236}">
+                <a16:creationId xmlns:a16="http://schemas.microsoft.com/office/drawing/2014/main" id="{8712F587-12D0-435C-8E3F-F44C36EE71B8}"/>
+              </a:ext>
+              <a:ext uri="{C183D7F6-B498-43B3-948B-1728B52AA6E4}">
+                <adec:decorative xmlns:adec="http://schemas.microsoft.com/office/drawing/2017/decorative" val="1"/>
+              </a:ext>
+            </a:extLst>
+          </p:cNvPr>
+          <p:cNvSpPr>
+            <a:spLocks noGrp="1" noRot="1" noChangeAspect="1" noMove="1" noResize="1" noEditPoints="1" noAdjustHandles="1" noChangeArrowheads="1" noChangeShapeType="1" noTextEdit="1"/>
+          </p:cNvSpPr>
+          <p:nvPr>
+            <p:extLst>
+              <p:ext uri="{386F3935-93C4-4BCD-93E2-E3B085C9AB24}">
+                <p16:designElem xmlns:p16="http://schemas.microsoft.com/office/powerpoint/2015/main" val="1"/>
+              </p:ext>
+            </p:extLst>
+          </p:nvPr>
+        </p:nvSpPr>
+        <p:spPr>
+          <a:xfrm>
+            <a:off x="885217" y="892220"/>
+            <a:ext cx="5054517" cy="5097085"/>
+          </a:xfrm>
+          <a:prstGeom prst="rect">
+            <a:avLst/>
+          </a:prstGeom>
+          <a:noFill/>
+          <a:ln w="6350" cap="sq" cmpd="sng" algn="ctr">
+            <a:solidFill>
+              <a:srgbClr val="404040"/>
+            </a:solidFill>
+            <a:prstDash val="solid"/>
+            <a:miter lim="800000"/>
+          </a:ln>
+          <a:effectLst/>
+        </p:spPr>
+      </p:sp>
+      <p:sp>
+        <p:nvSpPr>
+          <p:cNvPr id="3" name="Content Placeholder 2">
+            <a:extLst>
+              <a:ext uri="{FF2B5EF4-FFF2-40B4-BE49-F238E27FC236}">
+                <a16:creationId xmlns:a16="http://schemas.microsoft.com/office/drawing/2014/main" id="{7F0866D1-E509-B849-B6D2-6440A7F0A257}"/>
+              </a:ext>
+            </a:extLst>
+          </p:cNvPr>
+          <p:cNvSpPr>
+            <a:spLocks noGrp="1"/>
+          </p:cNvSpPr>
+          <p:nvPr>
+            <p:ph idx="1"/>
+          </p:nvPr>
+        </p:nvSpPr>
+        <p:spPr>
+          <a:xfrm>
+            <a:off x="6579450" y="2538919"/>
+            <a:ext cx="4957554" cy="3496120"/>
+          </a:xfrm>
+        </p:spPr>
+        <p:txBody>
+          <a:bodyPr>
+            <a:normAutofit/>
+          </a:bodyPr>
+          <a:lstStyle/>
+          <a:p>
+            <a:r>
+              <a:rPr lang="en-US" dirty="0"/>
+              <a:t>Now that we have the server side code and </a:t>
+            </a:r>
+            <a:r>
+              <a:rPr lang="en-US" dirty="0" err="1"/>
+              <a:t>datbase</a:t>
+            </a:r>
+            <a:r>
+              <a:rPr lang="en-US" dirty="0"/>
+              <a:t>.</a:t>
+            </a:r>
+          </a:p>
+          <a:p>
+            <a:r>
+              <a:rPr lang="en-US" dirty="0"/>
+              <a:t>We connect our models to the prediction form</a:t>
+            </a:r>
+          </a:p>
+          <a:p>
+            <a:r>
+              <a:rPr lang="en-US" dirty="0"/>
+              <a:t>We will also be using </a:t>
+            </a:r>
+            <a:r>
+              <a:rPr lang="en-US" dirty="0">
+                <a:hlinkClick r:id="rId2"/>
+              </a:rPr>
+              <a:t>Bootstrap</a:t>
+            </a:r>
+            <a:r>
+              <a:rPr lang="en-US" dirty="0"/>
+              <a:t> for responsiveness, CSS for styling to display each page</a:t>
+            </a:r>
+          </a:p>
+          <a:p>
+            <a:pPr marL="0" indent="0">
+              <a:buNone/>
+            </a:pPr>
+            <a:endParaRPr lang="en-US" dirty="0"/>
+          </a:p>
+          <a:p>
+            <a:endParaRPr lang="en-US" dirty="0"/>
+          </a:p>
+        </p:txBody>
+      </p:sp>
+      <p:pic>
+        <p:nvPicPr>
+          <p:cNvPr id="6" name="Picture 5" descr="A screenshot of a cell phone&#10;&#10;Description automatically generated">
+            <a:extLst>
+              <a:ext uri="{FF2B5EF4-FFF2-40B4-BE49-F238E27FC236}">
+                <a16:creationId xmlns:a16="http://schemas.microsoft.com/office/drawing/2014/main" id="{778D7752-6825-7E4E-9D3F-217427BFB4A4}"/>
+              </a:ext>
+            </a:extLst>
+          </p:cNvPr>
+          <p:cNvPicPr>
+            <a:picLocks noChangeAspect="1"/>
+          </p:cNvPicPr>
+          <p:nvPr/>
+        </p:nvPicPr>
+        <p:blipFill>
+          <a:blip r:embed="rId3"/>
+          <a:stretch>
+            <a:fillRect/>
+          </a:stretch>
+        </p:blipFill>
+        <p:spPr>
+          <a:xfrm>
+            <a:off x="916868" y="892220"/>
+            <a:ext cx="4991100" cy="5029200"/>
+          </a:xfrm>
+          <a:prstGeom prst="rect">
+            <a:avLst/>
+          </a:prstGeom>
+        </p:spPr>
+      </p:pic>
+    </p:spTree>
+    <p:extLst>
+      <p:ext uri="{BB962C8B-B14F-4D97-AF65-F5344CB8AC3E}">
+        <p14:creationId xmlns:p14="http://schemas.microsoft.com/office/powerpoint/2010/main" val="3581238473"/>
+      </p:ext>
+    </p:extLst>
+  </p:cSld>
+  <p:clrMapOvr>
+    <a:masterClrMapping/>
+  </p:clrMapOvr>
+</p:sld>
+</file>
+
+<file path=ppt/slides/slide22.xml><?xml version="1.0" encoding="utf-8"?>
 <p:sld xmlns:a="http://schemas.openxmlformats.org/drawingml/2006/main" xmlns:r="http://schemas.openxmlformats.org/officeDocument/2006/relationships" xmlns:p="http://schemas.openxmlformats.org/presentationml/2006/main">
   <p:cSld>
     <p:bg>
@@ -13877,7 +15555,7 @@
 </p:sld>
 </file>
 
-<file path=ppt/slides/slide21.xml><?xml version="1.0" encoding="utf-8"?>
+<file path=ppt/slides/slide23.xml><?xml version="1.0" encoding="utf-8"?>
 <p:sld xmlns:a="http://schemas.openxmlformats.org/drawingml/2006/main" xmlns:r="http://schemas.openxmlformats.org/officeDocument/2006/relationships" xmlns:p="http://schemas.openxmlformats.org/presentationml/2006/main">
   <p:cSld>
     <p:bg>
@@ -14734,7 +16412,7 @@
 </p:sld>
 </file>
 
-<file path=ppt/slides/slide22.xml><?xml version="1.0" encoding="utf-8"?>
+<file path=ppt/slides/slide24.xml><?xml version="1.0" encoding="utf-8"?>
 <p:sld xmlns:a="http://schemas.openxmlformats.org/drawingml/2006/main" xmlns:r="http://schemas.openxmlformats.org/officeDocument/2006/relationships" xmlns:p="http://schemas.openxmlformats.org/presentationml/2006/main">
   <p:cSld>
     <p:spTree>
@@ -14817,7 +16495,7 @@
 </p:sld>
 </file>
 
-<file path=ppt/slides/slide23.xml><?xml version="1.0" encoding="utf-8"?>
+<file path=ppt/slides/slide25.xml><?xml version="1.0" encoding="utf-8"?>
 <p:sld xmlns:a="http://schemas.openxmlformats.org/drawingml/2006/main" xmlns:r="http://schemas.openxmlformats.org/officeDocument/2006/relationships" xmlns:p="http://schemas.openxmlformats.org/presentationml/2006/main">
   <p:cSld>
     <p:bg>
@@ -15627,7 +17305,7 @@
 </p:sld>
 </file>
 
-<file path=ppt/slides/slide24.xml><?xml version="1.0" encoding="utf-8"?>
+<file path=ppt/slides/slide26.xml><?xml version="1.0" encoding="utf-8"?>
 <p:sld xmlns:a="http://schemas.openxmlformats.org/drawingml/2006/main" xmlns:r="http://schemas.openxmlformats.org/officeDocument/2006/relationships" xmlns:p="http://schemas.openxmlformats.org/presentationml/2006/main">
   <p:cSld>
     <p:bg>
@@ -17972,26 +19650,26 @@
             <p:ph type="title"/>
           </p:nvPr>
         </p:nvSpPr>
-        <p:spPr/>
+        <p:spPr>
+          <a:xfrm>
+            <a:off x="1066800" y="642595"/>
+            <a:ext cx="10058400" cy="573730"/>
+          </a:xfrm>
+        </p:spPr>
         <p:txBody>
           <a:bodyPr>
             <a:normAutofit fontScale="90000"/>
           </a:bodyPr>
           <a:lstStyle/>
           <a:p>
+            <a:pPr algn="ctr"/>
             <a:br>
               <a:rPr lang="en-US" sz="3100" b="0" dirty="0"/>
             </a:br>
-            <a:br>
-              <a:rPr lang="en-US" sz="3100" b="0" dirty="0"/>
-            </a:br>
             <a:r>
               <a:rPr lang="en-US" sz="3100" b="0" dirty="0"/>
               <a:t>Logistic Regression Model</a:t>
             </a:r>
-            <a:br>
-              <a:rPr lang="en-US" b="0" dirty="0"/>
-            </a:br>
             <a:br>
               <a:rPr lang="en-US" b="0" dirty="0"/>
             </a:br>
@@ -17999,28 +19677,193 @@
           </a:p>
         </p:txBody>
       </p:sp>
-      <p:sp>
-        <p:nvSpPr>
-          <p:cNvPr id="4" name="Content Placeholder 3">
+      <p:pic>
+        <p:nvPicPr>
+          <p:cNvPr id="8" name="Picture 7" descr="A screenshot of a social media post&#10;&#10;Description automatically generated">
             <a:extLst>
               <a:ext uri="{FF2B5EF4-FFF2-40B4-BE49-F238E27FC236}">
-                <a16:creationId xmlns:a16="http://schemas.microsoft.com/office/drawing/2014/main" id="{1A849114-82F9-5644-A084-A8AB20BB1A8E}"/>
+                <a16:creationId xmlns:a16="http://schemas.microsoft.com/office/drawing/2014/main" id="{254F8DD0-BFBE-2041-8CE0-CF69F10681EF}"/>
               </a:ext>
             </a:extLst>
           </p:cNvPr>
-          <p:cNvSpPr>
-            <a:spLocks noGrp="1"/>
-          </p:cNvSpPr>
-          <p:nvPr>
-            <p:ph idx="1"/>
-          </p:nvPr>
-        </p:nvSpPr>
-        <p:spPr/>
+          <p:cNvPicPr>
+            <a:picLocks noChangeAspect="1"/>
+          </p:cNvPicPr>
+          <p:nvPr/>
+        </p:nvPicPr>
+        <p:blipFill>
+          <a:blip r:embed="rId3"/>
+          <a:stretch>
+            <a:fillRect/>
+          </a:stretch>
+        </p:blipFill>
+        <p:spPr>
+          <a:xfrm>
+            <a:off x="2544792" y="3302660"/>
+            <a:ext cx="6807924" cy="1319841"/>
+          </a:xfrm>
+          <a:prstGeom prst="rect">
+            <a:avLst/>
+          </a:prstGeom>
+        </p:spPr>
+      </p:pic>
+      <p:pic>
+        <p:nvPicPr>
+          <p:cNvPr id="10" name="Picture 9" descr="A screenshot of a social media post&#10;&#10;Description automatically generated">
+            <a:extLst>
+              <a:ext uri="{FF2B5EF4-FFF2-40B4-BE49-F238E27FC236}">
+                <a16:creationId xmlns:a16="http://schemas.microsoft.com/office/drawing/2014/main" id="{E82DFA1C-2A73-734A-A4CE-BEF0B9947742}"/>
+              </a:ext>
+            </a:extLst>
+          </p:cNvPr>
+          <p:cNvPicPr>
+            <a:picLocks noChangeAspect="1"/>
+          </p:cNvPicPr>
+          <p:nvPr/>
+        </p:nvPicPr>
+        <p:blipFill>
+          <a:blip r:embed="rId4"/>
+          <a:stretch>
+            <a:fillRect/>
+          </a:stretch>
+        </p:blipFill>
+        <p:spPr>
+          <a:xfrm>
+            <a:off x="1915064" y="4758467"/>
+            <a:ext cx="8361872" cy="1622565"/>
+          </a:xfrm>
+          <a:prstGeom prst="rect">
+            <a:avLst/>
+          </a:prstGeom>
+        </p:spPr>
+      </p:pic>
+      <p:sp>
+        <p:nvSpPr>
+          <p:cNvPr id="13" name="TextBox 12">
+            <a:extLst>
+              <a:ext uri="{FF2B5EF4-FFF2-40B4-BE49-F238E27FC236}">
+                <a16:creationId xmlns:a16="http://schemas.microsoft.com/office/drawing/2014/main" id="{655CCB1B-6E77-6743-B546-FB117AB3F588}"/>
+              </a:ext>
+            </a:extLst>
+          </p:cNvPr>
+          <p:cNvSpPr txBox="1"/>
+          <p:nvPr/>
+        </p:nvSpPr>
+        <p:spPr>
+          <a:xfrm>
+            <a:off x="1506150" y="1443884"/>
+            <a:ext cx="4442604" cy="1631216"/>
+          </a:xfrm>
+          <a:prstGeom prst="rect">
+            <a:avLst/>
+          </a:prstGeom>
+          <a:noFill/>
+        </p:spPr>
         <p:txBody>
-          <a:bodyPr/>
+          <a:bodyPr wrap="square" rtlCol="0">
+            <a:spAutoFit/>
+          </a:bodyPr>
           <a:lstStyle/>
           <a:p>
-            <a:endParaRPr lang="en-US" dirty="0"/>
+            <a:r>
+              <a:rPr lang="en-US" sz="2800" dirty="0"/>
+              <a:t>PROS</a:t>
+            </a:r>
+          </a:p>
+          <a:p>
+            <a:pPr marL="285750" indent="-285750">
+              <a:buFont typeface="Arial" panose="020B0604020202020204" pitchFamily="34" charset="0"/>
+              <a:buChar char="•"/>
+            </a:pPr>
+            <a:r>
+              <a:rPr lang="en-US" dirty="0"/>
+              <a:t>Most popular, simple,  and efficient.</a:t>
+            </a:r>
+          </a:p>
+          <a:p>
+            <a:pPr marL="285750" indent="-285750">
+              <a:buFont typeface="Arial" panose="020B0604020202020204" pitchFamily="34" charset="0"/>
+              <a:buChar char="•"/>
+            </a:pPr>
+            <a:r>
+              <a:rPr lang="en-US" dirty="0"/>
+              <a:t>Binary classification and discrete outcome.</a:t>
+            </a:r>
+          </a:p>
+          <a:p>
+            <a:pPr marL="285750" indent="-285750">
+              <a:buFont typeface="Arial" panose="020B0604020202020204" pitchFamily="34" charset="0"/>
+              <a:buChar char="•"/>
+            </a:pPr>
+            <a:r>
+              <a:rPr lang="en-US" dirty="0"/>
+              <a:t>No scaling required for x inputs.</a:t>
+            </a:r>
+          </a:p>
+        </p:txBody>
+      </p:sp>
+      <p:sp>
+        <p:nvSpPr>
+          <p:cNvPr id="15" name="TextBox 14">
+            <a:extLst>
+              <a:ext uri="{FF2B5EF4-FFF2-40B4-BE49-F238E27FC236}">
+                <a16:creationId xmlns:a16="http://schemas.microsoft.com/office/drawing/2014/main" id="{73DA9A35-3C63-5749-8E38-E637D39CDDF9}"/>
+              </a:ext>
+            </a:extLst>
+          </p:cNvPr>
+          <p:cNvSpPr txBox="1"/>
+          <p:nvPr/>
+        </p:nvSpPr>
+        <p:spPr>
+          <a:xfrm>
+            <a:off x="6682596" y="1443884"/>
+            <a:ext cx="4442604" cy="1631216"/>
+          </a:xfrm>
+          <a:prstGeom prst="rect">
+            <a:avLst/>
+          </a:prstGeom>
+          <a:noFill/>
+        </p:spPr>
+        <p:txBody>
+          <a:bodyPr wrap="square" rtlCol="0">
+            <a:spAutoFit/>
+          </a:bodyPr>
+          <a:lstStyle/>
+          <a:p>
+            <a:r>
+              <a:rPr lang="en-US" sz="2800" dirty="0"/>
+              <a:t>CONS</a:t>
+            </a:r>
+          </a:p>
+          <a:p>
+            <a:pPr marL="285750" indent="-285750">
+              <a:buFont typeface="Arial" panose="020B0604020202020204" pitchFamily="34" charset="0"/>
+              <a:buChar char="•"/>
+            </a:pPr>
+            <a:r>
+              <a:rPr lang="en-US" dirty="0"/>
+              <a:t>Can’t solve non-linear problems.</a:t>
+            </a:r>
+          </a:p>
+          <a:p>
+            <a:pPr marL="285750" indent="-285750">
+              <a:buFont typeface="Arial" panose="020B0604020202020204" pitchFamily="34" charset="0"/>
+              <a:buChar char="•"/>
+            </a:pPr>
+            <a:r>
+              <a:rPr lang="en-US" dirty="0"/>
+              <a:t>Outperformed by other complex algorithms.</a:t>
+            </a:r>
+          </a:p>
+          <a:p>
+            <a:pPr marL="285750" indent="-285750">
+              <a:buFont typeface="Arial" panose="020B0604020202020204" pitchFamily="34" charset="0"/>
+              <a:buChar char="•"/>
+            </a:pPr>
+            <a:r>
+              <a:rPr lang="en-US" dirty="0"/>
+              <a:t>Vulnerable to overfitting.</a:t>
+            </a:r>
           </a:p>
         </p:txBody>
       </p:sp>
@@ -18040,14 +19883,6 @@
 <file path=ppt/slides/slide9.xml><?xml version="1.0" encoding="utf-8"?>
 <p:sld xmlns:a="http://schemas.openxmlformats.org/drawingml/2006/main" xmlns:r="http://schemas.openxmlformats.org/officeDocument/2006/relationships" xmlns:p="http://schemas.openxmlformats.org/presentationml/2006/main">
   <p:cSld>
-    <p:bg>
-      <p:bgPr>
-        <a:solidFill>
-          <a:schemeClr val="bg1"/>
-        </a:solidFill>
-        <a:effectLst/>
-      </p:bgPr>
-    </p:bg>
     <p:spTree>
       <p:nvGrpSpPr>
         <p:cNvPr id="1" name=""/>
@@ -18064,190 +19899,6 @@
       </p:grpSpPr>
       <p:sp>
         <p:nvSpPr>
-          <p:cNvPr id="10" name="Rectangle 9">
-            <a:extLst>
-              <a:ext uri="{FF2B5EF4-FFF2-40B4-BE49-F238E27FC236}">
-                <a16:creationId xmlns:a16="http://schemas.microsoft.com/office/drawing/2014/main" id="{282E2A95-1A08-4118-83C6-B1CA5648E075}"/>
-              </a:ext>
-              <a:ext uri="{C183D7F6-B498-43B3-948B-1728B52AA6E4}">
-                <adec:decorative xmlns:adec="http://schemas.microsoft.com/office/drawing/2017/decorative" val="1"/>
-              </a:ext>
-            </a:extLst>
-          </p:cNvPr>
-          <p:cNvSpPr>
-            <a:spLocks noGrp="1" noRot="1" noChangeAspect="1" noMove="1" noResize="1" noEditPoints="1" noAdjustHandles="1" noChangeArrowheads="1" noChangeShapeType="1" noTextEdit="1"/>
-          </p:cNvSpPr>
-          <p:nvPr>
-            <p:extLst>
-              <p:ext uri="{386F3935-93C4-4BCD-93E2-E3B085C9AB24}">
-                <p16:designElem xmlns:p16="http://schemas.microsoft.com/office/powerpoint/2015/main" val="1"/>
-              </p:ext>
-            </p:extLst>
-          </p:nvPr>
-        </p:nvSpPr>
-        <p:spPr>
-          <a:xfrm>
-            <a:off x="0" y="0"/>
-            <a:ext cx="12192000" cy="6858000"/>
-          </a:xfrm>
-          <a:prstGeom prst="rect">
-            <a:avLst/>
-          </a:prstGeom>
-          <a:ln>
-            <a:noFill/>
-          </a:ln>
-        </p:spPr>
-        <p:style>
-          <a:lnRef idx="2">
-            <a:schemeClr val="accent1">
-              <a:shade val="50000"/>
-            </a:schemeClr>
-          </a:lnRef>
-          <a:fillRef idx="1001">
-            <a:schemeClr val="lt1"/>
-          </a:fillRef>
-          <a:effectRef idx="0">
-            <a:schemeClr val="accent1"/>
-          </a:effectRef>
-          <a:fontRef idx="minor">
-            <a:schemeClr val="lt1"/>
-          </a:fontRef>
-        </p:style>
-        <p:txBody>
-          <a:bodyPr rtlCol="0" anchor="ctr"/>
-          <a:lstStyle/>
-          <a:p>
-            <a:pPr algn="ctr"/>
-            <a:endParaRPr lang="en-US"/>
-          </a:p>
-        </p:txBody>
-      </p:sp>
-      <p:sp>
-        <p:nvSpPr>
-          <p:cNvPr id="12" name="Rectangle 11">
-            <a:extLst>
-              <a:ext uri="{FF2B5EF4-FFF2-40B4-BE49-F238E27FC236}">
-                <a16:creationId xmlns:a16="http://schemas.microsoft.com/office/drawing/2014/main" id="{2FFEFC7E-85EE-4AC9-A351-FBEB13A1D622}"/>
-              </a:ext>
-              <a:ext uri="{C183D7F6-B498-43B3-948B-1728B52AA6E4}">
-                <adec:decorative xmlns:adec="http://schemas.microsoft.com/office/drawing/2017/decorative" val="1"/>
-              </a:ext>
-            </a:extLst>
-          </p:cNvPr>
-          <p:cNvSpPr>
-            <a:spLocks noGrp="1" noRot="1" noChangeAspect="1" noMove="1" noResize="1" noEditPoints="1" noAdjustHandles="1" noChangeArrowheads="1" noChangeShapeType="1" noTextEdit="1"/>
-          </p:cNvSpPr>
-          <p:nvPr>
-            <p:extLst>
-              <p:ext uri="{386F3935-93C4-4BCD-93E2-E3B085C9AB24}">
-                <p16:designElem xmlns:p16="http://schemas.microsoft.com/office/powerpoint/2015/main" val="1"/>
-              </p:ext>
-            </p:extLst>
-          </p:nvPr>
-        </p:nvSpPr>
-        <p:spPr>
-          <a:xfrm>
-            <a:off x="245534" y="237744"/>
-            <a:ext cx="2926080" cy="6382512"/>
-          </a:xfrm>
-          <a:prstGeom prst="rect">
-            <a:avLst/>
-          </a:prstGeom>
-          <a:solidFill>
-            <a:schemeClr val="bg1">
-              <a:lumMod val="75000"/>
-              <a:lumOff val="25000"/>
-            </a:schemeClr>
-          </a:solidFill>
-          <a:ln>
-            <a:noFill/>
-          </a:ln>
-        </p:spPr>
-        <p:style>
-          <a:lnRef idx="2">
-            <a:schemeClr val="accent1">
-              <a:shade val="50000"/>
-            </a:schemeClr>
-          </a:lnRef>
-          <a:fillRef idx="1">
-            <a:schemeClr val="accent1"/>
-          </a:fillRef>
-          <a:effectRef idx="0">
-            <a:schemeClr val="accent1"/>
-          </a:effectRef>
-          <a:fontRef idx="minor">
-            <a:schemeClr val="lt1"/>
-          </a:fontRef>
-        </p:style>
-      </p:sp>
-      <p:sp>
-        <p:nvSpPr>
-          <p:cNvPr id="14" name="Rectangle 13">
-            <a:extLst>
-              <a:ext uri="{FF2B5EF4-FFF2-40B4-BE49-F238E27FC236}">
-                <a16:creationId xmlns:a16="http://schemas.microsoft.com/office/drawing/2014/main" id="{CB2511BB-FC4C-45F3-94EB-661D6806C942}"/>
-              </a:ext>
-              <a:ext uri="{C183D7F6-B498-43B3-948B-1728B52AA6E4}">
-                <adec:decorative xmlns:adec="http://schemas.microsoft.com/office/drawing/2017/decorative" val="1"/>
-              </a:ext>
-            </a:extLst>
-          </p:cNvPr>
-          <p:cNvSpPr>
-            <a:spLocks noGrp="1" noRot="1" noChangeAspect="1" noMove="1" noResize="1" noEditPoints="1" noAdjustHandles="1" noChangeArrowheads="1" noChangeShapeType="1" noTextEdit="1"/>
-          </p:cNvSpPr>
-          <p:nvPr>
-            <p:extLst>
-              <p:ext uri="{386F3935-93C4-4BCD-93E2-E3B085C9AB24}">
-                <p16:designElem xmlns:p16="http://schemas.microsoft.com/office/powerpoint/2015/main" val="1"/>
-              </p:ext>
-            </p:extLst>
-          </p:nvPr>
-        </p:nvSpPr>
-        <p:spPr>
-          <a:xfrm>
-            <a:off x="419100" y="413053"/>
-            <a:ext cx="2616201" cy="6064596"/>
-          </a:xfrm>
-          <a:prstGeom prst="rect">
-            <a:avLst/>
-          </a:prstGeom>
-          <a:noFill/>
-          <a:ln w="6350">
-            <a:solidFill>
-              <a:schemeClr val="tx1">
-                <a:lumMod val="75000"/>
-                <a:lumOff val="25000"/>
-              </a:schemeClr>
-            </a:solidFill>
-          </a:ln>
-        </p:spPr>
-        <p:style>
-          <a:lnRef idx="2">
-            <a:schemeClr val="accent1">
-              <a:shade val="50000"/>
-            </a:schemeClr>
-          </a:lnRef>
-          <a:fillRef idx="1">
-            <a:schemeClr val="accent1"/>
-          </a:fillRef>
-          <a:effectRef idx="0">
-            <a:schemeClr val="accent1"/>
-          </a:effectRef>
-          <a:fontRef idx="minor">
-            <a:schemeClr val="lt1"/>
-          </a:fontRef>
-        </p:style>
-        <p:txBody>
-          <a:bodyPr rtlCol="0" anchor="ctr"/>
-          <a:lstStyle/>
-          <a:p>
-            <a:pPr algn="ctr"/>
-            <a:endParaRPr lang="en-US"/>
-          </a:p>
-        </p:txBody>
-      </p:sp>
-      <p:sp>
-        <p:nvSpPr>
           <p:cNvPr id="2" name="Title 1">
             <a:extLst>
               <a:ext uri="{FF2B5EF4-FFF2-40B4-BE49-F238E27FC236}">
@@ -18264,158 +19915,37 @@
         </p:nvSpPr>
         <p:spPr>
           <a:xfrm>
-            <a:off x="557720" y="612843"/>
-            <a:ext cx="2312480" cy="1499738"/>
+            <a:off x="1066800" y="642595"/>
+            <a:ext cx="10058400" cy="573730"/>
           </a:xfrm>
         </p:spPr>
         <p:txBody>
-          <a:bodyPr anchor="b">
-            <a:normAutofit/>
+          <a:bodyPr>
+            <a:normAutofit fontScale="90000"/>
           </a:bodyPr>
           <a:lstStyle/>
           <a:p>
+            <a:pPr algn="ctr"/>
             <a:br>
-              <a:rPr lang="en-US" sz="1500" b="0"/>
+              <a:rPr lang="en-US" sz="3100" b="0" dirty="0"/>
             </a:br>
+            <a:r>
+              <a:rPr lang="en-US" sz="3100" b="0" dirty="0"/>
+              <a:t>Logistic Regression Model</a:t>
+            </a:r>
             <a:br>
-              <a:rPr lang="en-US" sz="1500" b="0"/>
+              <a:rPr lang="en-US" b="0" dirty="0"/>
             </a:br>
-            <a:r>
-              <a:rPr lang="en-US" sz="1500" b="0"/>
-              <a:t>Random Forest Classifier Model</a:t>
-            </a:r>
-            <a:br>
-              <a:rPr lang="en-US" sz="1500" b="0"/>
-            </a:br>
-            <a:br>
-              <a:rPr lang="en-US" sz="1500" b="0"/>
-            </a:br>
-            <a:endParaRPr lang="en-US" sz="1500"/>
+            <a:endParaRPr lang="en-US" dirty="0"/>
           </a:p>
         </p:txBody>
       </p:sp>
-      <p:sp>
-        <p:nvSpPr>
-          <p:cNvPr id="4" name="Content Placeholder 3">
+      <p:pic>
+        <p:nvPicPr>
+          <p:cNvPr id="12" name="Picture 11" descr="A screenshot of a cell phone&#10;&#10;Description automatically generated">
             <a:extLst>
               <a:ext uri="{FF2B5EF4-FFF2-40B4-BE49-F238E27FC236}">
-                <a16:creationId xmlns:a16="http://schemas.microsoft.com/office/drawing/2014/main" id="{1A849114-82F9-5644-A084-A8AB20BB1A8E}"/>
-              </a:ext>
-            </a:extLst>
-          </p:cNvPr>
-          <p:cNvSpPr>
-            <a:spLocks noGrp="1"/>
-          </p:cNvSpPr>
-          <p:nvPr>
-            <p:ph idx="1"/>
-          </p:nvPr>
-        </p:nvSpPr>
-        <p:spPr>
-          <a:xfrm>
-            <a:off x="557720" y="2149813"/>
-            <a:ext cx="2312479" cy="3854197"/>
-          </a:xfrm>
-        </p:spPr>
-        <p:txBody>
-          <a:bodyPr>
-            <a:normAutofit/>
-          </a:bodyPr>
-          <a:lstStyle/>
-          <a:p>
-            <a:r>
-              <a:rPr lang="en-US" sz="1400">
-                <a:solidFill>
-                  <a:schemeClr val="tx1">
-                    <a:lumMod val="85000"/>
-                    <a:lumOff val="15000"/>
-                  </a:schemeClr>
-                </a:solidFill>
-              </a:rPr>
-              <a:t>It is an ensemble tree-based learning algorithm. The Random Forest Classifier is a set of decision trees from randomly selected subset of training set. It </a:t>
-            </a:r>
-            <a:r>
-              <a:rPr lang="en-US" sz="1400" b="1">
-                <a:solidFill>
-                  <a:schemeClr val="tx1">
-                    <a:lumMod val="85000"/>
-                    <a:lumOff val="15000"/>
-                  </a:schemeClr>
-                </a:solidFill>
-              </a:rPr>
-              <a:t>aggregates the votes from different decision trees</a:t>
-            </a:r>
-            <a:r>
-              <a:rPr lang="en-US" sz="1400">
-                <a:solidFill>
-                  <a:schemeClr val="tx1">
-                    <a:lumMod val="85000"/>
-                    <a:lumOff val="15000"/>
-                  </a:schemeClr>
-                </a:solidFill>
-              </a:rPr>
-              <a:t> to decide the final class of the test object.</a:t>
-            </a:r>
-          </a:p>
-          <a:p>
-            <a:endParaRPr lang="en-US" sz="1400">
-              <a:solidFill>
-                <a:schemeClr val="tx1">
-                  <a:lumMod val="85000"/>
-                  <a:lumOff val="15000"/>
-                </a:schemeClr>
-              </a:solidFill>
-            </a:endParaRPr>
-          </a:p>
-        </p:txBody>
-      </p:sp>
-      <p:sp>
-        <p:nvSpPr>
-          <p:cNvPr id="16" name="Rectangle 15">
-            <a:extLst>
-              <a:ext uri="{FF2B5EF4-FFF2-40B4-BE49-F238E27FC236}">
-                <a16:creationId xmlns:a16="http://schemas.microsoft.com/office/drawing/2014/main" id="{68DC0EC7-60EA-4BD3-BC04-D547DE1B2891}"/>
-              </a:ext>
-              <a:ext uri="{C183D7F6-B498-43B3-948B-1728B52AA6E4}">
-                <adec:decorative xmlns:adec="http://schemas.microsoft.com/office/drawing/2017/decorative" val="1"/>
-              </a:ext>
-            </a:extLst>
-          </p:cNvPr>
-          <p:cNvSpPr>
-            <a:spLocks noGrp="1" noRot="1" noChangeAspect="1" noMove="1" noResize="1" noEditPoints="1" noAdjustHandles="1" noChangeArrowheads="1" noChangeShapeType="1" noTextEdit="1"/>
-          </p:cNvSpPr>
-          <p:nvPr>
-            <p:extLst>
-              <p:ext uri="{386F3935-93C4-4BCD-93E2-E3B085C9AB24}">
-                <p16:designElem xmlns:p16="http://schemas.microsoft.com/office/powerpoint/2015/main" val="1"/>
-              </p:ext>
-            </p:extLst>
-          </p:nvPr>
-        </p:nvSpPr>
-        <p:spPr>
-          <a:xfrm>
-            <a:off x="3569764" y="413053"/>
-            <a:ext cx="8212114" cy="6064596"/>
-          </a:xfrm>
-          <a:prstGeom prst="rect">
-            <a:avLst/>
-          </a:prstGeom>
-          <a:noFill/>
-          <a:ln w="6350" cap="sq" cmpd="sng" algn="ctr">
-            <a:solidFill>
-              <a:srgbClr val="404040"/>
-            </a:solidFill>
-            <a:prstDash val="solid"/>
-            <a:miter lim="800000"/>
-          </a:ln>
-          <a:effectLst/>
-        </p:spPr>
-      </p:sp>
-      <p:pic>
-        <p:nvPicPr>
-          <p:cNvPr id="5" name="Picture 4" descr="A close up of a map&#10;&#10;Description automatically generated">
-            <a:extLst>
-              <a:ext uri="{FF2B5EF4-FFF2-40B4-BE49-F238E27FC236}">
-                <a16:creationId xmlns:a16="http://schemas.microsoft.com/office/drawing/2014/main" id="{B32A5E0D-2E27-9743-9F1E-9A10213366AA}"/>
+                <a16:creationId xmlns:a16="http://schemas.microsoft.com/office/drawing/2014/main" id="{E9CC1CBB-0914-ED4B-89BB-95A755C21288}"/>
               </a:ext>
             </a:extLst>
           </p:cNvPr>
@@ -18432,8 +19962,38 @@
         </p:blipFill>
         <p:spPr>
           <a:xfrm>
-            <a:off x="4229239" y="968895"/>
-            <a:ext cx="6828815" cy="5121612"/>
+            <a:off x="1066800" y="1586697"/>
+            <a:ext cx="10058400" cy="2082576"/>
+          </a:xfrm>
+          <a:prstGeom prst="rect">
+            <a:avLst/>
+          </a:prstGeom>
+        </p:spPr>
+      </p:pic>
+      <p:pic>
+        <p:nvPicPr>
+          <p:cNvPr id="4" name="Picture 3" descr="A screenshot of a cell phone&#10;&#10;Description automatically generated">
+            <a:extLst>
+              <a:ext uri="{FF2B5EF4-FFF2-40B4-BE49-F238E27FC236}">
+                <a16:creationId xmlns:a16="http://schemas.microsoft.com/office/drawing/2014/main" id="{64E63499-BC12-5B4D-B2B3-5D60B5C5291F}"/>
+              </a:ext>
+            </a:extLst>
+          </p:cNvPr>
+          <p:cNvPicPr>
+            <a:picLocks noChangeAspect="1"/>
+          </p:cNvPicPr>
+          <p:nvPr/>
+        </p:nvPicPr>
+        <p:blipFill>
+          <a:blip r:embed="rId4"/>
+          <a:stretch>
+            <a:fillRect/>
+          </a:stretch>
+        </p:blipFill>
+        <p:spPr>
+          <a:xfrm>
+            <a:off x="724619" y="4230015"/>
+            <a:ext cx="10742762" cy="1911289"/>
           </a:xfrm>
           <a:prstGeom prst="rect">
             <a:avLst/>
@@ -18443,12 +20003,12 @@
     </p:spTree>
     <p:extLst>
       <p:ext uri="{BB962C8B-B14F-4D97-AF65-F5344CB8AC3E}">
-        <p14:creationId xmlns:p14="http://schemas.microsoft.com/office/powerpoint/2010/main" val="1796379800"/>
+        <p14:creationId xmlns:p14="http://schemas.microsoft.com/office/powerpoint/2010/main" val="3084126839"/>
       </p:ext>
     </p:extLst>
   </p:cSld>
   <p:clrMapOvr>
-    <a:overrideClrMapping bg1="dk1" tx1="lt1" bg2="dk2" tx2="lt2" accent1="accent1" accent2="accent2" accent3="accent3" accent4="accent4" accent5="accent5" accent6="accent6" hlink="hlink" folHlink="folHlink"/>
+    <a:masterClrMapping/>
   </p:clrMapOvr>
 </p:sld>
 </file>
